--- a/Modelling_Presentation_Final_Version.pptx
+++ b/Modelling_Presentation_Final_Version.pptx
@@ -12,38 +12,40 @@
     <p:sldMasterId id="2147483816" r:id="rId8"/>
   </p:sldMasterIdLst>
   <p:notesMasterIdLst>
-    <p:notesMasterId r:id="rId38"/>
+    <p:notesMasterId r:id="rId40"/>
   </p:notesMasterIdLst>
   <p:sldIdLst>
     <p:sldId id="261" r:id="rId9"/>
-    <p:sldId id="285" r:id="rId10"/>
-    <p:sldId id="286" r:id="rId11"/>
-    <p:sldId id="287" r:id="rId12"/>
-    <p:sldId id="288" r:id="rId13"/>
-    <p:sldId id="291" r:id="rId14"/>
-    <p:sldId id="290" r:id="rId15"/>
-    <p:sldId id="289" r:id="rId16"/>
-    <p:sldId id="293" r:id="rId17"/>
-    <p:sldId id="294" r:id="rId18"/>
-    <p:sldId id="295" r:id="rId19"/>
-    <p:sldId id="296" r:id="rId20"/>
-    <p:sldId id="292" r:id="rId21"/>
-    <p:sldId id="299" r:id="rId22"/>
-    <p:sldId id="297" r:id="rId23"/>
-    <p:sldId id="298" r:id="rId24"/>
-    <p:sldId id="312" r:id="rId25"/>
-    <p:sldId id="301" r:id="rId26"/>
-    <p:sldId id="302" r:id="rId27"/>
-    <p:sldId id="303" r:id="rId28"/>
-    <p:sldId id="304" r:id="rId29"/>
-    <p:sldId id="305" r:id="rId30"/>
-    <p:sldId id="306" r:id="rId31"/>
-    <p:sldId id="307" r:id="rId32"/>
-    <p:sldId id="308" r:id="rId33"/>
-    <p:sldId id="309" r:id="rId34"/>
-    <p:sldId id="310" r:id="rId35"/>
-    <p:sldId id="311" r:id="rId36"/>
-    <p:sldId id="274" r:id="rId37"/>
+    <p:sldId id="315" r:id="rId10"/>
+    <p:sldId id="313" r:id="rId11"/>
+    <p:sldId id="314" r:id="rId12"/>
+    <p:sldId id="285" r:id="rId13"/>
+    <p:sldId id="286" r:id="rId14"/>
+    <p:sldId id="287" r:id="rId15"/>
+    <p:sldId id="288" r:id="rId16"/>
+    <p:sldId id="290" r:id="rId17"/>
+    <p:sldId id="289" r:id="rId18"/>
+    <p:sldId id="293" r:id="rId19"/>
+    <p:sldId id="294" r:id="rId20"/>
+    <p:sldId id="295" r:id="rId21"/>
+    <p:sldId id="296" r:id="rId22"/>
+    <p:sldId id="292" r:id="rId23"/>
+    <p:sldId id="299" r:id="rId24"/>
+    <p:sldId id="297" r:id="rId25"/>
+    <p:sldId id="298" r:id="rId26"/>
+    <p:sldId id="312" r:id="rId27"/>
+    <p:sldId id="301" r:id="rId28"/>
+    <p:sldId id="302" r:id="rId29"/>
+    <p:sldId id="303" r:id="rId30"/>
+    <p:sldId id="304" r:id="rId31"/>
+    <p:sldId id="305" r:id="rId32"/>
+    <p:sldId id="306" r:id="rId33"/>
+    <p:sldId id="307" r:id="rId34"/>
+    <p:sldId id="308" r:id="rId35"/>
+    <p:sldId id="309" r:id="rId36"/>
+    <p:sldId id="310" r:id="rId37"/>
+    <p:sldId id="311" r:id="rId38"/>
+    <p:sldId id="274" r:id="rId39"/>
   </p:sldIdLst>
   <p:sldSz cx="9144000" cy="6858000" type="screen4x3"/>
   <p:notesSz cx="6858000" cy="9144000"/>
@@ -675,7 +677,7 @@
     </p:spTree>
     <p:extLst>
       <p:ext uri="{BB962C8B-B14F-4D97-AF65-F5344CB8AC3E}">
-        <p14:creationId xmlns:p14="http://schemas.microsoft.com/office/powerpoint/2010/main" val="3625696866"/>
+        <p14:creationId xmlns:p14="http://schemas.microsoft.com/office/powerpoint/2010/main" val="1398977402"/>
       </p:ext>
     </p:extLst>
   </p:cSld>
@@ -760,7 +762,7 @@
     </p:spTree>
     <p:extLst>
       <p:ext uri="{BB962C8B-B14F-4D97-AF65-F5344CB8AC3E}">
-        <p14:creationId xmlns:p14="http://schemas.microsoft.com/office/powerpoint/2010/main" val="1293193520"/>
+        <p14:creationId xmlns:p14="http://schemas.microsoft.com/office/powerpoint/2010/main" val="3835266425"/>
       </p:ext>
     </p:extLst>
   </p:cSld>
@@ -845,7 +847,7 @@
     </p:spTree>
     <p:extLst>
       <p:ext uri="{BB962C8B-B14F-4D97-AF65-F5344CB8AC3E}">
-        <p14:creationId xmlns:p14="http://schemas.microsoft.com/office/powerpoint/2010/main" val="3546145873"/>
+        <p14:creationId xmlns:p14="http://schemas.microsoft.com/office/powerpoint/2010/main" val="3625696866"/>
       </p:ext>
     </p:extLst>
   </p:cSld>
@@ -930,7 +932,7 @@
     </p:spTree>
     <p:extLst>
       <p:ext uri="{BB962C8B-B14F-4D97-AF65-F5344CB8AC3E}">
-        <p14:creationId xmlns:p14="http://schemas.microsoft.com/office/powerpoint/2010/main" val="3713418533"/>
+        <p14:creationId xmlns:p14="http://schemas.microsoft.com/office/powerpoint/2010/main" val="1293193520"/>
       </p:ext>
     </p:extLst>
   </p:cSld>
@@ -984,11 +986,6 @@
           <a:bodyPr/>
           <a:lstStyle/>
           <a:p>
-            <a:pPr algn="l" rtl="0"/>
-            <a:r>
-              <a:rPr lang="en-US" dirty="0" smtClean="0"/>
-              <a:t>Try to see live?</a:t>
-            </a:r>
             <a:endParaRPr lang="he-IL" dirty="0"/>
           </a:p>
         </p:txBody>
@@ -1020,7 +1017,7 @@
     </p:spTree>
     <p:extLst>
       <p:ext uri="{BB962C8B-B14F-4D97-AF65-F5344CB8AC3E}">
-        <p14:creationId xmlns:p14="http://schemas.microsoft.com/office/powerpoint/2010/main" val="2699602831"/>
+        <p14:creationId xmlns:p14="http://schemas.microsoft.com/office/powerpoint/2010/main" val="3546145873"/>
       </p:ext>
     </p:extLst>
   </p:cSld>
@@ -1105,7 +1102,7 @@
     </p:spTree>
     <p:extLst>
       <p:ext uri="{BB962C8B-B14F-4D97-AF65-F5344CB8AC3E}">
-        <p14:creationId xmlns:p14="http://schemas.microsoft.com/office/powerpoint/2010/main" val="3263102260"/>
+        <p14:creationId xmlns:p14="http://schemas.microsoft.com/office/powerpoint/2010/main" val="3713418533"/>
       </p:ext>
     </p:extLst>
   </p:cSld>
@@ -1159,6 +1156,11 @@
           <a:bodyPr/>
           <a:lstStyle/>
           <a:p>
+            <a:pPr algn="l" rtl="0"/>
+            <a:r>
+              <a:rPr lang="en-US" dirty="0" smtClean="0"/>
+              <a:t>Try to see live?</a:t>
+            </a:r>
             <a:endParaRPr lang="he-IL" dirty="0"/>
           </a:p>
         </p:txBody>
@@ -1190,7 +1192,7 @@
     </p:spTree>
     <p:extLst>
       <p:ext uri="{BB962C8B-B14F-4D97-AF65-F5344CB8AC3E}">
-        <p14:creationId xmlns:p14="http://schemas.microsoft.com/office/powerpoint/2010/main" val="2076243513"/>
+        <p14:creationId xmlns:p14="http://schemas.microsoft.com/office/powerpoint/2010/main" val="2699602831"/>
       </p:ext>
     </p:extLst>
   </p:cSld>
@@ -1244,11 +1246,6 @@
           <a:bodyPr/>
           <a:lstStyle/>
           <a:p>
-            <a:pPr algn="l" rtl="0"/>
-            <a:r>
-              <a:rPr lang="en-US" dirty="0" smtClean="0"/>
-              <a:t>Try to see live?</a:t>
-            </a:r>
             <a:endParaRPr lang="he-IL" dirty="0"/>
           </a:p>
         </p:txBody>
@@ -1280,7 +1277,7 @@
     </p:spTree>
     <p:extLst>
       <p:ext uri="{BB962C8B-B14F-4D97-AF65-F5344CB8AC3E}">
-        <p14:creationId xmlns:p14="http://schemas.microsoft.com/office/powerpoint/2010/main" val="2766433173"/>
+        <p14:creationId xmlns:p14="http://schemas.microsoft.com/office/powerpoint/2010/main" val="3263102260"/>
       </p:ext>
     </p:extLst>
   </p:cSld>
@@ -1334,11 +1331,6 @@
           <a:bodyPr/>
           <a:lstStyle/>
           <a:p>
-            <a:pPr algn="l" rtl="0"/>
-            <a:r>
-              <a:rPr lang="en-US" dirty="0" smtClean="0"/>
-              <a:t>Try to see live?</a:t>
-            </a:r>
             <a:endParaRPr lang="he-IL" dirty="0"/>
           </a:p>
         </p:txBody>
@@ -1370,7 +1362,7 @@
     </p:spTree>
     <p:extLst>
       <p:ext uri="{BB962C8B-B14F-4D97-AF65-F5344CB8AC3E}">
-        <p14:creationId xmlns:p14="http://schemas.microsoft.com/office/powerpoint/2010/main" val="1771400650"/>
+        <p14:creationId xmlns:p14="http://schemas.microsoft.com/office/powerpoint/2010/main" val="2076243513"/>
       </p:ext>
     </p:extLst>
   </p:cSld>
@@ -1460,7 +1452,7 @@
     </p:spTree>
     <p:extLst>
       <p:ext uri="{BB962C8B-B14F-4D97-AF65-F5344CB8AC3E}">
-        <p14:creationId xmlns:p14="http://schemas.microsoft.com/office/powerpoint/2010/main" val="72049286"/>
+        <p14:creationId xmlns:p14="http://schemas.microsoft.com/office/powerpoint/2010/main" val="2766433173"/>
       </p:ext>
     </p:extLst>
   </p:cSld>
@@ -1545,7 +1537,7 @@
     </p:spTree>
     <p:extLst>
       <p:ext uri="{BB962C8B-B14F-4D97-AF65-F5344CB8AC3E}">
-        <p14:creationId xmlns:p14="http://schemas.microsoft.com/office/powerpoint/2010/main" val="3343019416"/>
+        <p14:creationId xmlns:p14="http://schemas.microsoft.com/office/powerpoint/2010/main" val="2432802506"/>
       </p:ext>
     </p:extLst>
   </p:cSld>
@@ -1635,7 +1627,7 @@
     </p:spTree>
     <p:extLst>
       <p:ext uri="{BB962C8B-B14F-4D97-AF65-F5344CB8AC3E}">
-        <p14:creationId xmlns:p14="http://schemas.microsoft.com/office/powerpoint/2010/main" val="2901898493"/>
+        <p14:creationId xmlns:p14="http://schemas.microsoft.com/office/powerpoint/2010/main" val="1771400650"/>
       </p:ext>
     </p:extLst>
   </p:cSld>
@@ -1725,7 +1717,7 @@
     </p:spTree>
     <p:extLst>
       <p:ext uri="{BB962C8B-B14F-4D97-AF65-F5344CB8AC3E}">
-        <p14:creationId xmlns:p14="http://schemas.microsoft.com/office/powerpoint/2010/main" val="3882459041"/>
+        <p14:creationId xmlns:p14="http://schemas.microsoft.com/office/powerpoint/2010/main" val="72049286"/>
       </p:ext>
     </p:extLst>
   </p:cSld>
@@ -1815,7 +1807,7 @@
     </p:spTree>
     <p:extLst>
       <p:ext uri="{BB962C8B-B14F-4D97-AF65-F5344CB8AC3E}">
-        <p14:creationId xmlns:p14="http://schemas.microsoft.com/office/powerpoint/2010/main" val="2685024717"/>
+        <p14:creationId xmlns:p14="http://schemas.microsoft.com/office/powerpoint/2010/main" val="2901898493"/>
       </p:ext>
     </p:extLst>
   </p:cSld>
@@ -1905,7 +1897,7 @@
     </p:spTree>
     <p:extLst>
       <p:ext uri="{BB962C8B-B14F-4D97-AF65-F5344CB8AC3E}">
-        <p14:creationId xmlns:p14="http://schemas.microsoft.com/office/powerpoint/2010/main" val="3340509307"/>
+        <p14:creationId xmlns:p14="http://schemas.microsoft.com/office/powerpoint/2010/main" val="3882459041"/>
       </p:ext>
     </p:extLst>
   </p:cSld>
@@ -1995,7 +1987,7 @@
     </p:spTree>
     <p:extLst>
       <p:ext uri="{BB962C8B-B14F-4D97-AF65-F5344CB8AC3E}">
-        <p14:creationId xmlns:p14="http://schemas.microsoft.com/office/powerpoint/2010/main" val="2793436504"/>
+        <p14:creationId xmlns:p14="http://schemas.microsoft.com/office/powerpoint/2010/main" val="2685024717"/>
       </p:ext>
     </p:extLst>
   </p:cSld>
@@ -2085,7 +2077,7 @@
     </p:spTree>
     <p:extLst>
       <p:ext uri="{BB962C8B-B14F-4D97-AF65-F5344CB8AC3E}">
-        <p14:creationId xmlns:p14="http://schemas.microsoft.com/office/powerpoint/2010/main" val="3743887856"/>
+        <p14:creationId xmlns:p14="http://schemas.microsoft.com/office/powerpoint/2010/main" val="3340509307"/>
       </p:ext>
     </p:extLst>
   </p:cSld>
@@ -2175,7 +2167,7 @@
     </p:spTree>
     <p:extLst>
       <p:ext uri="{BB962C8B-B14F-4D97-AF65-F5344CB8AC3E}">
-        <p14:creationId xmlns:p14="http://schemas.microsoft.com/office/powerpoint/2010/main" val="246730276"/>
+        <p14:creationId xmlns:p14="http://schemas.microsoft.com/office/powerpoint/2010/main" val="2793436504"/>
       </p:ext>
     </p:extLst>
   </p:cSld>
@@ -2265,7 +2257,7 @@
     </p:spTree>
     <p:extLst>
       <p:ext uri="{BB962C8B-B14F-4D97-AF65-F5344CB8AC3E}">
-        <p14:creationId xmlns:p14="http://schemas.microsoft.com/office/powerpoint/2010/main" val="246730276"/>
+        <p14:creationId xmlns:p14="http://schemas.microsoft.com/office/powerpoint/2010/main" val="3743887856"/>
       </p:ext>
     </p:extLst>
   </p:cSld>
@@ -2412,13 +2404,9 @@
             <a:pPr algn="l" rtl="0"/>
             <a:r>
               <a:rPr lang="en-US" dirty="0" smtClean="0"/>
-              <a:t>Difference</a:t>
-            </a:r>
-            <a:r>
-              <a:rPr lang="en-US" baseline="0" dirty="0" smtClean="0"/>
-              <a:t> between human/computer communication protocols.</a:t>
-            </a:r>
-            <a:endParaRPr lang="he-IL"/>
+              <a:t>Try to see live?</a:t>
+            </a:r>
+            <a:endParaRPr lang="he-IL" dirty="0"/>
           </a:p>
         </p:txBody>
       </p:sp>
@@ -2449,7 +2437,7 @@
     </p:spTree>
     <p:extLst>
       <p:ext uri="{BB962C8B-B14F-4D97-AF65-F5344CB8AC3E}">
-        <p14:creationId xmlns:p14="http://schemas.microsoft.com/office/powerpoint/2010/main" val="1657793337"/>
+        <p14:creationId xmlns:p14="http://schemas.microsoft.com/office/powerpoint/2010/main" val="246730276"/>
       </p:ext>
     </p:extLst>
   </p:cSld>
@@ -2534,7 +2522,191 @@
     </p:spTree>
     <p:extLst>
       <p:ext uri="{BB962C8B-B14F-4D97-AF65-F5344CB8AC3E}">
-        <p14:creationId xmlns:p14="http://schemas.microsoft.com/office/powerpoint/2010/main" val="1506280300"/>
+        <p14:creationId xmlns:p14="http://schemas.microsoft.com/office/powerpoint/2010/main" val="2699087148"/>
+      </p:ext>
+    </p:extLst>
+  </p:cSld>
+  <p:clrMapOvr>
+    <a:masterClrMapping/>
+  </p:clrMapOvr>
+</p:notes>
+</file>
+
+<file path=ppt/notesSlides/notesSlide30.xml><?xml version="1.0" encoding="utf-8"?>
+<p:notes xmlns:a="http://schemas.openxmlformats.org/drawingml/2006/main" xmlns:r="http://schemas.openxmlformats.org/officeDocument/2006/relationships" xmlns:p="http://schemas.openxmlformats.org/presentationml/2006/main">
+  <p:cSld>
+    <p:spTree>
+      <p:nvGrpSpPr>
+        <p:cNvPr id="1" name=""/>
+        <p:cNvGrpSpPr/>
+        <p:nvPr/>
+      </p:nvGrpSpPr>
+      <p:grpSpPr>
+        <a:xfrm>
+          <a:off x="0" y="0"/>
+          <a:ext cx="0" cy="0"/>
+          <a:chOff x="0" y="0"/>
+          <a:chExt cx="0" cy="0"/>
+        </a:xfrm>
+      </p:grpSpPr>
+      <p:sp>
+        <p:nvSpPr>
+          <p:cNvPr id="2" name="מציין מיקום של תמונת שקופית 1"/>
+          <p:cNvSpPr>
+            <a:spLocks noGrp="1" noRot="1" noChangeAspect="1"/>
+          </p:cNvSpPr>
+          <p:nvPr>
+            <p:ph type="sldImg"/>
+          </p:nvPr>
+        </p:nvSpPr>
+        <p:spPr/>
+      </p:sp>
+      <p:sp>
+        <p:nvSpPr>
+          <p:cNvPr id="3" name="מציין מיקום של הערות 2"/>
+          <p:cNvSpPr>
+            <a:spLocks noGrp="1"/>
+          </p:cNvSpPr>
+          <p:nvPr>
+            <p:ph type="body" idx="1"/>
+          </p:nvPr>
+        </p:nvSpPr>
+        <p:spPr/>
+        <p:txBody>
+          <a:bodyPr/>
+          <a:lstStyle/>
+          <a:p>
+            <a:pPr algn="l" rtl="0"/>
+            <a:r>
+              <a:rPr lang="en-US" dirty="0" smtClean="0"/>
+              <a:t>Try to see live?</a:t>
+            </a:r>
+            <a:endParaRPr lang="he-IL" dirty="0"/>
+          </a:p>
+        </p:txBody>
+      </p:sp>
+      <p:sp>
+        <p:nvSpPr>
+          <p:cNvPr id="4" name="מציין מיקום של מספר שקופית 3"/>
+          <p:cNvSpPr>
+            <a:spLocks noGrp="1"/>
+          </p:cNvSpPr>
+          <p:nvPr>
+            <p:ph type="sldNum" sz="quarter" idx="10"/>
+          </p:nvPr>
+        </p:nvSpPr>
+        <p:spPr/>
+        <p:txBody>
+          <a:bodyPr/>
+          <a:lstStyle/>
+          <a:p>
+            <a:fld id="{E39A6EB6-72DA-427C-9945-31A86FC0095A}" type="slidenum">
+              <a:rPr lang="he-IL" smtClean="0"/>
+              <a:pPr/>
+              <a:t>30</a:t>
+            </a:fld>
+            <a:endParaRPr lang="he-IL"/>
+          </a:p>
+        </p:txBody>
+      </p:sp>
+    </p:spTree>
+    <p:extLst>
+      <p:ext uri="{BB962C8B-B14F-4D97-AF65-F5344CB8AC3E}">
+        <p14:creationId xmlns:p14="http://schemas.microsoft.com/office/powerpoint/2010/main" val="246730276"/>
+      </p:ext>
+    </p:extLst>
+  </p:cSld>
+  <p:clrMapOvr>
+    <a:masterClrMapping/>
+  </p:clrMapOvr>
+</p:notes>
+</file>
+
+<file path=ppt/notesSlides/notesSlide31.xml><?xml version="1.0" encoding="utf-8"?>
+<p:notes xmlns:a="http://schemas.openxmlformats.org/drawingml/2006/main" xmlns:r="http://schemas.openxmlformats.org/officeDocument/2006/relationships" xmlns:p="http://schemas.openxmlformats.org/presentationml/2006/main">
+  <p:cSld>
+    <p:spTree>
+      <p:nvGrpSpPr>
+        <p:cNvPr id="1" name=""/>
+        <p:cNvGrpSpPr/>
+        <p:nvPr/>
+      </p:nvGrpSpPr>
+      <p:grpSpPr>
+        <a:xfrm>
+          <a:off x="0" y="0"/>
+          <a:ext cx="0" cy="0"/>
+          <a:chOff x="0" y="0"/>
+          <a:chExt cx="0" cy="0"/>
+        </a:xfrm>
+      </p:grpSpPr>
+      <p:sp>
+        <p:nvSpPr>
+          <p:cNvPr id="2" name="מציין מיקום של תמונת שקופית 1"/>
+          <p:cNvSpPr>
+            <a:spLocks noGrp="1" noRot="1" noChangeAspect="1"/>
+          </p:cNvSpPr>
+          <p:nvPr>
+            <p:ph type="sldImg"/>
+          </p:nvPr>
+        </p:nvSpPr>
+        <p:spPr/>
+      </p:sp>
+      <p:sp>
+        <p:nvSpPr>
+          <p:cNvPr id="3" name="מציין מיקום של הערות 2"/>
+          <p:cNvSpPr>
+            <a:spLocks noGrp="1"/>
+          </p:cNvSpPr>
+          <p:nvPr>
+            <p:ph type="body" idx="1"/>
+          </p:nvPr>
+        </p:nvSpPr>
+        <p:spPr/>
+        <p:txBody>
+          <a:bodyPr/>
+          <a:lstStyle/>
+          <a:p>
+            <a:pPr algn="l" rtl="0"/>
+            <a:r>
+              <a:rPr lang="en-US" dirty="0" smtClean="0"/>
+              <a:t>Difference</a:t>
+            </a:r>
+            <a:r>
+              <a:rPr lang="en-US" baseline="0" dirty="0" smtClean="0"/>
+              <a:t> between human/computer communication protocols.</a:t>
+            </a:r>
+            <a:endParaRPr lang="he-IL"/>
+          </a:p>
+        </p:txBody>
+      </p:sp>
+      <p:sp>
+        <p:nvSpPr>
+          <p:cNvPr id="4" name="מציין מיקום של מספר שקופית 3"/>
+          <p:cNvSpPr>
+            <a:spLocks noGrp="1"/>
+          </p:cNvSpPr>
+          <p:nvPr>
+            <p:ph type="sldNum" sz="quarter" idx="10"/>
+          </p:nvPr>
+        </p:nvSpPr>
+        <p:spPr/>
+        <p:txBody>
+          <a:bodyPr/>
+          <a:lstStyle/>
+          <a:p>
+            <a:fld id="{E39A6EB6-72DA-427C-9945-31A86FC0095A}" type="slidenum">
+              <a:rPr lang="he-IL" smtClean="0"/>
+              <a:pPr/>
+              <a:t>31</a:t>
+            </a:fld>
+            <a:endParaRPr lang="he-IL"/>
+          </a:p>
+        </p:txBody>
+      </p:sp>
+    </p:spTree>
+    <p:extLst>
+      <p:ext uri="{BB962C8B-B14F-4D97-AF65-F5344CB8AC3E}">
+        <p14:creationId xmlns:p14="http://schemas.microsoft.com/office/powerpoint/2010/main" val="1657793337"/>
       </p:ext>
     </p:extLst>
   </p:cSld>
@@ -2619,7 +2791,7 @@
     </p:spTree>
     <p:extLst>
       <p:ext uri="{BB962C8B-B14F-4D97-AF65-F5344CB8AC3E}">
-        <p14:creationId xmlns:p14="http://schemas.microsoft.com/office/powerpoint/2010/main" val="1376136238"/>
+        <p14:creationId xmlns:p14="http://schemas.microsoft.com/office/powerpoint/2010/main" val="3992934004"/>
       </p:ext>
     </p:extLst>
   </p:cSld>
@@ -2704,7 +2876,7 @@
     </p:spTree>
     <p:extLst>
       <p:ext uri="{BB962C8B-B14F-4D97-AF65-F5344CB8AC3E}">
-        <p14:creationId xmlns:p14="http://schemas.microsoft.com/office/powerpoint/2010/main" val="1669254228"/>
+        <p14:creationId xmlns:p14="http://schemas.microsoft.com/office/powerpoint/2010/main" val="3343019416"/>
       </p:ext>
     </p:extLst>
   </p:cSld>
@@ -2789,7 +2961,7 @@
     </p:spTree>
     <p:extLst>
       <p:ext uri="{BB962C8B-B14F-4D97-AF65-F5344CB8AC3E}">
-        <p14:creationId xmlns:p14="http://schemas.microsoft.com/office/powerpoint/2010/main" val="1942987973"/>
+        <p14:creationId xmlns:p14="http://schemas.microsoft.com/office/powerpoint/2010/main" val="1506280300"/>
       </p:ext>
     </p:extLst>
   </p:cSld>
@@ -2874,7 +3046,7 @@
     </p:spTree>
     <p:extLst>
       <p:ext uri="{BB962C8B-B14F-4D97-AF65-F5344CB8AC3E}">
-        <p14:creationId xmlns:p14="http://schemas.microsoft.com/office/powerpoint/2010/main" val="1077893455"/>
+        <p14:creationId xmlns:p14="http://schemas.microsoft.com/office/powerpoint/2010/main" val="1376136238"/>
       </p:ext>
     </p:extLst>
   </p:cSld>
@@ -2959,7 +3131,7 @@
     </p:spTree>
     <p:extLst>
       <p:ext uri="{BB962C8B-B14F-4D97-AF65-F5344CB8AC3E}">
-        <p14:creationId xmlns:p14="http://schemas.microsoft.com/office/powerpoint/2010/main" val="1398977402"/>
+        <p14:creationId xmlns:p14="http://schemas.microsoft.com/office/powerpoint/2010/main" val="1669254228"/>
       </p:ext>
     </p:extLst>
   </p:cSld>
@@ -3044,7 +3216,7 @@
     </p:spTree>
     <p:extLst>
       <p:ext uri="{BB962C8B-B14F-4D97-AF65-F5344CB8AC3E}">
-        <p14:creationId xmlns:p14="http://schemas.microsoft.com/office/powerpoint/2010/main" val="3835266425"/>
+        <p14:creationId xmlns:p14="http://schemas.microsoft.com/office/powerpoint/2010/main" val="1077893455"/>
       </p:ext>
     </p:extLst>
   </p:cSld>
@@ -28611,7 +28783,7 @@
             <a:pPr algn="ctr" rtl="0"/>
             <a:r>
               <a:rPr lang="en-US" sz="3200" b="1" dirty="0" smtClean="0"/>
-              <a:t>VuFind – Search – Basic Sequence Diagram</a:t>
+              <a:t>VuFind – General Architecture</a:t>
             </a:r>
             <a:endParaRPr lang="he-IL" sz="3200" b="1" dirty="0"/>
           </a:p>
@@ -28636,6 +28808,296 @@
               <a:rPr lang="he-IL" smtClean="0"/>
               <a:pPr/>
               <a:t>10</a:t>
+            </a:fld>
+            <a:endParaRPr lang="he-IL"/>
+          </a:p>
+        </p:txBody>
+      </p:sp>
+      <p:pic>
+        <p:nvPicPr>
+          <p:cNvPr id="5" name="Picture 2"/>
+          <p:cNvPicPr>
+            <a:picLocks noChangeAspect="1" noChangeArrowheads="1"/>
+          </p:cNvPicPr>
+          <p:nvPr/>
+        </p:nvPicPr>
+        <p:blipFill>
+          <a:blip r:embed="rId3">
+            <a:extLst>
+              <a:ext uri="{28A0092B-C50C-407E-A947-70E740481C1C}">
+                <a14:useLocalDpi xmlns:a14="http://schemas.microsoft.com/office/drawing/2010/main" val="0"/>
+              </a:ext>
+            </a:extLst>
+          </a:blip>
+          <a:srcRect/>
+          <a:stretch>
+            <a:fillRect/>
+          </a:stretch>
+        </p:blipFill>
+        <p:spPr bwMode="auto">
+          <a:xfrm>
+            <a:off x="251520" y="1412776"/>
+            <a:ext cx="8748464" cy="4824536"/>
+          </a:xfrm>
+          <a:prstGeom prst="rect">
+            <a:avLst/>
+          </a:prstGeom>
+          <a:noFill/>
+          <a:ln>
+            <a:noFill/>
+          </a:ln>
+          <a:extLst>
+            <a:ext uri="{909E8E84-426E-40DD-AFC4-6F175D3DCCD1}">
+              <a14:hiddenFill xmlns:a14="http://schemas.microsoft.com/office/drawing/2010/main">
+                <a:solidFill>
+                  <a:schemeClr val="accent1"/>
+                </a:solidFill>
+              </a14:hiddenFill>
+            </a:ext>
+            <a:ext uri="{91240B29-F687-4F45-9708-019B960494DF}">
+              <a14:hiddenLine xmlns:a14="http://schemas.microsoft.com/office/drawing/2010/main" w="9525">
+                <a:solidFill>
+                  <a:schemeClr val="tx1"/>
+                </a:solidFill>
+                <a:miter lim="800000"/>
+                <a:headEnd/>
+                <a:tailEnd/>
+              </a14:hiddenLine>
+            </a:ext>
+          </a:extLst>
+        </p:spPr>
+      </p:pic>
+    </p:spTree>
+    <p:extLst>
+      <p:ext uri="{BB962C8B-B14F-4D97-AF65-F5344CB8AC3E}">
+        <p14:creationId xmlns:p14="http://schemas.microsoft.com/office/powerpoint/2010/main" val="3864252837"/>
+      </p:ext>
+    </p:extLst>
+  </p:cSld>
+  <p:clrMapOvr>
+    <a:masterClrMapping/>
+  </p:clrMapOvr>
+  <mc:AlternateContent xmlns:mc="http://schemas.openxmlformats.org/markup-compatibility/2006" xmlns:p14="http://schemas.microsoft.com/office/powerpoint/2010/main">
+    <mc:Choice Requires="p14">
+      <p:transition spd="slow" p14:dur="2000"/>
+    </mc:Choice>
+    <mc:Fallback xmlns="">
+      <p:transition spd="slow"/>
+    </mc:Fallback>
+  </mc:AlternateContent>
+  <p:timing>
+    <p:tnLst>
+      <p:par>
+        <p:cTn id="1" dur="indefinite" restart="never" nodeType="tmRoot"/>
+      </p:par>
+    </p:tnLst>
+  </p:timing>
+</p:sld>
+</file>
+
+<file path=ppt/slides/slide11.xml><?xml version="1.0" encoding="utf-8"?>
+<p:sld xmlns:a="http://schemas.openxmlformats.org/drawingml/2006/main" xmlns:r="http://schemas.openxmlformats.org/officeDocument/2006/relationships" xmlns:p="http://schemas.openxmlformats.org/presentationml/2006/main" show="0">
+  <p:cSld>
+    <p:spTree>
+      <p:nvGrpSpPr>
+        <p:cNvPr id="1" name=""/>
+        <p:cNvGrpSpPr/>
+        <p:nvPr/>
+      </p:nvGrpSpPr>
+      <p:grpSpPr>
+        <a:xfrm>
+          <a:off x="0" y="0"/>
+          <a:ext cx="0" cy="0"/>
+          <a:chOff x="0" y="0"/>
+          <a:chExt cx="0" cy="0"/>
+        </a:xfrm>
+      </p:grpSpPr>
+      <p:sp>
+        <p:nvSpPr>
+          <p:cNvPr id="2" name="כותרת 1"/>
+          <p:cNvSpPr>
+            <a:spLocks noGrp="1"/>
+          </p:cNvSpPr>
+          <p:nvPr>
+            <p:ph type="title"/>
+          </p:nvPr>
+        </p:nvSpPr>
+        <p:spPr>
+          <a:xfrm>
+            <a:off x="0" y="0"/>
+            <a:ext cx="9144000" cy="1268760"/>
+          </a:xfrm>
+          <a:solidFill>
+            <a:schemeClr val="tx2">
+              <a:lumMod val="60000"/>
+              <a:lumOff val="40000"/>
+            </a:schemeClr>
+          </a:solidFill>
+        </p:spPr>
+        <p:txBody>
+          <a:bodyPr>
+            <a:normAutofit/>
+          </a:bodyPr>
+          <a:lstStyle/>
+          <a:p>
+            <a:pPr algn="ctr" rtl="0"/>
+            <a:r>
+              <a:rPr lang="en-US" sz="3200" b="1" dirty="0" smtClean="0"/>
+              <a:t>VuFind – Component Diagram</a:t>
+            </a:r>
+            <a:endParaRPr lang="he-IL" sz="3200" b="1" dirty="0"/>
+          </a:p>
+        </p:txBody>
+      </p:sp>
+      <p:sp>
+        <p:nvSpPr>
+          <p:cNvPr id="4" name="מציין מיקום של מספר שקופית 3"/>
+          <p:cNvSpPr>
+            <a:spLocks noGrp="1"/>
+          </p:cNvSpPr>
+          <p:nvPr>
+            <p:ph type="sldNum" sz="quarter" idx="12"/>
+          </p:nvPr>
+        </p:nvSpPr>
+        <p:spPr/>
+        <p:txBody>
+          <a:bodyPr/>
+          <a:lstStyle/>
+          <a:p>
+            <a:fld id="{99A8CB1B-85B5-416B-B838-2C014F74C4F2}" type="slidenum">
+              <a:rPr lang="he-IL" smtClean="0"/>
+              <a:pPr/>
+              <a:t>11</a:t>
+            </a:fld>
+            <a:endParaRPr lang="he-IL"/>
+          </a:p>
+        </p:txBody>
+      </p:sp>
+      <p:pic>
+        <p:nvPicPr>
+          <p:cNvPr id="3" name="Picture 2"/>
+          <p:cNvPicPr>
+            <a:picLocks noChangeAspect="1"/>
+          </p:cNvPicPr>
+          <p:nvPr/>
+        </p:nvPicPr>
+        <p:blipFill>
+          <a:blip r:embed="rId3"/>
+          <a:stretch>
+            <a:fillRect/>
+          </a:stretch>
+        </p:blipFill>
+        <p:spPr>
+          <a:xfrm>
+            <a:off x="251519" y="1292083"/>
+            <a:ext cx="8712969" cy="5086350"/>
+          </a:xfrm>
+          <a:prstGeom prst="rect">
+            <a:avLst/>
+          </a:prstGeom>
+        </p:spPr>
+      </p:pic>
+    </p:spTree>
+    <p:extLst>
+      <p:ext uri="{BB962C8B-B14F-4D97-AF65-F5344CB8AC3E}">
+        <p14:creationId xmlns:p14="http://schemas.microsoft.com/office/powerpoint/2010/main" val="475184652"/>
+      </p:ext>
+    </p:extLst>
+  </p:cSld>
+  <p:clrMapOvr>
+    <a:masterClrMapping/>
+  </p:clrMapOvr>
+  <mc:AlternateContent xmlns:mc="http://schemas.openxmlformats.org/markup-compatibility/2006" xmlns:p14="http://schemas.microsoft.com/office/powerpoint/2010/main">
+    <mc:Choice Requires="p14">
+      <p:transition spd="slow" p14:dur="2000"/>
+    </mc:Choice>
+    <mc:Fallback xmlns="">
+      <p:transition spd="slow"/>
+    </mc:Fallback>
+  </mc:AlternateContent>
+  <p:timing>
+    <p:tnLst>
+      <p:par>
+        <p:cTn id="1" dur="indefinite" restart="never" nodeType="tmRoot"/>
+      </p:par>
+    </p:tnLst>
+  </p:timing>
+</p:sld>
+</file>
+
+<file path=ppt/slides/slide12.xml><?xml version="1.0" encoding="utf-8"?>
+<p:sld xmlns:a="http://schemas.openxmlformats.org/drawingml/2006/main" xmlns:r="http://schemas.openxmlformats.org/officeDocument/2006/relationships" xmlns:p="http://schemas.openxmlformats.org/presentationml/2006/main" show="0">
+  <p:cSld>
+    <p:spTree>
+      <p:nvGrpSpPr>
+        <p:cNvPr id="1" name=""/>
+        <p:cNvGrpSpPr/>
+        <p:nvPr/>
+      </p:nvGrpSpPr>
+      <p:grpSpPr>
+        <a:xfrm>
+          <a:off x="0" y="0"/>
+          <a:ext cx="0" cy="0"/>
+          <a:chOff x="0" y="0"/>
+          <a:chExt cx="0" cy="0"/>
+        </a:xfrm>
+      </p:grpSpPr>
+      <p:sp>
+        <p:nvSpPr>
+          <p:cNvPr id="2" name="כותרת 1"/>
+          <p:cNvSpPr>
+            <a:spLocks noGrp="1"/>
+          </p:cNvSpPr>
+          <p:nvPr>
+            <p:ph type="title"/>
+          </p:nvPr>
+        </p:nvSpPr>
+        <p:spPr>
+          <a:xfrm>
+            <a:off x="0" y="0"/>
+            <a:ext cx="9144000" cy="1268760"/>
+          </a:xfrm>
+          <a:solidFill>
+            <a:schemeClr val="tx2">
+              <a:lumMod val="60000"/>
+              <a:lumOff val="40000"/>
+            </a:schemeClr>
+          </a:solidFill>
+        </p:spPr>
+        <p:txBody>
+          <a:bodyPr>
+            <a:normAutofit/>
+          </a:bodyPr>
+          <a:lstStyle/>
+          <a:p>
+            <a:pPr algn="ctr" rtl="0"/>
+            <a:r>
+              <a:rPr lang="en-US" sz="3200" b="1" dirty="0" smtClean="0"/>
+              <a:t>VuFind – Search – Basic Sequence Diagram</a:t>
+            </a:r>
+            <a:endParaRPr lang="he-IL" sz="3200" b="1" dirty="0"/>
+          </a:p>
+        </p:txBody>
+      </p:sp>
+      <p:sp>
+        <p:nvSpPr>
+          <p:cNvPr id="4" name="מציין מיקום של מספר שקופית 3"/>
+          <p:cNvSpPr>
+            <a:spLocks noGrp="1"/>
+          </p:cNvSpPr>
+          <p:nvPr>
+            <p:ph type="sldNum" sz="quarter" idx="12"/>
+          </p:nvPr>
+        </p:nvSpPr>
+        <p:spPr/>
+        <p:txBody>
+          <a:bodyPr/>
+          <a:lstStyle/>
+          <a:p>
+            <a:fld id="{99A8CB1B-85B5-416B-B838-2C014F74C4F2}" type="slidenum">
+              <a:rPr lang="he-IL" smtClean="0"/>
+              <a:pPr/>
+              <a:t>12</a:t>
             </a:fld>
             <a:endParaRPr lang="he-IL"/>
           </a:p>
@@ -28693,7 +29155,7 @@
 </p:sld>
 </file>
 
-<file path=ppt/slides/slide11.xml><?xml version="1.0" encoding="utf-8"?>
+<file path=ppt/slides/slide13.xml><?xml version="1.0" encoding="utf-8"?>
 <p:sld xmlns:a="http://schemas.openxmlformats.org/drawingml/2006/main" xmlns:r="http://schemas.openxmlformats.org/officeDocument/2006/relationships" xmlns:p="http://schemas.openxmlformats.org/presentationml/2006/main" show="0">
   <p:cSld>
     <p:spTree>
@@ -28765,7 +29227,7 @@
             <a:fld id="{99A8CB1B-85B5-416B-B838-2C014F74C4F2}" type="slidenum">
               <a:rPr lang="he-IL" smtClean="0"/>
               <a:pPr/>
-              <a:t>11</a:t>
+              <a:t>13</a:t>
             </a:fld>
             <a:endParaRPr lang="he-IL"/>
           </a:p>
@@ -28823,7 +29285,7 @@
 </p:sld>
 </file>
 
-<file path=ppt/slides/slide12.xml><?xml version="1.0" encoding="utf-8"?>
+<file path=ppt/slides/slide14.xml><?xml version="1.0" encoding="utf-8"?>
 <p:sld xmlns:a="http://schemas.openxmlformats.org/drawingml/2006/main" xmlns:r="http://schemas.openxmlformats.org/officeDocument/2006/relationships" xmlns:p="http://schemas.openxmlformats.org/presentationml/2006/main" show="0">
   <p:cSld>
     <p:spTree>
@@ -28895,7 +29357,7 @@
             <a:fld id="{99A8CB1B-85B5-416B-B838-2C014F74C4F2}" type="slidenum">
               <a:rPr lang="he-IL" smtClean="0"/>
               <a:pPr/>
-              <a:t>12</a:t>
+              <a:t>14</a:t>
             </a:fld>
             <a:endParaRPr lang="he-IL"/>
           </a:p>
@@ -28953,7 +29415,7 @@
 </p:sld>
 </file>
 
-<file path=ppt/slides/slide13.xml><?xml version="1.0" encoding="utf-8"?>
+<file path=ppt/slides/slide15.xml><?xml version="1.0" encoding="utf-8"?>
 <p:sld xmlns:a="http://schemas.openxmlformats.org/drawingml/2006/main" xmlns:r="http://schemas.openxmlformats.org/officeDocument/2006/relationships" xmlns:p="http://schemas.openxmlformats.org/presentationml/2006/main" show="0">
   <p:cSld>
     <p:spTree>
@@ -29025,7 +29487,7 @@
             <a:fld id="{99A8CB1B-85B5-416B-B838-2C014F74C4F2}" type="slidenum">
               <a:rPr lang="he-IL" smtClean="0"/>
               <a:pPr/>
-              <a:t>13</a:t>
+              <a:t>15</a:t>
             </a:fld>
             <a:endParaRPr lang="he-IL"/>
           </a:p>
@@ -29083,7 +29545,7 @@
 </p:sld>
 </file>
 
-<file path=ppt/slides/slide14.xml><?xml version="1.0" encoding="utf-8"?>
+<file path=ppt/slides/slide16.xml><?xml version="1.0" encoding="utf-8"?>
 <p:sld xmlns:a="http://schemas.openxmlformats.org/drawingml/2006/main" xmlns:r="http://schemas.openxmlformats.org/officeDocument/2006/relationships" xmlns:p="http://schemas.openxmlformats.org/presentationml/2006/main" show="0">
   <p:cSld>
     <p:spTree>
@@ -29155,7 +29617,7 @@
             <a:fld id="{99A8CB1B-85B5-416B-B838-2C014F74C4F2}" type="slidenum">
               <a:rPr lang="he-IL" smtClean="0"/>
               <a:pPr/>
-              <a:t>14</a:t>
+              <a:t>16</a:t>
             </a:fld>
             <a:endParaRPr lang="he-IL"/>
           </a:p>
@@ -29560,7 +30022,7 @@
         </p:spPr>
         <p:txBody>
           <a:bodyPr vert="horz" lIns="91440" tIns="45720" rIns="91440" bIns="45720" rtlCol="1">
-            <a:normAutofit fontScale="85000" lnSpcReduction="20000"/>
+            <a:normAutofit fontScale="77500" lnSpcReduction="20000"/>
           </a:bodyPr>
           <a:lstStyle>
             <a:lvl1pPr marL="342900" indent="-342900" algn="r" defTabSz="914400" rtl="1" eaLnBrk="1" latinLnBrk="0" hangingPunct="1">
@@ -29721,8 +30183,9 @@
             </a:r>
             <a:r>
               <a:rPr lang="en-US" dirty="0" smtClean="0"/>
-              <a:t>model-view-controller.</a:t>
-            </a:r>
+              <a:t>model-view-controller (AKA MVC).</a:t>
+            </a:r>
+            <a:endParaRPr lang="en-US" dirty="0" smtClean="0"/>
           </a:p>
         </p:txBody>
       </p:sp>
@@ -29879,7 +30342,7 @@
 </p:sld>
 </file>
 
-<file path=ppt/slides/slide15.xml><?xml version="1.0" encoding="utf-8"?>
+<file path=ppt/slides/slide17.xml><?xml version="1.0" encoding="utf-8"?>
 <p:sld xmlns:a="http://schemas.openxmlformats.org/drawingml/2006/main" xmlns:r="http://schemas.openxmlformats.org/officeDocument/2006/relationships" xmlns:p="http://schemas.openxmlformats.org/presentationml/2006/main" show="0">
   <p:cSld>
     <p:spTree>
@@ -29951,7 +30414,7 @@
             <a:fld id="{99A8CB1B-85B5-416B-B838-2C014F74C4F2}" type="slidenum">
               <a:rPr lang="he-IL" smtClean="0"/>
               <a:pPr/>
-              <a:t>15</a:t>
+              <a:t>17</a:t>
             </a:fld>
             <a:endParaRPr lang="he-IL"/>
           </a:p>
@@ -30354,7 +30817,7 @@
 </p:sld>
 </file>
 
-<file path=ppt/slides/slide16.xml><?xml version="1.0" encoding="utf-8"?>
+<file path=ppt/slides/slide18.xml><?xml version="1.0" encoding="utf-8"?>
 <p:sld xmlns:a="http://schemas.openxmlformats.org/drawingml/2006/main" xmlns:r="http://schemas.openxmlformats.org/officeDocument/2006/relationships" xmlns:p="http://schemas.openxmlformats.org/presentationml/2006/main" show="0">
   <p:cSld>
     <p:spTree>
@@ -30426,7 +30889,7 @@
             <a:fld id="{99A8CB1B-85B5-416B-B838-2C014F74C4F2}" type="slidenum">
               <a:rPr lang="he-IL" smtClean="0"/>
               <a:pPr/>
-              <a:t>16</a:t>
+              <a:t>18</a:t>
             </a:fld>
             <a:endParaRPr lang="he-IL"/>
           </a:p>
@@ -31318,7 +31781,15 @@
             </a:r>
             <a:r>
               <a:rPr lang="en-US" sz="2400" dirty="0" smtClean="0"/>
-              <a:t>- None for Architecture.</a:t>
+              <a:t>- </a:t>
+            </a:r>
+            <a:r>
+              <a:rPr lang="en-US" sz="2400" dirty="0" smtClean="0"/>
+              <a:t> None </a:t>
+            </a:r>
+            <a:r>
+              <a:rPr lang="en-US" sz="2400" dirty="0" smtClean="0"/>
+              <a:t>for Architecture.</a:t>
             </a:r>
           </a:p>
         </p:txBody>
@@ -31495,7 +31966,15 @@
             </a:r>
             <a:r>
               <a:rPr lang="en-US" sz="2400" dirty="0" smtClean="0"/>
-              <a:t>- 1         for Architecture.</a:t>
+              <a:t>- </a:t>
+            </a:r>
+            <a:r>
+              <a:rPr lang="en-US" sz="2400" dirty="0" smtClean="0"/>
+              <a:t> 1         </a:t>
+            </a:r>
+            <a:r>
+              <a:rPr lang="en-US" sz="2400" dirty="0" smtClean="0"/>
+              <a:t>for Architecture.</a:t>
             </a:r>
           </a:p>
         </p:txBody>
@@ -31672,7 +32151,15 @@
             </a:r>
             <a:r>
               <a:rPr lang="en-US" sz="2400" dirty="0" smtClean="0"/>
-              <a:t>- 3        for Architecture.</a:t>
+              <a:t>- </a:t>
+            </a:r>
+            <a:r>
+              <a:rPr lang="en-US" sz="2400" dirty="0" smtClean="0"/>
+              <a:t> 3        </a:t>
+            </a:r>
+            <a:r>
+              <a:rPr lang="en-US" sz="2400" dirty="0" smtClean="0"/>
+              <a:t>for Architecture.</a:t>
             </a:r>
           </a:p>
         </p:txBody>
@@ -31849,7 +32336,15 @@
             </a:r>
             <a:r>
               <a:rPr lang="en-US" sz="2400" dirty="0" smtClean="0"/>
-              <a:t>- None for Architecture.</a:t>
+              <a:t>- </a:t>
+            </a:r>
+            <a:r>
+              <a:rPr lang="en-US" sz="2400" dirty="0" smtClean="0"/>
+              <a:t> None </a:t>
+            </a:r>
+            <a:r>
+              <a:rPr lang="en-US" sz="2400" dirty="0" smtClean="0"/>
+              <a:t>for Architecture.</a:t>
             </a:r>
           </a:p>
         </p:txBody>
@@ -32331,7 +32826,7 @@
 </p:sld>
 </file>
 
-<file path=ppt/slides/slide17.xml><?xml version="1.0" encoding="utf-8"?>
+<file path=ppt/slides/slide19.xml><?xml version="1.0" encoding="utf-8"?>
 <p:sld xmlns:a="http://schemas.openxmlformats.org/drawingml/2006/main" xmlns:r="http://schemas.openxmlformats.org/officeDocument/2006/relationships" xmlns:p="http://schemas.openxmlformats.org/presentationml/2006/main" show="0">
   <p:cSld>
     <p:spTree>
@@ -32403,7 +32898,7 @@
             <a:fld id="{99A8CB1B-85B5-416B-B838-2C014F74C4F2}" type="slidenum">
               <a:rPr lang="he-IL" smtClean="0"/>
               <a:pPr/>
-              <a:t>17</a:t>
+              <a:t>19</a:t>
             </a:fld>
             <a:endParaRPr lang="he-IL"/>
           </a:p>
@@ -33080,7 +33575,7 @@
           <p:nvPr/>
         </p:nvPicPr>
         <p:blipFill>
-          <a:blip r:embed="rId4"/>
+          <a:blip r:embed="rId3"/>
           <a:stretch>
             <a:fillRect/>
           </a:stretch>
@@ -33105,11 +33600,11 @@
   <p:clrMapOvr>
     <a:masterClrMapping/>
   </p:clrMapOvr>
-  <mc:AlternateContent xmlns:mc="http://schemas.openxmlformats.org/markup-compatibility/2006">
-    <mc:Choice xmlns:p14="http://schemas.microsoft.com/office/powerpoint/2010/main" Requires="p14">
+  <mc:AlternateContent xmlns:mc="http://schemas.openxmlformats.org/markup-compatibility/2006" xmlns:p14="http://schemas.microsoft.com/office/powerpoint/2010/main">
+    <mc:Choice Requires="p14">
       <p:transition spd="slow" p14:dur="2000"/>
     </mc:Choice>
-    <mc:Fallback>
+    <mc:Fallback xmlns="">
       <p:transition spd="slow"/>
     </mc:Fallback>
   </mc:AlternateContent>
@@ -33123,7 +33618,7 @@
 </p:sld>
 </file>
 
-<file path=ppt/slides/slide18.xml><?xml version="1.0" encoding="utf-8"?>
+<file path=ppt/slides/slide2.xml><?xml version="1.0" encoding="utf-8"?>
 <p:sld xmlns:a="http://schemas.openxmlformats.org/drawingml/2006/main" xmlns:r="http://schemas.openxmlformats.org/officeDocument/2006/relationships" xmlns:p="http://schemas.openxmlformats.org/presentationml/2006/main" show="0">
   <p:cSld>
     <p:spTree>
@@ -33170,6 +33665,401 @@
           <a:p>
             <a:pPr rtl="0"/>
             <a:r>
+              <a:rPr lang="en-US" sz="3200" b="1" dirty="0"/>
+              <a:t>VuFind </a:t>
+            </a:r>
+            <a:r>
+              <a:rPr lang="en-US" sz="3200" b="1" dirty="0" smtClean="0"/>
+              <a:t>Introduction – GUI</a:t>
+            </a:r>
+            <a:endParaRPr lang="he-IL" sz="3200" b="1" dirty="0"/>
+          </a:p>
+        </p:txBody>
+      </p:sp>
+      <p:sp>
+        <p:nvSpPr>
+          <p:cNvPr id="4" name="מציין מיקום של מספר שקופית 3"/>
+          <p:cNvSpPr>
+            <a:spLocks noGrp="1"/>
+          </p:cNvSpPr>
+          <p:nvPr>
+            <p:ph type="sldNum" sz="quarter" idx="12"/>
+          </p:nvPr>
+        </p:nvSpPr>
+        <p:spPr/>
+        <p:txBody>
+          <a:bodyPr/>
+          <a:lstStyle/>
+          <a:p>
+            <a:fld id="{99A8CB1B-85B5-416B-B838-2C014F74C4F2}" type="slidenum">
+              <a:rPr lang="he-IL" smtClean="0"/>
+              <a:pPr/>
+              <a:t>2</a:t>
+            </a:fld>
+            <a:endParaRPr lang="he-IL"/>
+          </a:p>
+        </p:txBody>
+      </p:sp>
+      <p:sp>
+        <p:nvSpPr>
+          <p:cNvPr id="5" name="Rectangle 3"/>
+          <p:cNvSpPr txBox="1">
+            <a:spLocks noChangeArrowheads="1"/>
+          </p:cNvSpPr>
+          <p:nvPr/>
+        </p:nvSpPr>
+        <p:spPr>
+          <a:xfrm>
+            <a:off x="330200" y="1438275"/>
+            <a:ext cx="8483600" cy="766589"/>
+          </a:xfrm>
+          <a:prstGeom prst="rect">
+            <a:avLst/>
+          </a:prstGeom>
+        </p:spPr>
+        <p:txBody>
+          <a:bodyPr vert="horz" lIns="91440" tIns="45720" rIns="91440" bIns="45720" rtlCol="1">
+            <a:normAutofit/>
+          </a:bodyPr>
+          <a:lstStyle>
+            <a:lvl1pPr marL="342900" indent="-342900" algn="r" defTabSz="914400" rtl="1" eaLnBrk="1" latinLnBrk="0" hangingPunct="1">
+              <a:spcBef>
+                <a:spcPct val="20000"/>
+              </a:spcBef>
+              <a:buFont typeface="Arial" pitchFamily="34" charset="0"/>
+              <a:buChar char="•"/>
+              <a:defRPr sz="3200" kern="1200">
+                <a:solidFill>
+                  <a:schemeClr val="tx1"/>
+                </a:solidFill>
+                <a:latin typeface="+mn-lt"/>
+                <a:ea typeface="+mn-ea"/>
+                <a:cs typeface="+mn-cs"/>
+              </a:defRPr>
+            </a:lvl1pPr>
+            <a:lvl2pPr marL="742950" indent="-285750" algn="r" defTabSz="914400" rtl="1" eaLnBrk="1" latinLnBrk="0" hangingPunct="1">
+              <a:spcBef>
+                <a:spcPct val="20000"/>
+              </a:spcBef>
+              <a:buFont typeface="Arial" pitchFamily="34" charset="0"/>
+              <a:buChar char="–"/>
+              <a:defRPr sz="2800" kern="1200">
+                <a:solidFill>
+                  <a:schemeClr val="tx1"/>
+                </a:solidFill>
+                <a:latin typeface="+mn-lt"/>
+                <a:ea typeface="+mn-ea"/>
+                <a:cs typeface="+mn-cs"/>
+              </a:defRPr>
+            </a:lvl2pPr>
+            <a:lvl3pPr marL="1143000" indent="-228600" algn="r" defTabSz="914400" rtl="1" eaLnBrk="1" latinLnBrk="0" hangingPunct="1">
+              <a:spcBef>
+                <a:spcPct val="20000"/>
+              </a:spcBef>
+              <a:buFont typeface="Arial" pitchFamily="34" charset="0"/>
+              <a:buChar char="•"/>
+              <a:defRPr sz="2400" kern="1200">
+                <a:solidFill>
+                  <a:schemeClr val="tx1"/>
+                </a:solidFill>
+                <a:latin typeface="+mn-lt"/>
+                <a:ea typeface="+mn-ea"/>
+                <a:cs typeface="+mn-cs"/>
+              </a:defRPr>
+            </a:lvl3pPr>
+            <a:lvl4pPr marL="1600200" indent="-228600" algn="r" defTabSz="914400" rtl="1" eaLnBrk="1" latinLnBrk="0" hangingPunct="1">
+              <a:spcBef>
+                <a:spcPct val="20000"/>
+              </a:spcBef>
+              <a:buFont typeface="Arial" pitchFamily="34" charset="0"/>
+              <a:buChar char="–"/>
+              <a:defRPr sz="2000" kern="1200">
+                <a:solidFill>
+                  <a:schemeClr val="tx1"/>
+                </a:solidFill>
+                <a:latin typeface="+mn-lt"/>
+                <a:ea typeface="+mn-ea"/>
+                <a:cs typeface="+mn-cs"/>
+              </a:defRPr>
+            </a:lvl4pPr>
+            <a:lvl5pPr marL="2057400" indent="-228600" algn="r" defTabSz="914400" rtl="1" eaLnBrk="1" latinLnBrk="0" hangingPunct="1">
+              <a:spcBef>
+                <a:spcPct val="20000"/>
+              </a:spcBef>
+              <a:buFont typeface="Arial" pitchFamily="34" charset="0"/>
+              <a:buChar char="»"/>
+              <a:defRPr sz="2000" kern="1200">
+                <a:solidFill>
+                  <a:schemeClr val="tx1"/>
+                </a:solidFill>
+                <a:latin typeface="+mn-lt"/>
+                <a:ea typeface="+mn-ea"/>
+                <a:cs typeface="+mn-cs"/>
+              </a:defRPr>
+            </a:lvl5pPr>
+            <a:lvl6pPr marL="2514600" indent="-228600" algn="r" defTabSz="914400" rtl="1" eaLnBrk="1" latinLnBrk="0" hangingPunct="1">
+              <a:spcBef>
+                <a:spcPct val="20000"/>
+              </a:spcBef>
+              <a:buFont typeface="Arial" pitchFamily="34" charset="0"/>
+              <a:buChar char="•"/>
+              <a:defRPr sz="2000" kern="1200">
+                <a:solidFill>
+                  <a:schemeClr val="tx1"/>
+                </a:solidFill>
+                <a:latin typeface="+mn-lt"/>
+                <a:ea typeface="+mn-ea"/>
+                <a:cs typeface="+mn-cs"/>
+              </a:defRPr>
+            </a:lvl6pPr>
+            <a:lvl7pPr marL="2971800" indent="-228600" algn="r" defTabSz="914400" rtl="1" eaLnBrk="1" latinLnBrk="0" hangingPunct="1">
+              <a:spcBef>
+                <a:spcPct val="20000"/>
+              </a:spcBef>
+              <a:buFont typeface="Arial" pitchFamily="34" charset="0"/>
+              <a:buChar char="•"/>
+              <a:defRPr sz="2000" kern="1200">
+                <a:solidFill>
+                  <a:schemeClr val="tx1"/>
+                </a:solidFill>
+                <a:latin typeface="+mn-lt"/>
+                <a:ea typeface="+mn-ea"/>
+                <a:cs typeface="+mn-cs"/>
+              </a:defRPr>
+            </a:lvl7pPr>
+            <a:lvl8pPr marL="3429000" indent="-228600" algn="r" defTabSz="914400" rtl="1" eaLnBrk="1" latinLnBrk="0" hangingPunct="1">
+              <a:spcBef>
+                <a:spcPct val="20000"/>
+              </a:spcBef>
+              <a:buFont typeface="Arial" pitchFamily="34" charset="0"/>
+              <a:buChar char="•"/>
+              <a:defRPr sz="2000" kern="1200">
+                <a:solidFill>
+                  <a:schemeClr val="tx1"/>
+                </a:solidFill>
+                <a:latin typeface="+mn-lt"/>
+                <a:ea typeface="+mn-ea"/>
+                <a:cs typeface="+mn-cs"/>
+              </a:defRPr>
+            </a:lvl8pPr>
+            <a:lvl9pPr marL="3886200" indent="-228600" algn="r" defTabSz="914400" rtl="1" eaLnBrk="1" latinLnBrk="0" hangingPunct="1">
+              <a:spcBef>
+                <a:spcPct val="20000"/>
+              </a:spcBef>
+              <a:buFont typeface="Arial" pitchFamily="34" charset="0"/>
+              <a:buChar char="•"/>
+              <a:defRPr sz="2000" kern="1200">
+                <a:solidFill>
+                  <a:schemeClr val="tx1"/>
+                </a:solidFill>
+                <a:latin typeface="+mn-lt"/>
+                <a:ea typeface="+mn-ea"/>
+                <a:cs typeface="+mn-cs"/>
+              </a:defRPr>
+            </a:lvl9pPr>
+          </a:lstStyle>
+          <a:p>
+            <a:pPr marL="0" indent="0" algn="l" rtl="0">
+              <a:buNone/>
+            </a:pPr>
+            <a:r>
+              <a:rPr lang="en-US" dirty="0" smtClean="0">
+                <a:latin typeface="Baskerville Old Face" panose="02020602080505020303" pitchFamily="18" charset="0"/>
+                <a:cs typeface="Aharoni" panose="02010803020104030203" pitchFamily="2" charset="-79"/>
+              </a:rPr>
+              <a:t>Original VuFind UI:</a:t>
+            </a:r>
+            <a:endParaRPr lang="en-US" b="1" dirty="0" smtClean="0"/>
+          </a:p>
+        </p:txBody>
+      </p:sp>
+      <p:pic>
+        <p:nvPicPr>
+          <p:cNvPr id="6" name="graphics1"/>
+          <p:cNvPicPr/>
+          <p:nvPr/>
+        </p:nvPicPr>
+        <p:blipFill>
+          <a:blip r:embed="rId3" cstate="print">
+            <a:alphaModFix/>
+            <a:lum/>
+          </a:blip>
+          <a:srcRect/>
+          <a:stretch>
+            <a:fillRect/>
+          </a:stretch>
+        </p:blipFill>
+        <p:spPr>
+          <a:xfrm>
+            <a:off x="482372" y="2420888"/>
+            <a:ext cx="8496943" cy="3935462"/>
+          </a:xfrm>
+          <a:prstGeom prst="rect">
+            <a:avLst/>
+          </a:prstGeom>
+          <a:solidFill>
+            <a:srgbClr val="FFFFFF"/>
+          </a:solidFill>
+          <a:ln>
+            <a:noFill/>
+            <a:prstDash/>
+          </a:ln>
+        </p:spPr>
+      </p:pic>
+    </p:spTree>
+    <p:extLst>
+      <p:ext uri="{BB962C8B-B14F-4D97-AF65-F5344CB8AC3E}">
+        <p14:creationId xmlns:p14="http://schemas.microsoft.com/office/powerpoint/2010/main" val="2009636105"/>
+      </p:ext>
+    </p:extLst>
+  </p:cSld>
+  <p:clrMapOvr>
+    <a:masterClrMapping/>
+  </p:clrMapOvr>
+  <mc:AlternateContent xmlns:mc="http://schemas.openxmlformats.org/markup-compatibility/2006">
+    <mc:Choice xmlns:p14="http://schemas.microsoft.com/office/powerpoint/2010/main" Requires="p14">
+      <p:transition spd="slow" p14:dur="2000"/>
+    </mc:Choice>
+    <mc:Fallback>
+      <p:transition spd="slow"/>
+    </mc:Fallback>
+  </mc:AlternateContent>
+  <p:timing>
+    <p:tnLst>
+      <p:par>
+        <p:cTn id="1" dur="indefinite" restart="never" nodeType="tmRoot">
+          <p:childTnLst>
+            <p:seq concurrent="1" nextAc="seek">
+              <p:cTn id="2" dur="indefinite" nodeType="mainSeq">
+                <p:childTnLst>
+                  <p:par>
+                    <p:cTn id="3" fill="hold">
+                      <p:stCondLst>
+                        <p:cond delay="indefinite"/>
+                        <p:cond evt="onBegin" delay="0">
+                          <p:tn val="2"/>
+                        </p:cond>
+                      </p:stCondLst>
+                      <p:childTnLst>
+                        <p:par>
+                          <p:cTn id="4" fill="hold">
+                            <p:stCondLst>
+                              <p:cond delay="0"/>
+                            </p:stCondLst>
+                            <p:childTnLst>
+                              <p:par>
+                                <p:cTn id="5" presetID="14" presetClass="entr" presetSubtype="10" fill="hold" nodeType="afterEffect">
+                                  <p:stCondLst>
+                                    <p:cond delay="1500"/>
+                                  </p:stCondLst>
+                                  <p:childTnLst>
+                                    <p:set>
+                                      <p:cBhvr>
+                                        <p:cTn id="6" dur="1" fill="hold">
+                                          <p:stCondLst>
+                                            <p:cond delay="0"/>
+                                          </p:stCondLst>
+                                        </p:cTn>
+                                        <p:tgtEl>
+                                          <p:spTgt spid="6"/>
+                                        </p:tgtEl>
+                                        <p:attrNameLst>
+                                          <p:attrName>style.visibility</p:attrName>
+                                        </p:attrNameLst>
+                                      </p:cBhvr>
+                                      <p:to>
+                                        <p:strVal val="visible"/>
+                                      </p:to>
+                                    </p:set>
+                                    <p:animEffect transition="in" filter="randombar(horizontal)">
+                                      <p:cBhvr>
+                                        <p:cTn id="7" dur="1000"/>
+                                        <p:tgtEl>
+                                          <p:spTgt spid="6"/>
+                                        </p:tgtEl>
+                                      </p:cBhvr>
+                                    </p:animEffect>
+                                  </p:childTnLst>
+                                </p:cTn>
+                              </p:par>
+                            </p:childTnLst>
+                          </p:cTn>
+                        </p:par>
+                      </p:childTnLst>
+                    </p:cTn>
+                  </p:par>
+                </p:childTnLst>
+              </p:cTn>
+              <p:prevCondLst>
+                <p:cond evt="onPrev" delay="0">
+                  <p:tgtEl>
+                    <p:sldTgt/>
+                  </p:tgtEl>
+                </p:cond>
+              </p:prevCondLst>
+              <p:nextCondLst>
+                <p:cond evt="onNext" delay="0">
+                  <p:tgtEl>
+                    <p:sldTgt/>
+                  </p:tgtEl>
+                </p:cond>
+              </p:nextCondLst>
+            </p:seq>
+          </p:childTnLst>
+        </p:cTn>
+      </p:par>
+    </p:tnLst>
+  </p:timing>
+</p:sld>
+</file>
+
+<file path=ppt/slides/slide20.xml><?xml version="1.0" encoding="utf-8"?>
+<p:sld xmlns:a="http://schemas.openxmlformats.org/drawingml/2006/main" xmlns:r="http://schemas.openxmlformats.org/officeDocument/2006/relationships" xmlns:p="http://schemas.openxmlformats.org/presentationml/2006/main" show="0">
+  <p:cSld>
+    <p:spTree>
+      <p:nvGrpSpPr>
+        <p:cNvPr id="1" name=""/>
+        <p:cNvGrpSpPr/>
+        <p:nvPr/>
+      </p:nvGrpSpPr>
+      <p:grpSpPr>
+        <a:xfrm>
+          <a:off x="0" y="0"/>
+          <a:ext cx="0" cy="0"/>
+          <a:chOff x="0" y="0"/>
+          <a:chExt cx="0" cy="0"/>
+        </a:xfrm>
+      </p:grpSpPr>
+      <p:sp>
+        <p:nvSpPr>
+          <p:cNvPr id="2" name="כותרת 1"/>
+          <p:cNvSpPr>
+            <a:spLocks noGrp="1"/>
+          </p:cNvSpPr>
+          <p:nvPr>
+            <p:ph type="title"/>
+          </p:nvPr>
+        </p:nvSpPr>
+        <p:spPr>
+          <a:xfrm>
+            <a:off x="0" y="0"/>
+            <a:ext cx="9144000" cy="1268760"/>
+          </a:xfrm>
+          <a:solidFill>
+            <a:schemeClr val="tx2">
+              <a:lumMod val="60000"/>
+              <a:lumOff val="40000"/>
+            </a:schemeClr>
+          </a:solidFill>
+        </p:spPr>
+        <p:txBody>
+          <a:bodyPr>
+            <a:normAutofit/>
+          </a:bodyPr>
+          <a:lstStyle/>
+          <a:p>
+            <a:pPr rtl="0"/>
+            <a:r>
               <a:rPr lang="en-US" sz="3200" b="1" dirty="0" smtClean="0"/>
               <a:t>The Cathedral and the Bazaar</a:t>
             </a:r>
@@ -33195,7 +34085,7 @@
             <a:fld id="{99A8CB1B-85B5-416B-B838-2C014F74C4F2}" type="slidenum">
               <a:rPr lang="he-IL" smtClean="0"/>
               <a:pPr/>
-              <a:t>18</a:t>
+              <a:t>20</a:t>
             </a:fld>
             <a:endParaRPr lang="he-IL"/>
           </a:p>
@@ -33749,7 +34639,7 @@
 </p:sld>
 </file>
 
-<file path=ppt/slides/slide19.xml><?xml version="1.0" encoding="utf-8"?>
+<file path=ppt/slides/slide21.xml><?xml version="1.0" encoding="utf-8"?>
 <p:sld xmlns:a="http://schemas.openxmlformats.org/drawingml/2006/main" xmlns:r="http://schemas.openxmlformats.org/officeDocument/2006/relationships" xmlns:p="http://schemas.openxmlformats.org/presentationml/2006/main" show="0">
   <p:cSld>
     <p:spTree>
@@ -33821,7 +34711,7 @@
             <a:fld id="{99A8CB1B-85B5-416B-B838-2C014F74C4F2}" type="slidenum">
               <a:rPr lang="he-IL" smtClean="0"/>
               <a:pPr/>
-              <a:t>19</a:t>
+              <a:t>21</a:t>
             </a:fld>
             <a:endParaRPr lang="he-IL"/>
           </a:p>
@@ -35036,8 +35926,26 @@
                 <a:latin typeface="David" panose="020E0502060401010101" pitchFamily="34" charset="-79"/>
                 <a:cs typeface="David" panose="020E0502060401010101" pitchFamily="34" charset="-79"/>
               </a:rPr>
-              <a:t>	OK, Great, but why?</a:t>
-            </a:r>
+              <a:t>	OK, Great, but </a:t>
+            </a:r>
+            <a:r>
+              <a:rPr lang="en-US" b="1" i="1" dirty="0" smtClean="0">
+                <a:latin typeface="David" panose="020E0502060401010101" pitchFamily="34" charset="-79"/>
+                <a:cs typeface="David" panose="020E0502060401010101" pitchFamily="34" charset="-79"/>
+              </a:rPr>
+              <a:t>WHY</a:t>
+            </a:r>
+            <a:r>
+              <a:rPr lang="en-US" dirty="0" smtClean="0">
+                <a:latin typeface="David" panose="020E0502060401010101" pitchFamily="34" charset="-79"/>
+                <a:cs typeface="David" panose="020E0502060401010101" pitchFamily="34" charset="-79"/>
+              </a:rPr>
+              <a:t>?</a:t>
+            </a:r>
+            <a:endParaRPr lang="en-US" dirty="0" smtClean="0">
+              <a:latin typeface="David" panose="020E0502060401010101" pitchFamily="34" charset="-79"/>
+              <a:cs typeface="David" panose="020E0502060401010101" pitchFamily="34" charset="-79"/>
+            </a:endParaRPr>
           </a:p>
         </p:txBody>
       </p:sp>
@@ -35256,2205 +36164,6 @@
 </p:sld>
 </file>
 
-<file path=ppt/slides/slide2.xml><?xml version="1.0" encoding="utf-8"?>
-<p:sld xmlns:a="http://schemas.openxmlformats.org/drawingml/2006/main" xmlns:r="http://schemas.openxmlformats.org/officeDocument/2006/relationships" xmlns:p="http://schemas.openxmlformats.org/presentationml/2006/main" show="0">
-  <p:cSld>
-    <p:spTree>
-      <p:nvGrpSpPr>
-        <p:cNvPr id="1" name=""/>
-        <p:cNvGrpSpPr/>
-        <p:nvPr/>
-      </p:nvGrpSpPr>
-      <p:grpSpPr>
-        <a:xfrm>
-          <a:off x="0" y="0"/>
-          <a:ext cx="0" cy="0"/>
-          <a:chOff x="0" y="0"/>
-          <a:chExt cx="0" cy="0"/>
-        </a:xfrm>
-      </p:grpSpPr>
-      <p:sp>
-        <p:nvSpPr>
-          <p:cNvPr id="2" name="כותרת 1"/>
-          <p:cNvSpPr>
-            <a:spLocks noGrp="1"/>
-          </p:cNvSpPr>
-          <p:nvPr>
-            <p:ph type="title"/>
-          </p:nvPr>
-        </p:nvSpPr>
-        <p:spPr>
-          <a:xfrm>
-            <a:off x="0" y="0"/>
-            <a:ext cx="9144000" cy="1268760"/>
-          </a:xfrm>
-          <a:solidFill>
-            <a:schemeClr val="tx2">
-              <a:lumMod val="60000"/>
-              <a:lumOff val="40000"/>
-            </a:schemeClr>
-          </a:solidFill>
-        </p:spPr>
-        <p:txBody>
-          <a:bodyPr>
-            <a:normAutofit/>
-          </a:bodyPr>
-          <a:lstStyle/>
-          <a:p>
-            <a:pPr algn="ctr" rtl="0"/>
-            <a:r>
-              <a:rPr lang="en-US" sz="3200" b="1" dirty="0" smtClean="0"/>
-              <a:t>Introducing: </a:t>
-            </a:r>
-            <a:r>
-              <a:rPr lang="en-US" sz="3200" b="1" i="1" dirty="0" smtClean="0"/>
-              <a:t>VuFind</a:t>
-            </a:r>
-            <a:endParaRPr lang="he-IL" sz="3200" b="1" i="1" dirty="0"/>
-          </a:p>
-        </p:txBody>
-      </p:sp>
-      <p:sp>
-        <p:nvSpPr>
-          <p:cNvPr id="4" name="מציין מיקום של מספר שקופית 3"/>
-          <p:cNvSpPr>
-            <a:spLocks noGrp="1"/>
-          </p:cNvSpPr>
-          <p:nvPr>
-            <p:ph type="sldNum" sz="quarter" idx="12"/>
-          </p:nvPr>
-        </p:nvSpPr>
-        <p:spPr/>
-        <p:txBody>
-          <a:bodyPr/>
-          <a:lstStyle/>
-          <a:p>
-            <a:fld id="{99A8CB1B-85B5-416B-B838-2C014F74C4F2}" type="slidenum">
-              <a:rPr lang="he-IL" smtClean="0"/>
-              <a:pPr/>
-              <a:t>2</a:t>
-            </a:fld>
-            <a:endParaRPr lang="he-IL"/>
-          </a:p>
-        </p:txBody>
-      </p:sp>
-      <p:sp>
-        <p:nvSpPr>
-          <p:cNvPr id="6" name="Rectangle 3"/>
-          <p:cNvSpPr txBox="1">
-            <a:spLocks noChangeArrowheads="1"/>
-          </p:cNvSpPr>
-          <p:nvPr/>
-        </p:nvSpPr>
-        <p:spPr>
-          <a:xfrm>
-            <a:off x="473015" y="1438275"/>
-            <a:ext cx="8483600" cy="694581"/>
-          </a:xfrm>
-          <a:prstGeom prst="rect">
-            <a:avLst/>
-          </a:prstGeom>
-        </p:spPr>
-        <p:txBody>
-          <a:bodyPr vert="horz" lIns="91440" tIns="45720" rIns="91440" bIns="45720" rtlCol="1">
-            <a:normAutofit/>
-          </a:bodyPr>
-          <a:lstStyle>
-            <a:lvl1pPr marL="342900" indent="-342900" algn="r" defTabSz="914400" rtl="1" eaLnBrk="1" latinLnBrk="0" hangingPunct="1">
-              <a:spcBef>
-                <a:spcPct val="20000"/>
-              </a:spcBef>
-              <a:buFont typeface="Arial" pitchFamily="34" charset="0"/>
-              <a:buChar char="•"/>
-              <a:defRPr sz="3200" kern="1200">
-                <a:solidFill>
-                  <a:schemeClr val="tx1"/>
-                </a:solidFill>
-                <a:latin typeface="+mn-lt"/>
-                <a:ea typeface="+mn-ea"/>
-                <a:cs typeface="+mn-cs"/>
-              </a:defRPr>
-            </a:lvl1pPr>
-            <a:lvl2pPr marL="742950" indent="-285750" algn="r" defTabSz="914400" rtl="1" eaLnBrk="1" latinLnBrk="0" hangingPunct="1">
-              <a:spcBef>
-                <a:spcPct val="20000"/>
-              </a:spcBef>
-              <a:buFont typeface="Arial" pitchFamily="34" charset="0"/>
-              <a:buChar char="–"/>
-              <a:defRPr sz="2800" kern="1200">
-                <a:solidFill>
-                  <a:schemeClr val="tx1"/>
-                </a:solidFill>
-                <a:latin typeface="+mn-lt"/>
-                <a:ea typeface="+mn-ea"/>
-                <a:cs typeface="+mn-cs"/>
-              </a:defRPr>
-            </a:lvl2pPr>
-            <a:lvl3pPr marL="1143000" indent="-228600" algn="r" defTabSz="914400" rtl="1" eaLnBrk="1" latinLnBrk="0" hangingPunct="1">
-              <a:spcBef>
-                <a:spcPct val="20000"/>
-              </a:spcBef>
-              <a:buFont typeface="Arial" pitchFamily="34" charset="0"/>
-              <a:buChar char="•"/>
-              <a:defRPr sz="2400" kern="1200">
-                <a:solidFill>
-                  <a:schemeClr val="tx1"/>
-                </a:solidFill>
-                <a:latin typeface="+mn-lt"/>
-                <a:ea typeface="+mn-ea"/>
-                <a:cs typeface="+mn-cs"/>
-              </a:defRPr>
-            </a:lvl3pPr>
-            <a:lvl4pPr marL="1600200" indent="-228600" algn="r" defTabSz="914400" rtl="1" eaLnBrk="1" latinLnBrk="0" hangingPunct="1">
-              <a:spcBef>
-                <a:spcPct val="20000"/>
-              </a:spcBef>
-              <a:buFont typeface="Arial" pitchFamily="34" charset="0"/>
-              <a:buChar char="–"/>
-              <a:defRPr sz="2000" kern="1200">
-                <a:solidFill>
-                  <a:schemeClr val="tx1"/>
-                </a:solidFill>
-                <a:latin typeface="+mn-lt"/>
-                <a:ea typeface="+mn-ea"/>
-                <a:cs typeface="+mn-cs"/>
-              </a:defRPr>
-            </a:lvl4pPr>
-            <a:lvl5pPr marL="2057400" indent="-228600" algn="r" defTabSz="914400" rtl="1" eaLnBrk="1" latinLnBrk="0" hangingPunct="1">
-              <a:spcBef>
-                <a:spcPct val="20000"/>
-              </a:spcBef>
-              <a:buFont typeface="Arial" pitchFamily="34" charset="0"/>
-              <a:buChar char="»"/>
-              <a:defRPr sz="2000" kern="1200">
-                <a:solidFill>
-                  <a:schemeClr val="tx1"/>
-                </a:solidFill>
-                <a:latin typeface="+mn-lt"/>
-                <a:ea typeface="+mn-ea"/>
-                <a:cs typeface="+mn-cs"/>
-              </a:defRPr>
-            </a:lvl5pPr>
-            <a:lvl6pPr marL="2514600" indent="-228600" algn="r" defTabSz="914400" rtl="1" eaLnBrk="1" latinLnBrk="0" hangingPunct="1">
-              <a:spcBef>
-                <a:spcPct val="20000"/>
-              </a:spcBef>
-              <a:buFont typeface="Arial" pitchFamily="34" charset="0"/>
-              <a:buChar char="•"/>
-              <a:defRPr sz="2000" kern="1200">
-                <a:solidFill>
-                  <a:schemeClr val="tx1"/>
-                </a:solidFill>
-                <a:latin typeface="+mn-lt"/>
-                <a:ea typeface="+mn-ea"/>
-                <a:cs typeface="+mn-cs"/>
-              </a:defRPr>
-            </a:lvl6pPr>
-            <a:lvl7pPr marL="2971800" indent="-228600" algn="r" defTabSz="914400" rtl="1" eaLnBrk="1" latinLnBrk="0" hangingPunct="1">
-              <a:spcBef>
-                <a:spcPct val="20000"/>
-              </a:spcBef>
-              <a:buFont typeface="Arial" pitchFamily="34" charset="0"/>
-              <a:buChar char="•"/>
-              <a:defRPr sz="2000" kern="1200">
-                <a:solidFill>
-                  <a:schemeClr val="tx1"/>
-                </a:solidFill>
-                <a:latin typeface="+mn-lt"/>
-                <a:ea typeface="+mn-ea"/>
-                <a:cs typeface="+mn-cs"/>
-              </a:defRPr>
-            </a:lvl7pPr>
-            <a:lvl8pPr marL="3429000" indent="-228600" algn="r" defTabSz="914400" rtl="1" eaLnBrk="1" latinLnBrk="0" hangingPunct="1">
-              <a:spcBef>
-                <a:spcPct val="20000"/>
-              </a:spcBef>
-              <a:buFont typeface="Arial" pitchFamily="34" charset="0"/>
-              <a:buChar char="•"/>
-              <a:defRPr sz="2000" kern="1200">
-                <a:solidFill>
-                  <a:schemeClr val="tx1"/>
-                </a:solidFill>
-                <a:latin typeface="+mn-lt"/>
-                <a:ea typeface="+mn-ea"/>
-                <a:cs typeface="+mn-cs"/>
-              </a:defRPr>
-            </a:lvl8pPr>
-            <a:lvl9pPr marL="3886200" indent="-228600" algn="r" defTabSz="914400" rtl="1" eaLnBrk="1" latinLnBrk="0" hangingPunct="1">
-              <a:spcBef>
-                <a:spcPct val="20000"/>
-              </a:spcBef>
-              <a:buFont typeface="Arial" pitchFamily="34" charset="0"/>
-              <a:buChar char="•"/>
-              <a:defRPr sz="2000" kern="1200">
-                <a:solidFill>
-                  <a:schemeClr val="tx1"/>
-                </a:solidFill>
-                <a:latin typeface="+mn-lt"/>
-                <a:ea typeface="+mn-ea"/>
-                <a:cs typeface="+mn-cs"/>
-              </a:defRPr>
-            </a:lvl9pPr>
-          </a:lstStyle>
-          <a:p>
-            <a:pPr marL="57150" indent="0" algn="l" rtl="0">
-              <a:buFont typeface="Arial" pitchFamily="34" charset="0"/>
-              <a:buNone/>
-            </a:pPr>
-            <a:r>
-              <a:rPr lang="en-US" altLang="en-US" dirty="0" smtClean="0"/>
-              <a:t>So, what is VuFind at all?</a:t>
-            </a:r>
-          </a:p>
-        </p:txBody>
-      </p:sp>
-      <p:pic>
-        <p:nvPicPr>
-          <p:cNvPr id="14" name="Picture 13"/>
-          <p:cNvPicPr>
-            <a:picLocks noChangeAspect="1"/>
-          </p:cNvPicPr>
-          <p:nvPr/>
-        </p:nvPicPr>
-        <p:blipFill>
-          <a:blip r:embed="rId3"/>
-          <a:stretch>
-            <a:fillRect/>
-          </a:stretch>
-        </p:blipFill>
-        <p:spPr>
-          <a:xfrm>
-            <a:off x="305780" y="2323902"/>
-            <a:ext cx="8532440" cy="3744416"/>
-          </a:xfrm>
-          <a:prstGeom prst="rect">
-            <a:avLst/>
-          </a:prstGeom>
-        </p:spPr>
-      </p:pic>
-      <p:sp>
-        <p:nvSpPr>
-          <p:cNvPr id="16" name="Frame 15"/>
-          <p:cNvSpPr/>
-          <p:nvPr/>
-        </p:nvSpPr>
-        <p:spPr>
-          <a:xfrm>
-            <a:off x="3942652" y="3068960"/>
-            <a:ext cx="3672408" cy="2783334"/>
-          </a:xfrm>
-          <a:prstGeom prst="frame">
-            <a:avLst/>
-          </a:prstGeom>
-          <a:solidFill>
-            <a:srgbClr val="FFFF00"/>
-          </a:solidFill>
-          <a:ln>
-            <a:solidFill>
-              <a:srgbClr val="FFFF00"/>
-            </a:solidFill>
-          </a:ln>
-        </p:spPr>
-        <p:style>
-          <a:lnRef idx="2">
-            <a:schemeClr val="accent1">
-              <a:shade val="50000"/>
-            </a:schemeClr>
-          </a:lnRef>
-          <a:fillRef idx="1">
-            <a:schemeClr val="accent1"/>
-          </a:fillRef>
-          <a:effectRef idx="0">
-            <a:schemeClr val="accent1"/>
-          </a:effectRef>
-          <a:fontRef idx="minor">
-            <a:schemeClr val="lt1"/>
-          </a:fontRef>
-        </p:style>
-        <p:txBody>
-          <a:bodyPr rtlCol="0" anchor="ctr"/>
-          <a:lstStyle/>
-          <a:p>
-            <a:pPr algn="ctr"/>
-            <a:endParaRPr lang="en-US">
-              <a:solidFill>
-                <a:schemeClr val="tx1"/>
-              </a:solidFill>
-            </a:endParaRPr>
-          </a:p>
-        </p:txBody>
-      </p:sp>
-      <p:sp>
-        <p:nvSpPr>
-          <p:cNvPr id="19" name="Rounded Rectangular Callout 18"/>
-          <p:cNvSpPr/>
-          <p:nvPr/>
-        </p:nvSpPr>
-        <p:spPr>
-          <a:xfrm>
-            <a:off x="290512" y="2755950"/>
-            <a:ext cx="3538736" cy="2880320"/>
-          </a:xfrm>
-          <a:prstGeom prst="wedgeRoundRectCallout">
-            <a:avLst/>
-          </a:prstGeom>
-          <a:noFill/>
-          <a:ln w="76200">
-            <a:solidFill>
-              <a:srgbClr val="00FF00"/>
-            </a:solidFill>
-          </a:ln>
-        </p:spPr>
-        <p:style>
-          <a:lnRef idx="2">
-            <a:schemeClr val="accent1">
-              <a:shade val="50000"/>
-            </a:schemeClr>
-          </a:lnRef>
-          <a:fillRef idx="1">
-            <a:schemeClr val="accent1"/>
-          </a:fillRef>
-          <a:effectRef idx="0">
-            <a:schemeClr val="accent1"/>
-          </a:effectRef>
-          <a:fontRef idx="minor">
-            <a:schemeClr val="lt1"/>
-          </a:fontRef>
-        </p:style>
-        <p:txBody>
-          <a:bodyPr rtlCol="0" anchor="ctr"/>
-          <a:lstStyle/>
-          <a:p>
-            <a:pPr algn="ctr"/>
-            <a:endParaRPr lang="en-US"/>
-          </a:p>
-        </p:txBody>
-      </p:sp>
-    </p:spTree>
-    <p:extLst>
-      <p:ext uri="{BB962C8B-B14F-4D97-AF65-F5344CB8AC3E}">
-        <p14:creationId xmlns:p14="http://schemas.microsoft.com/office/powerpoint/2010/main" val="773670875"/>
-      </p:ext>
-    </p:extLst>
-  </p:cSld>
-  <p:clrMapOvr>
-    <a:masterClrMapping/>
-  </p:clrMapOvr>
-  <mc:AlternateContent xmlns:mc="http://schemas.openxmlformats.org/markup-compatibility/2006" xmlns:p14="http://schemas.microsoft.com/office/powerpoint/2010/main">
-    <mc:Choice Requires="p14">
-      <p:transition spd="slow" p14:dur="2000"/>
-    </mc:Choice>
-    <mc:Fallback xmlns="">
-      <p:transition spd="slow"/>
-    </mc:Fallback>
-  </mc:AlternateContent>
-  <p:timing>
-    <p:tnLst>
-      <p:par>
-        <p:cTn id="1" dur="indefinite" restart="never" nodeType="tmRoot">
-          <p:childTnLst>
-            <p:seq concurrent="1" nextAc="seek">
-              <p:cTn id="2" dur="indefinite" nodeType="mainSeq">
-                <p:childTnLst>
-                  <p:par>
-                    <p:cTn id="3" fill="hold">
-                      <p:stCondLst>
-                        <p:cond delay="indefinite"/>
-                      </p:stCondLst>
-                      <p:childTnLst>
-                        <p:par>
-                          <p:cTn id="4" fill="hold">
-                            <p:stCondLst>
-                              <p:cond delay="0"/>
-                            </p:stCondLst>
-                            <p:childTnLst>
-                              <p:par>
-                                <p:cTn id="5" presetID="2" presetClass="entr" presetSubtype="4" fill="hold" nodeType="clickEffect">
-                                  <p:stCondLst>
-                                    <p:cond delay="0"/>
-                                  </p:stCondLst>
-                                  <p:childTnLst>
-                                    <p:set>
-                                      <p:cBhvr>
-                                        <p:cTn id="6" dur="1" fill="hold">
-                                          <p:stCondLst>
-                                            <p:cond delay="0"/>
-                                          </p:stCondLst>
-                                        </p:cTn>
-                                        <p:tgtEl>
-                                          <p:spTgt spid="14"/>
-                                        </p:tgtEl>
-                                        <p:attrNameLst>
-                                          <p:attrName>style.visibility</p:attrName>
-                                        </p:attrNameLst>
-                                      </p:cBhvr>
-                                      <p:to>
-                                        <p:strVal val="visible"/>
-                                      </p:to>
-                                    </p:set>
-                                    <p:anim calcmode="lin" valueType="num">
-                                      <p:cBhvr additive="base">
-                                        <p:cTn id="7" dur="500" fill="hold"/>
-                                        <p:tgtEl>
-                                          <p:spTgt spid="14"/>
-                                        </p:tgtEl>
-                                        <p:attrNameLst>
-                                          <p:attrName>ppt_x</p:attrName>
-                                        </p:attrNameLst>
-                                      </p:cBhvr>
-                                      <p:tavLst>
-                                        <p:tav tm="0">
-                                          <p:val>
-                                            <p:strVal val="#ppt_x"/>
-                                          </p:val>
-                                        </p:tav>
-                                        <p:tav tm="100000">
-                                          <p:val>
-                                            <p:strVal val="#ppt_x"/>
-                                          </p:val>
-                                        </p:tav>
-                                      </p:tavLst>
-                                    </p:anim>
-                                    <p:anim calcmode="lin" valueType="num">
-                                      <p:cBhvr additive="base">
-                                        <p:cTn id="8" dur="500" fill="hold"/>
-                                        <p:tgtEl>
-                                          <p:spTgt spid="14"/>
-                                        </p:tgtEl>
-                                        <p:attrNameLst>
-                                          <p:attrName>ppt_y</p:attrName>
-                                        </p:attrNameLst>
-                                      </p:cBhvr>
-                                      <p:tavLst>
-                                        <p:tav tm="0">
-                                          <p:val>
-                                            <p:strVal val="1+#ppt_h/2"/>
-                                          </p:val>
-                                        </p:tav>
-                                        <p:tav tm="100000">
-                                          <p:val>
-                                            <p:strVal val="#ppt_y"/>
-                                          </p:val>
-                                        </p:tav>
-                                      </p:tavLst>
-                                    </p:anim>
-                                  </p:childTnLst>
-                                </p:cTn>
-                              </p:par>
-                            </p:childTnLst>
-                          </p:cTn>
-                        </p:par>
-                      </p:childTnLst>
-                    </p:cTn>
-                  </p:par>
-                  <p:par>
-                    <p:cTn id="9" fill="hold">
-                      <p:stCondLst>
-                        <p:cond delay="indefinite"/>
-                      </p:stCondLst>
-                      <p:childTnLst>
-                        <p:par>
-                          <p:cTn id="10" fill="hold">
-                            <p:stCondLst>
-                              <p:cond delay="0"/>
-                            </p:stCondLst>
-                            <p:childTnLst>
-                              <p:par>
-                                <p:cTn id="11" presetID="22" presetClass="entr" presetSubtype="4" fill="hold" grpId="0" nodeType="clickEffect">
-                                  <p:stCondLst>
-                                    <p:cond delay="0"/>
-                                  </p:stCondLst>
-                                  <p:childTnLst>
-                                    <p:set>
-                                      <p:cBhvr>
-                                        <p:cTn id="12" dur="1" fill="hold">
-                                          <p:stCondLst>
-                                            <p:cond delay="0"/>
-                                          </p:stCondLst>
-                                        </p:cTn>
-                                        <p:tgtEl>
-                                          <p:spTgt spid="16"/>
-                                        </p:tgtEl>
-                                        <p:attrNameLst>
-                                          <p:attrName>style.visibility</p:attrName>
-                                        </p:attrNameLst>
-                                      </p:cBhvr>
-                                      <p:to>
-                                        <p:strVal val="visible"/>
-                                      </p:to>
-                                    </p:set>
-                                    <p:animEffect transition="in" filter="wipe(down)">
-                                      <p:cBhvr>
-                                        <p:cTn id="13" dur="500"/>
-                                        <p:tgtEl>
-                                          <p:spTgt spid="16"/>
-                                        </p:tgtEl>
-                                      </p:cBhvr>
-                                    </p:animEffect>
-                                  </p:childTnLst>
-                                </p:cTn>
-                              </p:par>
-                            </p:childTnLst>
-                          </p:cTn>
-                        </p:par>
-                      </p:childTnLst>
-                    </p:cTn>
-                  </p:par>
-                  <p:par>
-                    <p:cTn id="14" fill="hold">
-                      <p:stCondLst>
-                        <p:cond delay="indefinite"/>
-                      </p:stCondLst>
-                      <p:childTnLst>
-                        <p:par>
-                          <p:cTn id="15" fill="hold">
-                            <p:stCondLst>
-                              <p:cond delay="0"/>
-                            </p:stCondLst>
-                            <p:childTnLst>
-                              <p:par>
-                                <p:cTn id="16" presetID="6" presetClass="entr" presetSubtype="16" fill="hold" grpId="0" nodeType="clickEffect">
-                                  <p:stCondLst>
-                                    <p:cond delay="0"/>
-                                  </p:stCondLst>
-                                  <p:childTnLst>
-                                    <p:set>
-                                      <p:cBhvr>
-                                        <p:cTn id="17" dur="1" fill="hold">
-                                          <p:stCondLst>
-                                            <p:cond delay="0"/>
-                                          </p:stCondLst>
-                                        </p:cTn>
-                                        <p:tgtEl>
-                                          <p:spTgt spid="19"/>
-                                        </p:tgtEl>
-                                        <p:attrNameLst>
-                                          <p:attrName>style.visibility</p:attrName>
-                                        </p:attrNameLst>
-                                      </p:cBhvr>
-                                      <p:to>
-                                        <p:strVal val="visible"/>
-                                      </p:to>
-                                    </p:set>
-                                    <p:animEffect transition="in" filter="circle(in)">
-                                      <p:cBhvr>
-                                        <p:cTn id="18" dur="2000"/>
-                                        <p:tgtEl>
-                                          <p:spTgt spid="19"/>
-                                        </p:tgtEl>
-                                      </p:cBhvr>
-                                    </p:animEffect>
-                                  </p:childTnLst>
-                                </p:cTn>
-                              </p:par>
-                            </p:childTnLst>
-                          </p:cTn>
-                        </p:par>
-                      </p:childTnLst>
-                    </p:cTn>
-                  </p:par>
-                </p:childTnLst>
-              </p:cTn>
-              <p:prevCondLst>
-                <p:cond evt="onPrev" delay="0">
-                  <p:tgtEl>
-                    <p:sldTgt/>
-                  </p:tgtEl>
-                </p:cond>
-              </p:prevCondLst>
-              <p:nextCondLst>
-                <p:cond evt="onNext" delay="0">
-                  <p:tgtEl>
-                    <p:sldTgt/>
-                  </p:tgtEl>
-                </p:cond>
-              </p:nextCondLst>
-            </p:seq>
-          </p:childTnLst>
-        </p:cTn>
-      </p:par>
-    </p:tnLst>
-    <p:bldLst>
-      <p:bldP spid="16" grpId="0" animBg="1"/>
-      <p:bldP spid="19" grpId="0" animBg="1"/>
-    </p:bldLst>
-  </p:timing>
-</p:sld>
-</file>
-
-<file path=ppt/slides/slide20.xml><?xml version="1.0" encoding="utf-8"?>
-<p:sld xmlns:a="http://schemas.openxmlformats.org/drawingml/2006/main" xmlns:r="http://schemas.openxmlformats.org/officeDocument/2006/relationships" xmlns:p="http://schemas.openxmlformats.org/presentationml/2006/main" show="0">
-  <p:cSld>
-    <p:spTree>
-      <p:nvGrpSpPr>
-        <p:cNvPr id="1" name=""/>
-        <p:cNvGrpSpPr/>
-        <p:nvPr/>
-      </p:nvGrpSpPr>
-      <p:grpSpPr>
-        <a:xfrm>
-          <a:off x="0" y="0"/>
-          <a:ext cx="0" cy="0"/>
-          <a:chOff x="0" y="0"/>
-          <a:chExt cx="0" cy="0"/>
-        </a:xfrm>
-      </p:grpSpPr>
-      <p:sp>
-        <p:nvSpPr>
-          <p:cNvPr id="2" name="כותרת 1"/>
-          <p:cNvSpPr>
-            <a:spLocks noGrp="1"/>
-          </p:cNvSpPr>
-          <p:nvPr>
-            <p:ph type="title"/>
-          </p:nvPr>
-        </p:nvSpPr>
-        <p:spPr>
-          <a:xfrm>
-            <a:off x="0" y="0"/>
-            <a:ext cx="9144000" cy="1268760"/>
-          </a:xfrm>
-          <a:solidFill>
-            <a:schemeClr val="tx2">
-              <a:lumMod val="60000"/>
-              <a:lumOff val="40000"/>
-            </a:schemeClr>
-          </a:solidFill>
-        </p:spPr>
-        <p:txBody>
-          <a:bodyPr>
-            <a:normAutofit/>
-          </a:bodyPr>
-          <a:lstStyle/>
-          <a:p>
-            <a:pPr rtl="0"/>
-            <a:r>
-              <a:rPr lang="en-US" sz="3200" b="1" dirty="0" smtClean="0"/>
-              <a:t>Cathedral</a:t>
-            </a:r>
-            <a:endParaRPr lang="he-IL" sz="3200" b="1" dirty="0"/>
-          </a:p>
-        </p:txBody>
-      </p:sp>
-      <p:sp>
-        <p:nvSpPr>
-          <p:cNvPr id="4" name="מציין מיקום של מספר שקופית 3"/>
-          <p:cNvSpPr>
-            <a:spLocks noGrp="1"/>
-          </p:cNvSpPr>
-          <p:nvPr>
-            <p:ph type="sldNum" sz="quarter" idx="12"/>
-          </p:nvPr>
-        </p:nvSpPr>
-        <p:spPr/>
-        <p:txBody>
-          <a:bodyPr/>
-          <a:lstStyle/>
-          <a:p>
-            <a:fld id="{99A8CB1B-85B5-416B-B838-2C014F74C4F2}" type="slidenum">
-              <a:rPr lang="he-IL" smtClean="0"/>
-              <a:pPr/>
-              <a:t>20</a:t>
-            </a:fld>
-            <a:endParaRPr lang="he-IL"/>
-          </a:p>
-        </p:txBody>
-      </p:sp>
-      <p:sp>
-        <p:nvSpPr>
-          <p:cNvPr id="6" name="Rectangle 3"/>
-          <p:cNvSpPr txBox="1">
-            <a:spLocks noChangeArrowheads="1"/>
-          </p:cNvSpPr>
-          <p:nvPr/>
-        </p:nvSpPr>
-        <p:spPr>
-          <a:xfrm>
-            <a:off x="330200" y="1423410"/>
-            <a:ext cx="8483600" cy="761095"/>
-          </a:xfrm>
-          <a:prstGeom prst="rect">
-            <a:avLst/>
-          </a:prstGeom>
-        </p:spPr>
-        <p:txBody>
-          <a:bodyPr vert="horz" lIns="91440" tIns="45720" rIns="91440" bIns="45720" rtlCol="1">
-            <a:normAutofit/>
-          </a:bodyPr>
-          <a:lstStyle>
-            <a:lvl1pPr marL="342900" indent="-342900" algn="r" defTabSz="914400" rtl="1" eaLnBrk="1" latinLnBrk="0" hangingPunct="1">
-              <a:spcBef>
-                <a:spcPct val="20000"/>
-              </a:spcBef>
-              <a:buFont typeface="Arial" pitchFamily="34" charset="0"/>
-              <a:buChar char="•"/>
-              <a:defRPr sz="3200" kern="1200">
-                <a:solidFill>
-                  <a:schemeClr val="tx1"/>
-                </a:solidFill>
-                <a:latin typeface="+mn-lt"/>
-                <a:ea typeface="+mn-ea"/>
-                <a:cs typeface="+mn-cs"/>
-              </a:defRPr>
-            </a:lvl1pPr>
-            <a:lvl2pPr marL="742950" indent="-285750" algn="r" defTabSz="914400" rtl="1" eaLnBrk="1" latinLnBrk="0" hangingPunct="1">
-              <a:spcBef>
-                <a:spcPct val="20000"/>
-              </a:spcBef>
-              <a:buFont typeface="Arial" pitchFamily="34" charset="0"/>
-              <a:buChar char="–"/>
-              <a:defRPr sz="2800" kern="1200">
-                <a:solidFill>
-                  <a:schemeClr val="tx1"/>
-                </a:solidFill>
-                <a:latin typeface="+mn-lt"/>
-                <a:ea typeface="+mn-ea"/>
-                <a:cs typeface="+mn-cs"/>
-              </a:defRPr>
-            </a:lvl2pPr>
-            <a:lvl3pPr marL="1143000" indent="-228600" algn="r" defTabSz="914400" rtl="1" eaLnBrk="1" latinLnBrk="0" hangingPunct="1">
-              <a:spcBef>
-                <a:spcPct val="20000"/>
-              </a:spcBef>
-              <a:buFont typeface="Arial" pitchFamily="34" charset="0"/>
-              <a:buChar char="•"/>
-              <a:defRPr sz="2400" kern="1200">
-                <a:solidFill>
-                  <a:schemeClr val="tx1"/>
-                </a:solidFill>
-                <a:latin typeface="+mn-lt"/>
-                <a:ea typeface="+mn-ea"/>
-                <a:cs typeface="+mn-cs"/>
-              </a:defRPr>
-            </a:lvl3pPr>
-            <a:lvl4pPr marL="1600200" indent="-228600" algn="r" defTabSz="914400" rtl="1" eaLnBrk="1" latinLnBrk="0" hangingPunct="1">
-              <a:spcBef>
-                <a:spcPct val="20000"/>
-              </a:spcBef>
-              <a:buFont typeface="Arial" pitchFamily="34" charset="0"/>
-              <a:buChar char="–"/>
-              <a:defRPr sz="2000" kern="1200">
-                <a:solidFill>
-                  <a:schemeClr val="tx1"/>
-                </a:solidFill>
-                <a:latin typeface="+mn-lt"/>
-                <a:ea typeface="+mn-ea"/>
-                <a:cs typeface="+mn-cs"/>
-              </a:defRPr>
-            </a:lvl4pPr>
-            <a:lvl5pPr marL="2057400" indent="-228600" algn="r" defTabSz="914400" rtl="1" eaLnBrk="1" latinLnBrk="0" hangingPunct="1">
-              <a:spcBef>
-                <a:spcPct val="20000"/>
-              </a:spcBef>
-              <a:buFont typeface="Arial" pitchFamily="34" charset="0"/>
-              <a:buChar char="»"/>
-              <a:defRPr sz="2000" kern="1200">
-                <a:solidFill>
-                  <a:schemeClr val="tx1"/>
-                </a:solidFill>
-                <a:latin typeface="+mn-lt"/>
-                <a:ea typeface="+mn-ea"/>
-                <a:cs typeface="+mn-cs"/>
-              </a:defRPr>
-            </a:lvl5pPr>
-            <a:lvl6pPr marL="2514600" indent="-228600" algn="r" defTabSz="914400" rtl="1" eaLnBrk="1" latinLnBrk="0" hangingPunct="1">
-              <a:spcBef>
-                <a:spcPct val="20000"/>
-              </a:spcBef>
-              <a:buFont typeface="Arial" pitchFamily="34" charset="0"/>
-              <a:buChar char="•"/>
-              <a:defRPr sz="2000" kern="1200">
-                <a:solidFill>
-                  <a:schemeClr val="tx1"/>
-                </a:solidFill>
-                <a:latin typeface="+mn-lt"/>
-                <a:ea typeface="+mn-ea"/>
-                <a:cs typeface="+mn-cs"/>
-              </a:defRPr>
-            </a:lvl6pPr>
-            <a:lvl7pPr marL="2971800" indent="-228600" algn="r" defTabSz="914400" rtl="1" eaLnBrk="1" latinLnBrk="0" hangingPunct="1">
-              <a:spcBef>
-                <a:spcPct val="20000"/>
-              </a:spcBef>
-              <a:buFont typeface="Arial" pitchFamily="34" charset="0"/>
-              <a:buChar char="•"/>
-              <a:defRPr sz="2000" kern="1200">
-                <a:solidFill>
-                  <a:schemeClr val="tx1"/>
-                </a:solidFill>
-                <a:latin typeface="+mn-lt"/>
-                <a:ea typeface="+mn-ea"/>
-                <a:cs typeface="+mn-cs"/>
-              </a:defRPr>
-            </a:lvl7pPr>
-            <a:lvl8pPr marL="3429000" indent="-228600" algn="r" defTabSz="914400" rtl="1" eaLnBrk="1" latinLnBrk="0" hangingPunct="1">
-              <a:spcBef>
-                <a:spcPct val="20000"/>
-              </a:spcBef>
-              <a:buFont typeface="Arial" pitchFamily="34" charset="0"/>
-              <a:buChar char="•"/>
-              <a:defRPr sz="2000" kern="1200">
-                <a:solidFill>
-                  <a:schemeClr val="tx1"/>
-                </a:solidFill>
-                <a:latin typeface="+mn-lt"/>
-                <a:ea typeface="+mn-ea"/>
-                <a:cs typeface="+mn-cs"/>
-              </a:defRPr>
-            </a:lvl8pPr>
-            <a:lvl9pPr marL="3886200" indent="-228600" algn="r" defTabSz="914400" rtl="1" eaLnBrk="1" latinLnBrk="0" hangingPunct="1">
-              <a:spcBef>
-                <a:spcPct val="20000"/>
-              </a:spcBef>
-              <a:buFont typeface="Arial" pitchFamily="34" charset="0"/>
-              <a:buChar char="•"/>
-              <a:defRPr sz="2000" kern="1200">
-                <a:solidFill>
-                  <a:schemeClr val="tx1"/>
-                </a:solidFill>
-                <a:latin typeface="+mn-lt"/>
-                <a:ea typeface="+mn-ea"/>
-                <a:cs typeface="+mn-cs"/>
-              </a:defRPr>
-            </a:lvl9pPr>
-          </a:lstStyle>
-          <a:p>
-            <a:pPr marL="0" indent="0" algn="just" rtl="0">
-              <a:buNone/>
-            </a:pPr>
-            <a:endParaRPr lang="en-US" dirty="0" smtClean="0"/>
-          </a:p>
-        </p:txBody>
-      </p:sp>
-      <p:sp>
-        <p:nvSpPr>
-          <p:cNvPr id="7" name="Rectangle 3"/>
-          <p:cNvSpPr txBox="1">
-            <a:spLocks noChangeArrowheads="1"/>
-          </p:cNvSpPr>
-          <p:nvPr/>
-        </p:nvSpPr>
-        <p:spPr>
-          <a:xfrm>
-            <a:off x="299866" y="2199370"/>
-            <a:ext cx="8483600" cy="1263977"/>
-          </a:xfrm>
-          <a:prstGeom prst="rect">
-            <a:avLst/>
-          </a:prstGeom>
-        </p:spPr>
-        <p:txBody>
-          <a:bodyPr vert="horz" lIns="91440" tIns="45720" rIns="91440" bIns="45720" rtlCol="1">
-            <a:normAutofit/>
-          </a:bodyPr>
-          <a:lstStyle>
-            <a:lvl1pPr marL="342900" indent="-342900" algn="r" defTabSz="914400" rtl="1" eaLnBrk="1" latinLnBrk="0" hangingPunct="1">
-              <a:spcBef>
-                <a:spcPct val="20000"/>
-              </a:spcBef>
-              <a:buFont typeface="Arial" pitchFamily="34" charset="0"/>
-              <a:buChar char="•"/>
-              <a:defRPr sz="3200" kern="1200">
-                <a:solidFill>
-                  <a:schemeClr val="tx1"/>
-                </a:solidFill>
-                <a:latin typeface="+mn-lt"/>
-                <a:ea typeface="+mn-ea"/>
-                <a:cs typeface="+mn-cs"/>
-              </a:defRPr>
-            </a:lvl1pPr>
-            <a:lvl2pPr marL="742950" indent="-285750" algn="r" defTabSz="914400" rtl="1" eaLnBrk="1" latinLnBrk="0" hangingPunct="1">
-              <a:spcBef>
-                <a:spcPct val="20000"/>
-              </a:spcBef>
-              <a:buFont typeface="Arial" pitchFamily="34" charset="0"/>
-              <a:buChar char="–"/>
-              <a:defRPr sz="2800" kern="1200">
-                <a:solidFill>
-                  <a:schemeClr val="tx1"/>
-                </a:solidFill>
-                <a:latin typeface="+mn-lt"/>
-                <a:ea typeface="+mn-ea"/>
-                <a:cs typeface="+mn-cs"/>
-              </a:defRPr>
-            </a:lvl2pPr>
-            <a:lvl3pPr marL="1143000" indent="-228600" algn="r" defTabSz="914400" rtl="1" eaLnBrk="1" latinLnBrk="0" hangingPunct="1">
-              <a:spcBef>
-                <a:spcPct val="20000"/>
-              </a:spcBef>
-              <a:buFont typeface="Arial" pitchFamily="34" charset="0"/>
-              <a:buChar char="•"/>
-              <a:defRPr sz="2400" kern="1200">
-                <a:solidFill>
-                  <a:schemeClr val="tx1"/>
-                </a:solidFill>
-                <a:latin typeface="+mn-lt"/>
-                <a:ea typeface="+mn-ea"/>
-                <a:cs typeface="+mn-cs"/>
-              </a:defRPr>
-            </a:lvl3pPr>
-            <a:lvl4pPr marL="1600200" indent="-228600" algn="r" defTabSz="914400" rtl="1" eaLnBrk="1" latinLnBrk="0" hangingPunct="1">
-              <a:spcBef>
-                <a:spcPct val="20000"/>
-              </a:spcBef>
-              <a:buFont typeface="Arial" pitchFamily="34" charset="0"/>
-              <a:buChar char="–"/>
-              <a:defRPr sz="2000" kern="1200">
-                <a:solidFill>
-                  <a:schemeClr val="tx1"/>
-                </a:solidFill>
-                <a:latin typeface="+mn-lt"/>
-                <a:ea typeface="+mn-ea"/>
-                <a:cs typeface="+mn-cs"/>
-              </a:defRPr>
-            </a:lvl4pPr>
-            <a:lvl5pPr marL="2057400" indent="-228600" algn="r" defTabSz="914400" rtl="1" eaLnBrk="1" latinLnBrk="0" hangingPunct="1">
-              <a:spcBef>
-                <a:spcPct val="20000"/>
-              </a:spcBef>
-              <a:buFont typeface="Arial" pitchFamily="34" charset="0"/>
-              <a:buChar char="»"/>
-              <a:defRPr sz="2000" kern="1200">
-                <a:solidFill>
-                  <a:schemeClr val="tx1"/>
-                </a:solidFill>
-                <a:latin typeface="+mn-lt"/>
-                <a:ea typeface="+mn-ea"/>
-                <a:cs typeface="+mn-cs"/>
-              </a:defRPr>
-            </a:lvl5pPr>
-            <a:lvl6pPr marL="2514600" indent="-228600" algn="r" defTabSz="914400" rtl="1" eaLnBrk="1" latinLnBrk="0" hangingPunct="1">
-              <a:spcBef>
-                <a:spcPct val="20000"/>
-              </a:spcBef>
-              <a:buFont typeface="Arial" pitchFamily="34" charset="0"/>
-              <a:buChar char="•"/>
-              <a:defRPr sz="2000" kern="1200">
-                <a:solidFill>
-                  <a:schemeClr val="tx1"/>
-                </a:solidFill>
-                <a:latin typeface="+mn-lt"/>
-                <a:ea typeface="+mn-ea"/>
-                <a:cs typeface="+mn-cs"/>
-              </a:defRPr>
-            </a:lvl6pPr>
-            <a:lvl7pPr marL="2971800" indent="-228600" algn="r" defTabSz="914400" rtl="1" eaLnBrk="1" latinLnBrk="0" hangingPunct="1">
-              <a:spcBef>
-                <a:spcPct val="20000"/>
-              </a:spcBef>
-              <a:buFont typeface="Arial" pitchFamily="34" charset="0"/>
-              <a:buChar char="•"/>
-              <a:defRPr sz="2000" kern="1200">
-                <a:solidFill>
-                  <a:schemeClr val="tx1"/>
-                </a:solidFill>
-                <a:latin typeface="+mn-lt"/>
-                <a:ea typeface="+mn-ea"/>
-                <a:cs typeface="+mn-cs"/>
-              </a:defRPr>
-            </a:lvl7pPr>
-            <a:lvl8pPr marL="3429000" indent="-228600" algn="r" defTabSz="914400" rtl="1" eaLnBrk="1" latinLnBrk="0" hangingPunct="1">
-              <a:spcBef>
-                <a:spcPct val="20000"/>
-              </a:spcBef>
-              <a:buFont typeface="Arial" pitchFamily="34" charset="0"/>
-              <a:buChar char="•"/>
-              <a:defRPr sz="2000" kern="1200">
-                <a:solidFill>
-                  <a:schemeClr val="tx1"/>
-                </a:solidFill>
-                <a:latin typeface="+mn-lt"/>
-                <a:ea typeface="+mn-ea"/>
-                <a:cs typeface="+mn-cs"/>
-              </a:defRPr>
-            </a:lvl8pPr>
-            <a:lvl9pPr marL="3886200" indent="-228600" algn="r" defTabSz="914400" rtl="1" eaLnBrk="1" latinLnBrk="0" hangingPunct="1">
-              <a:spcBef>
-                <a:spcPct val="20000"/>
-              </a:spcBef>
-              <a:buFont typeface="Arial" pitchFamily="34" charset="0"/>
-              <a:buChar char="•"/>
-              <a:defRPr sz="2000" kern="1200">
-                <a:solidFill>
-                  <a:schemeClr val="tx1"/>
-                </a:solidFill>
-                <a:latin typeface="+mn-lt"/>
-                <a:ea typeface="+mn-ea"/>
-                <a:cs typeface="+mn-cs"/>
-              </a:defRPr>
-            </a:lvl9pPr>
-          </a:lstStyle>
-          <a:p>
-            <a:pPr marL="0" indent="0" algn="l" rtl="0">
-              <a:buNone/>
-            </a:pPr>
-            <a:endParaRPr lang="en-US" b="1" dirty="0" smtClean="0"/>
-          </a:p>
-        </p:txBody>
-      </p:sp>
-      <p:sp>
-        <p:nvSpPr>
-          <p:cNvPr id="10" name="Rectangle 3"/>
-          <p:cNvSpPr txBox="1">
-            <a:spLocks noChangeArrowheads="1"/>
-          </p:cNvSpPr>
-          <p:nvPr/>
-        </p:nvSpPr>
-        <p:spPr>
-          <a:xfrm>
-            <a:off x="299866" y="1573619"/>
-            <a:ext cx="8483600" cy="761095"/>
-          </a:xfrm>
-          <a:prstGeom prst="rect">
-            <a:avLst/>
-          </a:prstGeom>
-        </p:spPr>
-        <p:txBody>
-          <a:bodyPr vert="horz" lIns="91440" tIns="45720" rIns="91440" bIns="45720" rtlCol="1">
-            <a:normAutofit/>
-          </a:bodyPr>
-          <a:lstStyle>
-            <a:lvl1pPr marL="342900" indent="-342900" algn="r" defTabSz="914400" rtl="1" eaLnBrk="1" latinLnBrk="0" hangingPunct="1">
-              <a:spcBef>
-                <a:spcPct val="20000"/>
-              </a:spcBef>
-              <a:buFont typeface="Arial" pitchFamily="34" charset="0"/>
-              <a:buChar char="•"/>
-              <a:defRPr sz="3200" kern="1200">
-                <a:solidFill>
-                  <a:schemeClr val="tx1"/>
-                </a:solidFill>
-                <a:latin typeface="+mn-lt"/>
-                <a:ea typeface="+mn-ea"/>
-                <a:cs typeface="+mn-cs"/>
-              </a:defRPr>
-            </a:lvl1pPr>
-            <a:lvl2pPr marL="742950" indent="-285750" algn="r" defTabSz="914400" rtl="1" eaLnBrk="1" latinLnBrk="0" hangingPunct="1">
-              <a:spcBef>
-                <a:spcPct val="20000"/>
-              </a:spcBef>
-              <a:buFont typeface="Arial" pitchFamily="34" charset="0"/>
-              <a:buChar char="–"/>
-              <a:defRPr sz="2800" kern="1200">
-                <a:solidFill>
-                  <a:schemeClr val="tx1"/>
-                </a:solidFill>
-                <a:latin typeface="+mn-lt"/>
-                <a:ea typeface="+mn-ea"/>
-                <a:cs typeface="+mn-cs"/>
-              </a:defRPr>
-            </a:lvl2pPr>
-            <a:lvl3pPr marL="1143000" indent="-228600" algn="r" defTabSz="914400" rtl="1" eaLnBrk="1" latinLnBrk="0" hangingPunct="1">
-              <a:spcBef>
-                <a:spcPct val="20000"/>
-              </a:spcBef>
-              <a:buFont typeface="Arial" pitchFamily="34" charset="0"/>
-              <a:buChar char="•"/>
-              <a:defRPr sz="2400" kern="1200">
-                <a:solidFill>
-                  <a:schemeClr val="tx1"/>
-                </a:solidFill>
-                <a:latin typeface="+mn-lt"/>
-                <a:ea typeface="+mn-ea"/>
-                <a:cs typeface="+mn-cs"/>
-              </a:defRPr>
-            </a:lvl3pPr>
-            <a:lvl4pPr marL="1600200" indent="-228600" algn="r" defTabSz="914400" rtl="1" eaLnBrk="1" latinLnBrk="0" hangingPunct="1">
-              <a:spcBef>
-                <a:spcPct val="20000"/>
-              </a:spcBef>
-              <a:buFont typeface="Arial" pitchFamily="34" charset="0"/>
-              <a:buChar char="–"/>
-              <a:defRPr sz="2000" kern="1200">
-                <a:solidFill>
-                  <a:schemeClr val="tx1"/>
-                </a:solidFill>
-                <a:latin typeface="+mn-lt"/>
-                <a:ea typeface="+mn-ea"/>
-                <a:cs typeface="+mn-cs"/>
-              </a:defRPr>
-            </a:lvl4pPr>
-            <a:lvl5pPr marL="2057400" indent="-228600" algn="r" defTabSz="914400" rtl="1" eaLnBrk="1" latinLnBrk="0" hangingPunct="1">
-              <a:spcBef>
-                <a:spcPct val="20000"/>
-              </a:spcBef>
-              <a:buFont typeface="Arial" pitchFamily="34" charset="0"/>
-              <a:buChar char="»"/>
-              <a:defRPr sz="2000" kern="1200">
-                <a:solidFill>
-                  <a:schemeClr val="tx1"/>
-                </a:solidFill>
-                <a:latin typeface="+mn-lt"/>
-                <a:ea typeface="+mn-ea"/>
-                <a:cs typeface="+mn-cs"/>
-              </a:defRPr>
-            </a:lvl5pPr>
-            <a:lvl6pPr marL="2514600" indent="-228600" algn="r" defTabSz="914400" rtl="1" eaLnBrk="1" latinLnBrk="0" hangingPunct="1">
-              <a:spcBef>
-                <a:spcPct val="20000"/>
-              </a:spcBef>
-              <a:buFont typeface="Arial" pitchFamily="34" charset="0"/>
-              <a:buChar char="•"/>
-              <a:defRPr sz="2000" kern="1200">
-                <a:solidFill>
-                  <a:schemeClr val="tx1"/>
-                </a:solidFill>
-                <a:latin typeface="+mn-lt"/>
-                <a:ea typeface="+mn-ea"/>
-                <a:cs typeface="+mn-cs"/>
-              </a:defRPr>
-            </a:lvl6pPr>
-            <a:lvl7pPr marL="2971800" indent="-228600" algn="r" defTabSz="914400" rtl="1" eaLnBrk="1" latinLnBrk="0" hangingPunct="1">
-              <a:spcBef>
-                <a:spcPct val="20000"/>
-              </a:spcBef>
-              <a:buFont typeface="Arial" pitchFamily="34" charset="0"/>
-              <a:buChar char="•"/>
-              <a:defRPr sz="2000" kern="1200">
-                <a:solidFill>
-                  <a:schemeClr val="tx1"/>
-                </a:solidFill>
-                <a:latin typeface="+mn-lt"/>
-                <a:ea typeface="+mn-ea"/>
-                <a:cs typeface="+mn-cs"/>
-              </a:defRPr>
-            </a:lvl7pPr>
-            <a:lvl8pPr marL="3429000" indent="-228600" algn="r" defTabSz="914400" rtl="1" eaLnBrk="1" latinLnBrk="0" hangingPunct="1">
-              <a:spcBef>
-                <a:spcPct val="20000"/>
-              </a:spcBef>
-              <a:buFont typeface="Arial" pitchFamily="34" charset="0"/>
-              <a:buChar char="•"/>
-              <a:defRPr sz="2000" kern="1200">
-                <a:solidFill>
-                  <a:schemeClr val="tx1"/>
-                </a:solidFill>
-                <a:latin typeface="+mn-lt"/>
-                <a:ea typeface="+mn-ea"/>
-                <a:cs typeface="+mn-cs"/>
-              </a:defRPr>
-            </a:lvl8pPr>
-            <a:lvl9pPr marL="3886200" indent="-228600" algn="r" defTabSz="914400" rtl="1" eaLnBrk="1" latinLnBrk="0" hangingPunct="1">
-              <a:spcBef>
-                <a:spcPct val="20000"/>
-              </a:spcBef>
-              <a:buFont typeface="Arial" pitchFamily="34" charset="0"/>
-              <a:buChar char="•"/>
-              <a:defRPr sz="2000" kern="1200">
-                <a:solidFill>
-                  <a:schemeClr val="tx1"/>
-                </a:solidFill>
-                <a:latin typeface="+mn-lt"/>
-                <a:ea typeface="+mn-ea"/>
-                <a:cs typeface="+mn-cs"/>
-              </a:defRPr>
-            </a:lvl9pPr>
-          </a:lstStyle>
-          <a:p>
-            <a:pPr algn="just" rtl="0"/>
-            <a:endParaRPr lang="en-US" dirty="0" smtClean="0"/>
-          </a:p>
-        </p:txBody>
-      </p:sp>
-      <p:sp>
-        <p:nvSpPr>
-          <p:cNvPr id="8" name="Rectangle 3"/>
-          <p:cNvSpPr txBox="1">
-            <a:spLocks noChangeArrowheads="1"/>
-          </p:cNvSpPr>
-          <p:nvPr/>
-        </p:nvSpPr>
-        <p:spPr>
-          <a:xfrm>
-            <a:off x="330200" y="1438275"/>
-            <a:ext cx="8483600" cy="4918075"/>
-          </a:xfrm>
-          <a:prstGeom prst="rect">
-            <a:avLst/>
-          </a:prstGeom>
-        </p:spPr>
-        <p:txBody>
-          <a:bodyPr vert="horz" lIns="91440" tIns="45720" rIns="91440" bIns="45720" rtlCol="1">
-            <a:normAutofit lnSpcReduction="10000"/>
-          </a:bodyPr>
-          <a:lstStyle>
-            <a:lvl1pPr marL="342900" indent="-342900" algn="r" defTabSz="914400" rtl="1" eaLnBrk="1" latinLnBrk="0" hangingPunct="1">
-              <a:spcBef>
-                <a:spcPct val="20000"/>
-              </a:spcBef>
-              <a:buFont typeface="Arial" pitchFamily="34" charset="0"/>
-              <a:buChar char="•"/>
-              <a:defRPr sz="3200" kern="1200">
-                <a:solidFill>
-                  <a:schemeClr val="tx1"/>
-                </a:solidFill>
-                <a:latin typeface="+mn-lt"/>
-                <a:ea typeface="+mn-ea"/>
-                <a:cs typeface="+mn-cs"/>
-              </a:defRPr>
-            </a:lvl1pPr>
-            <a:lvl2pPr marL="742950" indent="-285750" algn="r" defTabSz="914400" rtl="1" eaLnBrk="1" latinLnBrk="0" hangingPunct="1">
-              <a:spcBef>
-                <a:spcPct val="20000"/>
-              </a:spcBef>
-              <a:buFont typeface="Arial" pitchFamily="34" charset="0"/>
-              <a:buChar char="–"/>
-              <a:defRPr sz="2800" kern="1200">
-                <a:solidFill>
-                  <a:schemeClr val="tx1"/>
-                </a:solidFill>
-                <a:latin typeface="+mn-lt"/>
-                <a:ea typeface="+mn-ea"/>
-                <a:cs typeface="+mn-cs"/>
-              </a:defRPr>
-            </a:lvl2pPr>
-            <a:lvl3pPr marL="1143000" indent="-228600" algn="r" defTabSz="914400" rtl="1" eaLnBrk="1" latinLnBrk="0" hangingPunct="1">
-              <a:spcBef>
-                <a:spcPct val="20000"/>
-              </a:spcBef>
-              <a:buFont typeface="Arial" pitchFamily="34" charset="0"/>
-              <a:buChar char="•"/>
-              <a:defRPr sz="2400" kern="1200">
-                <a:solidFill>
-                  <a:schemeClr val="tx1"/>
-                </a:solidFill>
-                <a:latin typeface="+mn-lt"/>
-                <a:ea typeface="+mn-ea"/>
-                <a:cs typeface="+mn-cs"/>
-              </a:defRPr>
-            </a:lvl3pPr>
-            <a:lvl4pPr marL="1600200" indent="-228600" algn="r" defTabSz="914400" rtl="1" eaLnBrk="1" latinLnBrk="0" hangingPunct="1">
-              <a:spcBef>
-                <a:spcPct val="20000"/>
-              </a:spcBef>
-              <a:buFont typeface="Arial" pitchFamily="34" charset="0"/>
-              <a:buChar char="–"/>
-              <a:defRPr sz="2000" kern="1200">
-                <a:solidFill>
-                  <a:schemeClr val="tx1"/>
-                </a:solidFill>
-                <a:latin typeface="+mn-lt"/>
-                <a:ea typeface="+mn-ea"/>
-                <a:cs typeface="+mn-cs"/>
-              </a:defRPr>
-            </a:lvl4pPr>
-            <a:lvl5pPr marL="2057400" indent="-228600" algn="r" defTabSz="914400" rtl="1" eaLnBrk="1" latinLnBrk="0" hangingPunct="1">
-              <a:spcBef>
-                <a:spcPct val="20000"/>
-              </a:spcBef>
-              <a:buFont typeface="Arial" pitchFamily="34" charset="0"/>
-              <a:buChar char="»"/>
-              <a:defRPr sz="2000" kern="1200">
-                <a:solidFill>
-                  <a:schemeClr val="tx1"/>
-                </a:solidFill>
-                <a:latin typeface="+mn-lt"/>
-                <a:ea typeface="+mn-ea"/>
-                <a:cs typeface="+mn-cs"/>
-              </a:defRPr>
-            </a:lvl5pPr>
-            <a:lvl6pPr marL="2514600" indent="-228600" algn="r" defTabSz="914400" rtl="1" eaLnBrk="1" latinLnBrk="0" hangingPunct="1">
-              <a:spcBef>
-                <a:spcPct val="20000"/>
-              </a:spcBef>
-              <a:buFont typeface="Arial" pitchFamily="34" charset="0"/>
-              <a:buChar char="•"/>
-              <a:defRPr sz="2000" kern="1200">
-                <a:solidFill>
-                  <a:schemeClr val="tx1"/>
-                </a:solidFill>
-                <a:latin typeface="+mn-lt"/>
-                <a:ea typeface="+mn-ea"/>
-                <a:cs typeface="+mn-cs"/>
-              </a:defRPr>
-            </a:lvl6pPr>
-            <a:lvl7pPr marL="2971800" indent="-228600" algn="r" defTabSz="914400" rtl="1" eaLnBrk="1" latinLnBrk="0" hangingPunct="1">
-              <a:spcBef>
-                <a:spcPct val="20000"/>
-              </a:spcBef>
-              <a:buFont typeface="Arial" pitchFamily="34" charset="0"/>
-              <a:buChar char="•"/>
-              <a:defRPr sz="2000" kern="1200">
-                <a:solidFill>
-                  <a:schemeClr val="tx1"/>
-                </a:solidFill>
-                <a:latin typeface="+mn-lt"/>
-                <a:ea typeface="+mn-ea"/>
-                <a:cs typeface="+mn-cs"/>
-              </a:defRPr>
-            </a:lvl7pPr>
-            <a:lvl8pPr marL="3429000" indent="-228600" algn="r" defTabSz="914400" rtl="1" eaLnBrk="1" latinLnBrk="0" hangingPunct="1">
-              <a:spcBef>
-                <a:spcPct val="20000"/>
-              </a:spcBef>
-              <a:buFont typeface="Arial" pitchFamily="34" charset="0"/>
-              <a:buChar char="•"/>
-              <a:defRPr sz="2000" kern="1200">
-                <a:solidFill>
-                  <a:schemeClr val="tx1"/>
-                </a:solidFill>
-                <a:latin typeface="+mn-lt"/>
-                <a:ea typeface="+mn-ea"/>
-                <a:cs typeface="+mn-cs"/>
-              </a:defRPr>
-            </a:lvl8pPr>
-            <a:lvl9pPr marL="3886200" indent="-228600" algn="r" defTabSz="914400" rtl="1" eaLnBrk="1" latinLnBrk="0" hangingPunct="1">
-              <a:spcBef>
-                <a:spcPct val="20000"/>
-              </a:spcBef>
-              <a:buFont typeface="Arial" pitchFamily="34" charset="0"/>
-              <a:buChar char="•"/>
-              <a:defRPr sz="2000" kern="1200">
-                <a:solidFill>
-                  <a:schemeClr val="tx1"/>
-                </a:solidFill>
-                <a:latin typeface="+mn-lt"/>
-                <a:ea typeface="+mn-ea"/>
-                <a:cs typeface="+mn-cs"/>
-              </a:defRPr>
-            </a:lvl9pPr>
-          </a:lstStyle>
-          <a:p>
-            <a:pPr marL="0" indent="0" algn="l" rtl="0">
-              <a:buNone/>
-            </a:pPr>
-            <a:r>
-              <a:rPr lang="en-US" dirty="0"/>
-              <a:t>"Cathedral" software is built by a group of developers based on a central plan. They code, find bugs, fix as much as they can and then after a year or so they eventually ship a product. Much like building a cathedral where everything is painstakingly crafted and installed before the doors open. Think Microsoft Windows or Office -- monster projects with a new release every few years and point releases more than six months apart.</a:t>
-            </a:r>
-            <a:endParaRPr lang="en-US" dirty="0" smtClean="0"/>
-          </a:p>
-        </p:txBody>
-      </p:sp>
-    </p:spTree>
-    <p:extLst>
-      <p:ext uri="{BB962C8B-B14F-4D97-AF65-F5344CB8AC3E}">
-        <p14:creationId xmlns:p14="http://schemas.microsoft.com/office/powerpoint/2010/main" val="2223491284"/>
-      </p:ext>
-    </p:extLst>
-  </p:cSld>
-  <p:clrMapOvr>
-    <a:masterClrMapping/>
-  </p:clrMapOvr>
-  <mc:AlternateContent xmlns:mc="http://schemas.openxmlformats.org/markup-compatibility/2006" xmlns:p14="http://schemas.microsoft.com/office/powerpoint/2010/main">
-    <mc:Choice Requires="p14">
-      <p:transition spd="slow" p14:dur="2000"/>
-    </mc:Choice>
-    <mc:Fallback xmlns="">
-      <p:transition spd="slow"/>
-    </mc:Fallback>
-  </mc:AlternateContent>
-  <p:timing>
-    <p:tnLst>
-      <p:par>
-        <p:cTn id="1" dur="indefinite" restart="never" nodeType="tmRoot"/>
-      </p:par>
-    </p:tnLst>
-  </p:timing>
-</p:sld>
-</file>
-
-<file path=ppt/slides/slide21.xml><?xml version="1.0" encoding="utf-8"?>
-<p:sld xmlns:a="http://schemas.openxmlformats.org/drawingml/2006/main" xmlns:r="http://schemas.openxmlformats.org/officeDocument/2006/relationships" xmlns:p="http://schemas.openxmlformats.org/presentationml/2006/main" show="0">
-  <p:cSld>
-    <p:spTree>
-      <p:nvGrpSpPr>
-        <p:cNvPr id="1" name=""/>
-        <p:cNvGrpSpPr/>
-        <p:nvPr/>
-      </p:nvGrpSpPr>
-      <p:grpSpPr>
-        <a:xfrm>
-          <a:off x="0" y="0"/>
-          <a:ext cx="0" cy="0"/>
-          <a:chOff x="0" y="0"/>
-          <a:chExt cx="0" cy="0"/>
-        </a:xfrm>
-      </p:grpSpPr>
-      <p:sp>
-        <p:nvSpPr>
-          <p:cNvPr id="2" name="כותרת 1"/>
-          <p:cNvSpPr>
-            <a:spLocks noGrp="1"/>
-          </p:cNvSpPr>
-          <p:nvPr>
-            <p:ph type="title"/>
-          </p:nvPr>
-        </p:nvSpPr>
-        <p:spPr>
-          <a:xfrm>
-            <a:off x="0" y="0"/>
-            <a:ext cx="9144000" cy="1268760"/>
-          </a:xfrm>
-          <a:solidFill>
-            <a:schemeClr val="tx2">
-              <a:lumMod val="60000"/>
-              <a:lumOff val="40000"/>
-            </a:schemeClr>
-          </a:solidFill>
-        </p:spPr>
-        <p:txBody>
-          <a:bodyPr>
-            <a:normAutofit/>
-          </a:bodyPr>
-          <a:lstStyle/>
-          <a:p>
-            <a:pPr rtl="0"/>
-            <a:r>
-              <a:rPr lang="en-US" sz="3200" b="1" dirty="0" smtClean="0"/>
-              <a:t>Bazaar</a:t>
-            </a:r>
-            <a:endParaRPr lang="he-IL" sz="3200" b="1" dirty="0"/>
-          </a:p>
-        </p:txBody>
-      </p:sp>
-      <p:sp>
-        <p:nvSpPr>
-          <p:cNvPr id="4" name="מציין מיקום של מספר שקופית 3"/>
-          <p:cNvSpPr>
-            <a:spLocks noGrp="1"/>
-          </p:cNvSpPr>
-          <p:nvPr>
-            <p:ph type="sldNum" sz="quarter" idx="12"/>
-          </p:nvPr>
-        </p:nvSpPr>
-        <p:spPr/>
-        <p:txBody>
-          <a:bodyPr/>
-          <a:lstStyle/>
-          <a:p>
-            <a:fld id="{99A8CB1B-85B5-416B-B838-2C014F74C4F2}" type="slidenum">
-              <a:rPr lang="he-IL" smtClean="0"/>
-              <a:pPr/>
-              <a:t>21</a:t>
-            </a:fld>
-            <a:endParaRPr lang="he-IL"/>
-          </a:p>
-        </p:txBody>
-      </p:sp>
-      <p:sp>
-        <p:nvSpPr>
-          <p:cNvPr id="6" name="Rectangle 3"/>
-          <p:cNvSpPr txBox="1">
-            <a:spLocks noChangeArrowheads="1"/>
-          </p:cNvSpPr>
-          <p:nvPr/>
-        </p:nvSpPr>
-        <p:spPr>
-          <a:xfrm>
-            <a:off x="330200" y="1423410"/>
-            <a:ext cx="8483600" cy="761095"/>
-          </a:xfrm>
-          <a:prstGeom prst="rect">
-            <a:avLst/>
-          </a:prstGeom>
-        </p:spPr>
-        <p:txBody>
-          <a:bodyPr vert="horz" lIns="91440" tIns="45720" rIns="91440" bIns="45720" rtlCol="1">
-            <a:normAutofit/>
-          </a:bodyPr>
-          <a:lstStyle>
-            <a:lvl1pPr marL="342900" indent="-342900" algn="r" defTabSz="914400" rtl="1" eaLnBrk="1" latinLnBrk="0" hangingPunct="1">
-              <a:spcBef>
-                <a:spcPct val="20000"/>
-              </a:spcBef>
-              <a:buFont typeface="Arial" pitchFamily="34" charset="0"/>
-              <a:buChar char="•"/>
-              <a:defRPr sz="3200" kern="1200">
-                <a:solidFill>
-                  <a:schemeClr val="tx1"/>
-                </a:solidFill>
-                <a:latin typeface="+mn-lt"/>
-                <a:ea typeface="+mn-ea"/>
-                <a:cs typeface="+mn-cs"/>
-              </a:defRPr>
-            </a:lvl1pPr>
-            <a:lvl2pPr marL="742950" indent="-285750" algn="r" defTabSz="914400" rtl="1" eaLnBrk="1" latinLnBrk="0" hangingPunct="1">
-              <a:spcBef>
-                <a:spcPct val="20000"/>
-              </a:spcBef>
-              <a:buFont typeface="Arial" pitchFamily="34" charset="0"/>
-              <a:buChar char="–"/>
-              <a:defRPr sz="2800" kern="1200">
-                <a:solidFill>
-                  <a:schemeClr val="tx1"/>
-                </a:solidFill>
-                <a:latin typeface="+mn-lt"/>
-                <a:ea typeface="+mn-ea"/>
-                <a:cs typeface="+mn-cs"/>
-              </a:defRPr>
-            </a:lvl2pPr>
-            <a:lvl3pPr marL="1143000" indent="-228600" algn="r" defTabSz="914400" rtl="1" eaLnBrk="1" latinLnBrk="0" hangingPunct="1">
-              <a:spcBef>
-                <a:spcPct val="20000"/>
-              </a:spcBef>
-              <a:buFont typeface="Arial" pitchFamily="34" charset="0"/>
-              <a:buChar char="•"/>
-              <a:defRPr sz="2400" kern="1200">
-                <a:solidFill>
-                  <a:schemeClr val="tx1"/>
-                </a:solidFill>
-                <a:latin typeface="+mn-lt"/>
-                <a:ea typeface="+mn-ea"/>
-                <a:cs typeface="+mn-cs"/>
-              </a:defRPr>
-            </a:lvl3pPr>
-            <a:lvl4pPr marL="1600200" indent="-228600" algn="r" defTabSz="914400" rtl="1" eaLnBrk="1" latinLnBrk="0" hangingPunct="1">
-              <a:spcBef>
-                <a:spcPct val="20000"/>
-              </a:spcBef>
-              <a:buFont typeface="Arial" pitchFamily="34" charset="0"/>
-              <a:buChar char="–"/>
-              <a:defRPr sz="2000" kern="1200">
-                <a:solidFill>
-                  <a:schemeClr val="tx1"/>
-                </a:solidFill>
-                <a:latin typeface="+mn-lt"/>
-                <a:ea typeface="+mn-ea"/>
-                <a:cs typeface="+mn-cs"/>
-              </a:defRPr>
-            </a:lvl4pPr>
-            <a:lvl5pPr marL="2057400" indent="-228600" algn="r" defTabSz="914400" rtl="1" eaLnBrk="1" latinLnBrk="0" hangingPunct="1">
-              <a:spcBef>
-                <a:spcPct val="20000"/>
-              </a:spcBef>
-              <a:buFont typeface="Arial" pitchFamily="34" charset="0"/>
-              <a:buChar char="»"/>
-              <a:defRPr sz="2000" kern="1200">
-                <a:solidFill>
-                  <a:schemeClr val="tx1"/>
-                </a:solidFill>
-                <a:latin typeface="+mn-lt"/>
-                <a:ea typeface="+mn-ea"/>
-                <a:cs typeface="+mn-cs"/>
-              </a:defRPr>
-            </a:lvl5pPr>
-            <a:lvl6pPr marL="2514600" indent="-228600" algn="r" defTabSz="914400" rtl="1" eaLnBrk="1" latinLnBrk="0" hangingPunct="1">
-              <a:spcBef>
-                <a:spcPct val="20000"/>
-              </a:spcBef>
-              <a:buFont typeface="Arial" pitchFamily="34" charset="0"/>
-              <a:buChar char="•"/>
-              <a:defRPr sz="2000" kern="1200">
-                <a:solidFill>
-                  <a:schemeClr val="tx1"/>
-                </a:solidFill>
-                <a:latin typeface="+mn-lt"/>
-                <a:ea typeface="+mn-ea"/>
-                <a:cs typeface="+mn-cs"/>
-              </a:defRPr>
-            </a:lvl6pPr>
-            <a:lvl7pPr marL="2971800" indent="-228600" algn="r" defTabSz="914400" rtl="1" eaLnBrk="1" latinLnBrk="0" hangingPunct="1">
-              <a:spcBef>
-                <a:spcPct val="20000"/>
-              </a:spcBef>
-              <a:buFont typeface="Arial" pitchFamily="34" charset="0"/>
-              <a:buChar char="•"/>
-              <a:defRPr sz="2000" kern="1200">
-                <a:solidFill>
-                  <a:schemeClr val="tx1"/>
-                </a:solidFill>
-                <a:latin typeface="+mn-lt"/>
-                <a:ea typeface="+mn-ea"/>
-                <a:cs typeface="+mn-cs"/>
-              </a:defRPr>
-            </a:lvl7pPr>
-            <a:lvl8pPr marL="3429000" indent="-228600" algn="r" defTabSz="914400" rtl="1" eaLnBrk="1" latinLnBrk="0" hangingPunct="1">
-              <a:spcBef>
-                <a:spcPct val="20000"/>
-              </a:spcBef>
-              <a:buFont typeface="Arial" pitchFamily="34" charset="0"/>
-              <a:buChar char="•"/>
-              <a:defRPr sz="2000" kern="1200">
-                <a:solidFill>
-                  <a:schemeClr val="tx1"/>
-                </a:solidFill>
-                <a:latin typeface="+mn-lt"/>
-                <a:ea typeface="+mn-ea"/>
-                <a:cs typeface="+mn-cs"/>
-              </a:defRPr>
-            </a:lvl8pPr>
-            <a:lvl9pPr marL="3886200" indent="-228600" algn="r" defTabSz="914400" rtl="1" eaLnBrk="1" latinLnBrk="0" hangingPunct="1">
-              <a:spcBef>
-                <a:spcPct val="20000"/>
-              </a:spcBef>
-              <a:buFont typeface="Arial" pitchFamily="34" charset="0"/>
-              <a:buChar char="•"/>
-              <a:defRPr sz="2000" kern="1200">
-                <a:solidFill>
-                  <a:schemeClr val="tx1"/>
-                </a:solidFill>
-                <a:latin typeface="+mn-lt"/>
-                <a:ea typeface="+mn-ea"/>
-                <a:cs typeface="+mn-cs"/>
-              </a:defRPr>
-            </a:lvl9pPr>
-          </a:lstStyle>
-          <a:p>
-            <a:pPr marL="0" indent="0" algn="just" rtl="0">
-              <a:buNone/>
-            </a:pPr>
-            <a:endParaRPr lang="en-US" dirty="0" smtClean="0"/>
-          </a:p>
-        </p:txBody>
-      </p:sp>
-      <p:sp>
-        <p:nvSpPr>
-          <p:cNvPr id="7" name="Rectangle 3"/>
-          <p:cNvSpPr txBox="1">
-            <a:spLocks noChangeArrowheads="1"/>
-          </p:cNvSpPr>
-          <p:nvPr/>
-        </p:nvSpPr>
-        <p:spPr>
-          <a:xfrm>
-            <a:off x="299866" y="2199370"/>
-            <a:ext cx="8483600" cy="1263977"/>
-          </a:xfrm>
-          <a:prstGeom prst="rect">
-            <a:avLst/>
-          </a:prstGeom>
-        </p:spPr>
-        <p:txBody>
-          <a:bodyPr vert="horz" lIns="91440" tIns="45720" rIns="91440" bIns="45720" rtlCol="1">
-            <a:normAutofit/>
-          </a:bodyPr>
-          <a:lstStyle>
-            <a:lvl1pPr marL="342900" indent="-342900" algn="r" defTabSz="914400" rtl="1" eaLnBrk="1" latinLnBrk="0" hangingPunct="1">
-              <a:spcBef>
-                <a:spcPct val="20000"/>
-              </a:spcBef>
-              <a:buFont typeface="Arial" pitchFamily="34" charset="0"/>
-              <a:buChar char="•"/>
-              <a:defRPr sz="3200" kern="1200">
-                <a:solidFill>
-                  <a:schemeClr val="tx1"/>
-                </a:solidFill>
-                <a:latin typeface="+mn-lt"/>
-                <a:ea typeface="+mn-ea"/>
-                <a:cs typeface="+mn-cs"/>
-              </a:defRPr>
-            </a:lvl1pPr>
-            <a:lvl2pPr marL="742950" indent="-285750" algn="r" defTabSz="914400" rtl="1" eaLnBrk="1" latinLnBrk="0" hangingPunct="1">
-              <a:spcBef>
-                <a:spcPct val="20000"/>
-              </a:spcBef>
-              <a:buFont typeface="Arial" pitchFamily="34" charset="0"/>
-              <a:buChar char="–"/>
-              <a:defRPr sz="2800" kern="1200">
-                <a:solidFill>
-                  <a:schemeClr val="tx1"/>
-                </a:solidFill>
-                <a:latin typeface="+mn-lt"/>
-                <a:ea typeface="+mn-ea"/>
-                <a:cs typeface="+mn-cs"/>
-              </a:defRPr>
-            </a:lvl2pPr>
-            <a:lvl3pPr marL="1143000" indent="-228600" algn="r" defTabSz="914400" rtl="1" eaLnBrk="1" latinLnBrk="0" hangingPunct="1">
-              <a:spcBef>
-                <a:spcPct val="20000"/>
-              </a:spcBef>
-              <a:buFont typeface="Arial" pitchFamily="34" charset="0"/>
-              <a:buChar char="•"/>
-              <a:defRPr sz="2400" kern="1200">
-                <a:solidFill>
-                  <a:schemeClr val="tx1"/>
-                </a:solidFill>
-                <a:latin typeface="+mn-lt"/>
-                <a:ea typeface="+mn-ea"/>
-                <a:cs typeface="+mn-cs"/>
-              </a:defRPr>
-            </a:lvl3pPr>
-            <a:lvl4pPr marL="1600200" indent="-228600" algn="r" defTabSz="914400" rtl="1" eaLnBrk="1" latinLnBrk="0" hangingPunct="1">
-              <a:spcBef>
-                <a:spcPct val="20000"/>
-              </a:spcBef>
-              <a:buFont typeface="Arial" pitchFamily="34" charset="0"/>
-              <a:buChar char="–"/>
-              <a:defRPr sz="2000" kern="1200">
-                <a:solidFill>
-                  <a:schemeClr val="tx1"/>
-                </a:solidFill>
-                <a:latin typeface="+mn-lt"/>
-                <a:ea typeface="+mn-ea"/>
-                <a:cs typeface="+mn-cs"/>
-              </a:defRPr>
-            </a:lvl4pPr>
-            <a:lvl5pPr marL="2057400" indent="-228600" algn="r" defTabSz="914400" rtl="1" eaLnBrk="1" latinLnBrk="0" hangingPunct="1">
-              <a:spcBef>
-                <a:spcPct val="20000"/>
-              </a:spcBef>
-              <a:buFont typeface="Arial" pitchFamily="34" charset="0"/>
-              <a:buChar char="»"/>
-              <a:defRPr sz="2000" kern="1200">
-                <a:solidFill>
-                  <a:schemeClr val="tx1"/>
-                </a:solidFill>
-                <a:latin typeface="+mn-lt"/>
-                <a:ea typeface="+mn-ea"/>
-                <a:cs typeface="+mn-cs"/>
-              </a:defRPr>
-            </a:lvl5pPr>
-            <a:lvl6pPr marL="2514600" indent="-228600" algn="r" defTabSz="914400" rtl="1" eaLnBrk="1" latinLnBrk="0" hangingPunct="1">
-              <a:spcBef>
-                <a:spcPct val="20000"/>
-              </a:spcBef>
-              <a:buFont typeface="Arial" pitchFamily="34" charset="0"/>
-              <a:buChar char="•"/>
-              <a:defRPr sz="2000" kern="1200">
-                <a:solidFill>
-                  <a:schemeClr val="tx1"/>
-                </a:solidFill>
-                <a:latin typeface="+mn-lt"/>
-                <a:ea typeface="+mn-ea"/>
-                <a:cs typeface="+mn-cs"/>
-              </a:defRPr>
-            </a:lvl6pPr>
-            <a:lvl7pPr marL="2971800" indent="-228600" algn="r" defTabSz="914400" rtl="1" eaLnBrk="1" latinLnBrk="0" hangingPunct="1">
-              <a:spcBef>
-                <a:spcPct val="20000"/>
-              </a:spcBef>
-              <a:buFont typeface="Arial" pitchFamily="34" charset="0"/>
-              <a:buChar char="•"/>
-              <a:defRPr sz="2000" kern="1200">
-                <a:solidFill>
-                  <a:schemeClr val="tx1"/>
-                </a:solidFill>
-                <a:latin typeface="+mn-lt"/>
-                <a:ea typeface="+mn-ea"/>
-                <a:cs typeface="+mn-cs"/>
-              </a:defRPr>
-            </a:lvl7pPr>
-            <a:lvl8pPr marL="3429000" indent="-228600" algn="r" defTabSz="914400" rtl="1" eaLnBrk="1" latinLnBrk="0" hangingPunct="1">
-              <a:spcBef>
-                <a:spcPct val="20000"/>
-              </a:spcBef>
-              <a:buFont typeface="Arial" pitchFamily="34" charset="0"/>
-              <a:buChar char="•"/>
-              <a:defRPr sz="2000" kern="1200">
-                <a:solidFill>
-                  <a:schemeClr val="tx1"/>
-                </a:solidFill>
-                <a:latin typeface="+mn-lt"/>
-                <a:ea typeface="+mn-ea"/>
-                <a:cs typeface="+mn-cs"/>
-              </a:defRPr>
-            </a:lvl8pPr>
-            <a:lvl9pPr marL="3886200" indent="-228600" algn="r" defTabSz="914400" rtl="1" eaLnBrk="1" latinLnBrk="0" hangingPunct="1">
-              <a:spcBef>
-                <a:spcPct val="20000"/>
-              </a:spcBef>
-              <a:buFont typeface="Arial" pitchFamily="34" charset="0"/>
-              <a:buChar char="•"/>
-              <a:defRPr sz="2000" kern="1200">
-                <a:solidFill>
-                  <a:schemeClr val="tx1"/>
-                </a:solidFill>
-                <a:latin typeface="+mn-lt"/>
-                <a:ea typeface="+mn-ea"/>
-                <a:cs typeface="+mn-cs"/>
-              </a:defRPr>
-            </a:lvl9pPr>
-          </a:lstStyle>
-          <a:p>
-            <a:pPr marL="0" indent="0" algn="l" rtl="0">
-              <a:buNone/>
-            </a:pPr>
-            <a:endParaRPr lang="en-US" b="1" dirty="0" smtClean="0"/>
-          </a:p>
-        </p:txBody>
-      </p:sp>
-      <p:sp>
-        <p:nvSpPr>
-          <p:cNvPr id="10" name="Rectangle 3"/>
-          <p:cNvSpPr txBox="1">
-            <a:spLocks noChangeArrowheads="1"/>
-          </p:cNvSpPr>
-          <p:nvPr/>
-        </p:nvSpPr>
-        <p:spPr>
-          <a:xfrm>
-            <a:off x="299866" y="1573619"/>
-            <a:ext cx="8483600" cy="761095"/>
-          </a:xfrm>
-          <a:prstGeom prst="rect">
-            <a:avLst/>
-          </a:prstGeom>
-        </p:spPr>
-        <p:txBody>
-          <a:bodyPr vert="horz" lIns="91440" tIns="45720" rIns="91440" bIns="45720" rtlCol="1">
-            <a:normAutofit/>
-          </a:bodyPr>
-          <a:lstStyle>
-            <a:lvl1pPr marL="342900" indent="-342900" algn="r" defTabSz="914400" rtl="1" eaLnBrk="1" latinLnBrk="0" hangingPunct="1">
-              <a:spcBef>
-                <a:spcPct val="20000"/>
-              </a:spcBef>
-              <a:buFont typeface="Arial" pitchFamily="34" charset="0"/>
-              <a:buChar char="•"/>
-              <a:defRPr sz="3200" kern="1200">
-                <a:solidFill>
-                  <a:schemeClr val="tx1"/>
-                </a:solidFill>
-                <a:latin typeface="+mn-lt"/>
-                <a:ea typeface="+mn-ea"/>
-                <a:cs typeface="+mn-cs"/>
-              </a:defRPr>
-            </a:lvl1pPr>
-            <a:lvl2pPr marL="742950" indent="-285750" algn="r" defTabSz="914400" rtl="1" eaLnBrk="1" latinLnBrk="0" hangingPunct="1">
-              <a:spcBef>
-                <a:spcPct val="20000"/>
-              </a:spcBef>
-              <a:buFont typeface="Arial" pitchFamily="34" charset="0"/>
-              <a:buChar char="–"/>
-              <a:defRPr sz="2800" kern="1200">
-                <a:solidFill>
-                  <a:schemeClr val="tx1"/>
-                </a:solidFill>
-                <a:latin typeface="+mn-lt"/>
-                <a:ea typeface="+mn-ea"/>
-                <a:cs typeface="+mn-cs"/>
-              </a:defRPr>
-            </a:lvl2pPr>
-            <a:lvl3pPr marL="1143000" indent="-228600" algn="r" defTabSz="914400" rtl="1" eaLnBrk="1" latinLnBrk="0" hangingPunct="1">
-              <a:spcBef>
-                <a:spcPct val="20000"/>
-              </a:spcBef>
-              <a:buFont typeface="Arial" pitchFamily="34" charset="0"/>
-              <a:buChar char="•"/>
-              <a:defRPr sz="2400" kern="1200">
-                <a:solidFill>
-                  <a:schemeClr val="tx1"/>
-                </a:solidFill>
-                <a:latin typeface="+mn-lt"/>
-                <a:ea typeface="+mn-ea"/>
-                <a:cs typeface="+mn-cs"/>
-              </a:defRPr>
-            </a:lvl3pPr>
-            <a:lvl4pPr marL="1600200" indent="-228600" algn="r" defTabSz="914400" rtl="1" eaLnBrk="1" latinLnBrk="0" hangingPunct="1">
-              <a:spcBef>
-                <a:spcPct val="20000"/>
-              </a:spcBef>
-              <a:buFont typeface="Arial" pitchFamily="34" charset="0"/>
-              <a:buChar char="–"/>
-              <a:defRPr sz="2000" kern="1200">
-                <a:solidFill>
-                  <a:schemeClr val="tx1"/>
-                </a:solidFill>
-                <a:latin typeface="+mn-lt"/>
-                <a:ea typeface="+mn-ea"/>
-                <a:cs typeface="+mn-cs"/>
-              </a:defRPr>
-            </a:lvl4pPr>
-            <a:lvl5pPr marL="2057400" indent="-228600" algn="r" defTabSz="914400" rtl="1" eaLnBrk="1" latinLnBrk="0" hangingPunct="1">
-              <a:spcBef>
-                <a:spcPct val="20000"/>
-              </a:spcBef>
-              <a:buFont typeface="Arial" pitchFamily="34" charset="0"/>
-              <a:buChar char="»"/>
-              <a:defRPr sz="2000" kern="1200">
-                <a:solidFill>
-                  <a:schemeClr val="tx1"/>
-                </a:solidFill>
-                <a:latin typeface="+mn-lt"/>
-                <a:ea typeface="+mn-ea"/>
-                <a:cs typeface="+mn-cs"/>
-              </a:defRPr>
-            </a:lvl5pPr>
-            <a:lvl6pPr marL="2514600" indent="-228600" algn="r" defTabSz="914400" rtl="1" eaLnBrk="1" latinLnBrk="0" hangingPunct="1">
-              <a:spcBef>
-                <a:spcPct val="20000"/>
-              </a:spcBef>
-              <a:buFont typeface="Arial" pitchFamily="34" charset="0"/>
-              <a:buChar char="•"/>
-              <a:defRPr sz="2000" kern="1200">
-                <a:solidFill>
-                  <a:schemeClr val="tx1"/>
-                </a:solidFill>
-                <a:latin typeface="+mn-lt"/>
-                <a:ea typeface="+mn-ea"/>
-                <a:cs typeface="+mn-cs"/>
-              </a:defRPr>
-            </a:lvl6pPr>
-            <a:lvl7pPr marL="2971800" indent="-228600" algn="r" defTabSz="914400" rtl="1" eaLnBrk="1" latinLnBrk="0" hangingPunct="1">
-              <a:spcBef>
-                <a:spcPct val="20000"/>
-              </a:spcBef>
-              <a:buFont typeface="Arial" pitchFamily="34" charset="0"/>
-              <a:buChar char="•"/>
-              <a:defRPr sz="2000" kern="1200">
-                <a:solidFill>
-                  <a:schemeClr val="tx1"/>
-                </a:solidFill>
-                <a:latin typeface="+mn-lt"/>
-                <a:ea typeface="+mn-ea"/>
-                <a:cs typeface="+mn-cs"/>
-              </a:defRPr>
-            </a:lvl7pPr>
-            <a:lvl8pPr marL="3429000" indent="-228600" algn="r" defTabSz="914400" rtl="1" eaLnBrk="1" latinLnBrk="0" hangingPunct="1">
-              <a:spcBef>
-                <a:spcPct val="20000"/>
-              </a:spcBef>
-              <a:buFont typeface="Arial" pitchFamily="34" charset="0"/>
-              <a:buChar char="•"/>
-              <a:defRPr sz="2000" kern="1200">
-                <a:solidFill>
-                  <a:schemeClr val="tx1"/>
-                </a:solidFill>
-                <a:latin typeface="+mn-lt"/>
-                <a:ea typeface="+mn-ea"/>
-                <a:cs typeface="+mn-cs"/>
-              </a:defRPr>
-            </a:lvl8pPr>
-            <a:lvl9pPr marL="3886200" indent="-228600" algn="r" defTabSz="914400" rtl="1" eaLnBrk="1" latinLnBrk="0" hangingPunct="1">
-              <a:spcBef>
-                <a:spcPct val="20000"/>
-              </a:spcBef>
-              <a:buFont typeface="Arial" pitchFamily="34" charset="0"/>
-              <a:buChar char="•"/>
-              <a:defRPr sz="2000" kern="1200">
-                <a:solidFill>
-                  <a:schemeClr val="tx1"/>
-                </a:solidFill>
-                <a:latin typeface="+mn-lt"/>
-                <a:ea typeface="+mn-ea"/>
-                <a:cs typeface="+mn-cs"/>
-              </a:defRPr>
-            </a:lvl9pPr>
-          </a:lstStyle>
-          <a:p>
-            <a:pPr algn="just" rtl="0"/>
-            <a:endParaRPr lang="en-US" dirty="0" smtClean="0"/>
-          </a:p>
-        </p:txBody>
-      </p:sp>
-      <p:sp>
-        <p:nvSpPr>
-          <p:cNvPr id="8" name="Rectangle 3"/>
-          <p:cNvSpPr txBox="1">
-            <a:spLocks noChangeArrowheads="1"/>
-          </p:cNvSpPr>
-          <p:nvPr/>
-        </p:nvSpPr>
-        <p:spPr>
-          <a:xfrm>
-            <a:off x="330200" y="1438275"/>
-            <a:ext cx="8483600" cy="4918075"/>
-          </a:xfrm>
-          <a:prstGeom prst="rect">
-            <a:avLst/>
-          </a:prstGeom>
-        </p:spPr>
-        <p:txBody>
-          <a:bodyPr vert="horz" lIns="91440" tIns="45720" rIns="91440" bIns="45720" rtlCol="1">
-            <a:normAutofit fontScale="92500"/>
-          </a:bodyPr>
-          <a:lstStyle>
-            <a:lvl1pPr marL="342900" indent="-342900" algn="r" defTabSz="914400" rtl="1" eaLnBrk="1" latinLnBrk="0" hangingPunct="1">
-              <a:spcBef>
-                <a:spcPct val="20000"/>
-              </a:spcBef>
-              <a:buFont typeface="Arial" pitchFamily="34" charset="0"/>
-              <a:buChar char="•"/>
-              <a:defRPr sz="3200" kern="1200">
-                <a:solidFill>
-                  <a:schemeClr val="tx1"/>
-                </a:solidFill>
-                <a:latin typeface="+mn-lt"/>
-                <a:ea typeface="+mn-ea"/>
-                <a:cs typeface="+mn-cs"/>
-              </a:defRPr>
-            </a:lvl1pPr>
-            <a:lvl2pPr marL="742950" indent="-285750" algn="r" defTabSz="914400" rtl="1" eaLnBrk="1" latinLnBrk="0" hangingPunct="1">
-              <a:spcBef>
-                <a:spcPct val="20000"/>
-              </a:spcBef>
-              <a:buFont typeface="Arial" pitchFamily="34" charset="0"/>
-              <a:buChar char="–"/>
-              <a:defRPr sz="2800" kern="1200">
-                <a:solidFill>
-                  <a:schemeClr val="tx1"/>
-                </a:solidFill>
-                <a:latin typeface="+mn-lt"/>
-                <a:ea typeface="+mn-ea"/>
-                <a:cs typeface="+mn-cs"/>
-              </a:defRPr>
-            </a:lvl2pPr>
-            <a:lvl3pPr marL="1143000" indent="-228600" algn="r" defTabSz="914400" rtl="1" eaLnBrk="1" latinLnBrk="0" hangingPunct="1">
-              <a:spcBef>
-                <a:spcPct val="20000"/>
-              </a:spcBef>
-              <a:buFont typeface="Arial" pitchFamily="34" charset="0"/>
-              <a:buChar char="•"/>
-              <a:defRPr sz="2400" kern="1200">
-                <a:solidFill>
-                  <a:schemeClr val="tx1"/>
-                </a:solidFill>
-                <a:latin typeface="+mn-lt"/>
-                <a:ea typeface="+mn-ea"/>
-                <a:cs typeface="+mn-cs"/>
-              </a:defRPr>
-            </a:lvl3pPr>
-            <a:lvl4pPr marL="1600200" indent="-228600" algn="r" defTabSz="914400" rtl="1" eaLnBrk="1" latinLnBrk="0" hangingPunct="1">
-              <a:spcBef>
-                <a:spcPct val="20000"/>
-              </a:spcBef>
-              <a:buFont typeface="Arial" pitchFamily="34" charset="0"/>
-              <a:buChar char="–"/>
-              <a:defRPr sz="2000" kern="1200">
-                <a:solidFill>
-                  <a:schemeClr val="tx1"/>
-                </a:solidFill>
-                <a:latin typeface="+mn-lt"/>
-                <a:ea typeface="+mn-ea"/>
-                <a:cs typeface="+mn-cs"/>
-              </a:defRPr>
-            </a:lvl4pPr>
-            <a:lvl5pPr marL="2057400" indent="-228600" algn="r" defTabSz="914400" rtl="1" eaLnBrk="1" latinLnBrk="0" hangingPunct="1">
-              <a:spcBef>
-                <a:spcPct val="20000"/>
-              </a:spcBef>
-              <a:buFont typeface="Arial" pitchFamily="34" charset="0"/>
-              <a:buChar char="»"/>
-              <a:defRPr sz="2000" kern="1200">
-                <a:solidFill>
-                  <a:schemeClr val="tx1"/>
-                </a:solidFill>
-                <a:latin typeface="+mn-lt"/>
-                <a:ea typeface="+mn-ea"/>
-                <a:cs typeface="+mn-cs"/>
-              </a:defRPr>
-            </a:lvl5pPr>
-            <a:lvl6pPr marL="2514600" indent="-228600" algn="r" defTabSz="914400" rtl="1" eaLnBrk="1" latinLnBrk="0" hangingPunct="1">
-              <a:spcBef>
-                <a:spcPct val="20000"/>
-              </a:spcBef>
-              <a:buFont typeface="Arial" pitchFamily="34" charset="0"/>
-              <a:buChar char="•"/>
-              <a:defRPr sz="2000" kern="1200">
-                <a:solidFill>
-                  <a:schemeClr val="tx1"/>
-                </a:solidFill>
-                <a:latin typeface="+mn-lt"/>
-                <a:ea typeface="+mn-ea"/>
-                <a:cs typeface="+mn-cs"/>
-              </a:defRPr>
-            </a:lvl6pPr>
-            <a:lvl7pPr marL="2971800" indent="-228600" algn="r" defTabSz="914400" rtl="1" eaLnBrk="1" latinLnBrk="0" hangingPunct="1">
-              <a:spcBef>
-                <a:spcPct val="20000"/>
-              </a:spcBef>
-              <a:buFont typeface="Arial" pitchFamily="34" charset="0"/>
-              <a:buChar char="•"/>
-              <a:defRPr sz="2000" kern="1200">
-                <a:solidFill>
-                  <a:schemeClr val="tx1"/>
-                </a:solidFill>
-                <a:latin typeface="+mn-lt"/>
-                <a:ea typeface="+mn-ea"/>
-                <a:cs typeface="+mn-cs"/>
-              </a:defRPr>
-            </a:lvl7pPr>
-            <a:lvl8pPr marL="3429000" indent="-228600" algn="r" defTabSz="914400" rtl="1" eaLnBrk="1" latinLnBrk="0" hangingPunct="1">
-              <a:spcBef>
-                <a:spcPct val="20000"/>
-              </a:spcBef>
-              <a:buFont typeface="Arial" pitchFamily="34" charset="0"/>
-              <a:buChar char="•"/>
-              <a:defRPr sz="2000" kern="1200">
-                <a:solidFill>
-                  <a:schemeClr val="tx1"/>
-                </a:solidFill>
-                <a:latin typeface="+mn-lt"/>
-                <a:ea typeface="+mn-ea"/>
-                <a:cs typeface="+mn-cs"/>
-              </a:defRPr>
-            </a:lvl8pPr>
-            <a:lvl9pPr marL="3886200" indent="-228600" algn="r" defTabSz="914400" rtl="1" eaLnBrk="1" latinLnBrk="0" hangingPunct="1">
-              <a:spcBef>
-                <a:spcPct val="20000"/>
-              </a:spcBef>
-              <a:buFont typeface="Arial" pitchFamily="34" charset="0"/>
-              <a:buChar char="•"/>
-              <a:defRPr sz="2000" kern="1200">
-                <a:solidFill>
-                  <a:schemeClr val="tx1"/>
-                </a:solidFill>
-                <a:latin typeface="+mn-lt"/>
-                <a:ea typeface="+mn-ea"/>
-                <a:cs typeface="+mn-cs"/>
-              </a:defRPr>
-            </a:lvl9pPr>
-          </a:lstStyle>
-          <a:p>
-            <a:pPr marL="0" indent="0" algn="l" rtl="0">
-              <a:buNone/>
-            </a:pPr>
-            <a:r>
-              <a:rPr lang="en-US" dirty="0"/>
-              <a:t>"Bazaar," or open-source software, is created more independently. Building upon a basic kernel, independent developers improve functionality or fix bugs as they see a need. It's basically crowdsourcing for software. Well-known examples include Linux and </a:t>
-            </a:r>
-            <a:r>
-              <a:rPr lang="en-US" dirty="0" smtClean="0"/>
-              <a:t>Apache</a:t>
-            </a:r>
-            <a:r>
-              <a:rPr lang="en-US" dirty="0"/>
-              <a:t> </a:t>
-            </a:r>
-            <a:r>
-              <a:rPr lang="en-US" dirty="0" smtClean="0"/>
-              <a:t>(But </a:t>
-            </a:r>
-            <a:r>
-              <a:rPr lang="en-US" dirty="0"/>
-              <a:t>not Firefox or </a:t>
-            </a:r>
-            <a:r>
-              <a:rPr lang="en-US" dirty="0" smtClean="0"/>
-              <a:t>Eclipse).</a:t>
-            </a:r>
-          </a:p>
-          <a:p>
-            <a:pPr marL="0" indent="0" algn="l" rtl="0">
-              <a:buNone/>
-            </a:pPr>
-            <a:r>
-              <a:rPr lang="en-US" dirty="0"/>
-              <a:t>Today, with the Internet and tremendous collaboration and social networking available, the Bazaar model exposes the code to thousands of developers, who can both find and fix the bugs</a:t>
-            </a:r>
-            <a:endParaRPr lang="en-US" dirty="0" smtClean="0"/>
-          </a:p>
-        </p:txBody>
-      </p:sp>
-    </p:spTree>
-    <p:extLst>
-      <p:ext uri="{BB962C8B-B14F-4D97-AF65-F5344CB8AC3E}">
-        <p14:creationId xmlns:p14="http://schemas.microsoft.com/office/powerpoint/2010/main" val="916792304"/>
-      </p:ext>
-    </p:extLst>
-  </p:cSld>
-  <p:clrMapOvr>
-    <a:masterClrMapping/>
-  </p:clrMapOvr>
-  <mc:AlternateContent xmlns:mc="http://schemas.openxmlformats.org/markup-compatibility/2006" xmlns:p14="http://schemas.microsoft.com/office/powerpoint/2010/main">
-    <mc:Choice Requires="p14">
-      <p:transition spd="slow" p14:dur="2000"/>
-    </mc:Choice>
-    <mc:Fallback xmlns="">
-      <p:transition spd="slow"/>
-    </mc:Fallback>
-  </mc:AlternateContent>
-  <p:timing>
-    <p:tnLst>
-      <p:par>
-        <p:cTn id="1" dur="indefinite" restart="never" nodeType="tmRoot"/>
-      </p:par>
-    </p:tnLst>
-  </p:timing>
-</p:sld>
-</file>
-
 <file path=ppt/slides/slide22.xml><?xml version="1.0" encoding="utf-8"?>
 <p:sld xmlns:a="http://schemas.openxmlformats.org/drawingml/2006/main" xmlns:r="http://schemas.openxmlformats.org/officeDocument/2006/relationships" xmlns:p="http://schemas.openxmlformats.org/presentationml/2006/main" show="0">
   <p:cSld>
@@ -37503,7 +36212,7 @@
             <a:pPr rtl="0"/>
             <a:r>
               <a:rPr lang="en-US" sz="3200" b="1" dirty="0" smtClean="0"/>
-              <a:t>Best Practice – Is there such thing?</a:t>
+              <a:t>Cathedral</a:t>
             </a:r>
             <a:endParaRPr lang="he-IL" sz="3200" b="1" dirty="0"/>
           </a:p>
@@ -38048,7 +36757,7 @@
         </p:spPr>
         <p:txBody>
           <a:bodyPr vert="horz" lIns="91440" tIns="45720" rIns="91440" bIns="45720" rtlCol="1">
-            <a:normAutofit/>
+            <a:normAutofit lnSpcReduction="10000"/>
           </a:bodyPr>
           <a:lstStyle>
             <a:lvl1pPr marL="342900" indent="-342900" algn="r" defTabSz="914400" rtl="1" eaLnBrk="1" latinLnBrk="0" hangingPunct="1">
@@ -38193,7 +36902,7 @@
             </a:pPr>
             <a:r>
               <a:rPr lang="en-US" dirty="0"/>
-              <a:t>Perhaps the best way to be successful is to start with an idea and create the first iteration as a Cathedral project. </a:t>
+              <a:t>"Cathedral" software is built by a group of developers based on a central plan. They code, find bugs, fix as much as they can and then after a year or so they eventually ship a product. Much like building a cathedral where everything is painstakingly crafted and installed before the doors open. </a:t>
             </a:r>
             <a:endParaRPr lang="en-US" dirty="0" smtClean="0"/>
           </a:p>
@@ -38203,57 +36912,11 @@
             </a:pPr>
             <a:r>
               <a:rPr lang="en-US" dirty="0" smtClean="0"/>
-              <a:t>That </a:t>
+              <a:t>Think </a:t>
             </a:r>
             <a:r>
               <a:rPr lang="en-US" dirty="0"/>
-              <a:t>way developers can see the potential, and see how it can benefit them. </a:t>
-            </a:r>
-            <a:endParaRPr lang="en-US" dirty="0" smtClean="0"/>
-          </a:p>
-          <a:p>
-            <a:pPr marL="0" indent="0" algn="l" rtl="0">
-              <a:buNone/>
-            </a:pPr>
-            <a:r>
-              <a:rPr lang="en-US" dirty="0" smtClean="0"/>
-              <a:t>Then </a:t>
-            </a:r>
-            <a:r>
-              <a:rPr lang="en-US" dirty="0"/>
-              <a:t>free the project and invite </a:t>
-            </a:r>
-            <a:r>
-              <a:rPr lang="en-US" dirty="0" smtClean="0"/>
-              <a:t>contributions in a manner that when </a:t>
-            </a:r>
-            <a:r>
-              <a:rPr lang="en-US" dirty="0"/>
-              <a:t>you're using the software and </a:t>
-            </a:r>
-            <a:r>
-              <a:rPr lang="en-US" dirty="0" smtClean="0"/>
-              <a:t>see </a:t>
-            </a:r>
-            <a:r>
-              <a:rPr lang="en-US" dirty="0"/>
-              <a:t>that bug, you can jump right in and fix </a:t>
-            </a:r>
-            <a:r>
-              <a:rPr lang="en-US" dirty="0" smtClean="0"/>
-              <a:t>it </a:t>
-            </a:r>
-            <a:r>
-              <a:rPr lang="en-US" dirty="0"/>
-              <a:t>o</a:t>
-            </a:r>
-            <a:r>
-              <a:rPr lang="en-US" dirty="0" smtClean="0"/>
-              <a:t>r </a:t>
-            </a:r>
-            <a:r>
-              <a:rPr lang="en-US" dirty="0"/>
-              <a:t>add something else you need. </a:t>
+              <a:t>Microsoft Windows or Office -- monster projects with a new release every few years and point releases more than six months apart.</a:t>
             </a:r>
             <a:endParaRPr lang="en-US" dirty="0" smtClean="0"/>
           </a:p>
@@ -38262,7 +36925,7 @@
     </p:spTree>
     <p:extLst>
       <p:ext uri="{BB962C8B-B14F-4D97-AF65-F5344CB8AC3E}">
-        <p14:creationId xmlns:p14="http://schemas.microsoft.com/office/powerpoint/2010/main" val="1883346818"/>
+        <p14:creationId xmlns:p14="http://schemas.microsoft.com/office/powerpoint/2010/main" val="2223491284"/>
       </p:ext>
     </p:extLst>
   </p:cSld>
@@ -38335,7 +36998,7 @@
             <a:pPr rtl="0"/>
             <a:r>
               <a:rPr lang="en-US" sz="3200" b="1" dirty="0" smtClean="0"/>
-              <a:t>How can VuFind be Improved?</a:t>
+              <a:t>Bazaar</a:t>
             </a:r>
             <a:endParaRPr lang="he-IL" sz="3200" b="1" dirty="0"/>
           </a:p>
@@ -38863,6 +37526,1657 @@
       </p:sp>
       <p:sp>
         <p:nvSpPr>
+          <p:cNvPr id="8" name="Rectangle 3"/>
+          <p:cNvSpPr txBox="1">
+            <a:spLocks noChangeArrowheads="1"/>
+          </p:cNvSpPr>
+          <p:nvPr/>
+        </p:nvSpPr>
+        <p:spPr>
+          <a:xfrm>
+            <a:off x="330200" y="1438275"/>
+            <a:ext cx="8483600" cy="4918075"/>
+          </a:xfrm>
+          <a:prstGeom prst="rect">
+            <a:avLst/>
+          </a:prstGeom>
+        </p:spPr>
+        <p:txBody>
+          <a:bodyPr vert="horz" lIns="91440" tIns="45720" rIns="91440" bIns="45720" rtlCol="1">
+            <a:normAutofit fontScale="92500" lnSpcReduction="10000"/>
+          </a:bodyPr>
+          <a:lstStyle>
+            <a:lvl1pPr marL="342900" indent="-342900" algn="r" defTabSz="914400" rtl="1" eaLnBrk="1" latinLnBrk="0" hangingPunct="1">
+              <a:spcBef>
+                <a:spcPct val="20000"/>
+              </a:spcBef>
+              <a:buFont typeface="Arial" pitchFamily="34" charset="0"/>
+              <a:buChar char="•"/>
+              <a:defRPr sz="3200" kern="1200">
+                <a:solidFill>
+                  <a:schemeClr val="tx1"/>
+                </a:solidFill>
+                <a:latin typeface="+mn-lt"/>
+                <a:ea typeface="+mn-ea"/>
+                <a:cs typeface="+mn-cs"/>
+              </a:defRPr>
+            </a:lvl1pPr>
+            <a:lvl2pPr marL="742950" indent="-285750" algn="r" defTabSz="914400" rtl="1" eaLnBrk="1" latinLnBrk="0" hangingPunct="1">
+              <a:spcBef>
+                <a:spcPct val="20000"/>
+              </a:spcBef>
+              <a:buFont typeface="Arial" pitchFamily="34" charset="0"/>
+              <a:buChar char="–"/>
+              <a:defRPr sz="2800" kern="1200">
+                <a:solidFill>
+                  <a:schemeClr val="tx1"/>
+                </a:solidFill>
+                <a:latin typeface="+mn-lt"/>
+                <a:ea typeface="+mn-ea"/>
+                <a:cs typeface="+mn-cs"/>
+              </a:defRPr>
+            </a:lvl2pPr>
+            <a:lvl3pPr marL="1143000" indent="-228600" algn="r" defTabSz="914400" rtl="1" eaLnBrk="1" latinLnBrk="0" hangingPunct="1">
+              <a:spcBef>
+                <a:spcPct val="20000"/>
+              </a:spcBef>
+              <a:buFont typeface="Arial" pitchFamily="34" charset="0"/>
+              <a:buChar char="•"/>
+              <a:defRPr sz="2400" kern="1200">
+                <a:solidFill>
+                  <a:schemeClr val="tx1"/>
+                </a:solidFill>
+                <a:latin typeface="+mn-lt"/>
+                <a:ea typeface="+mn-ea"/>
+                <a:cs typeface="+mn-cs"/>
+              </a:defRPr>
+            </a:lvl3pPr>
+            <a:lvl4pPr marL="1600200" indent="-228600" algn="r" defTabSz="914400" rtl="1" eaLnBrk="1" latinLnBrk="0" hangingPunct="1">
+              <a:spcBef>
+                <a:spcPct val="20000"/>
+              </a:spcBef>
+              <a:buFont typeface="Arial" pitchFamily="34" charset="0"/>
+              <a:buChar char="–"/>
+              <a:defRPr sz="2000" kern="1200">
+                <a:solidFill>
+                  <a:schemeClr val="tx1"/>
+                </a:solidFill>
+                <a:latin typeface="+mn-lt"/>
+                <a:ea typeface="+mn-ea"/>
+                <a:cs typeface="+mn-cs"/>
+              </a:defRPr>
+            </a:lvl4pPr>
+            <a:lvl5pPr marL="2057400" indent="-228600" algn="r" defTabSz="914400" rtl="1" eaLnBrk="1" latinLnBrk="0" hangingPunct="1">
+              <a:spcBef>
+                <a:spcPct val="20000"/>
+              </a:spcBef>
+              <a:buFont typeface="Arial" pitchFamily="34" charset="0"/>
+              <a:buChar char="»"/>
+              <a:defRPr sz="2000" kern="1200">
+                <a:solidFill>
+                  <a:schemeClr val="tx1"/>
+                </a:solidFill>
+                <a:latin typeface="+mn-lt"/>
+                <a:ea typeface="+mn-ea"/>
+                <a:cs typeface="+mn-cs"/>
+              </a:defRPr>
+            </a:lvl5pPr>
+            <a:lvl6pPr marL="2514600" indent="-228600" algn="r" defTabSz="914400" rtl="1" eaLnBrk="1" latinLnBrk="0" hangingPunct="1">
+              <a:spcBef>
+                <a:spcPct val="20000"/>
+              </a:spcBef>
+              <a:buFont typeface="Arial" pitchFamily="34" charset="0"/>
+              <a:buChar char="•"/>
+              <a:defRPr sz="2000" kern="1200">
+                <a:solidFill>
+                  <a:schemeClr val="tx1"/>
+                </a:solidFill>
+                <a:latin typeface="+mn-lt"/>
+                <a:ea typeface="+mn-ea"/>
+                <a:cs typeface="+mn-cs"/>
+              </a:defRPr>
+            </a:lvl6pPr>
+            <a:lvl7pPr marL="2971800" indent="-228600" algn="r" defTabSz="914400" rtl="1" eaLnBrk="1" latinLnBrk="0" hangingPunct="1">
+              <a:spcBef>
+                <a:spcPct val="20000"/>
+              </a:spcBef>
+              <a:buFont typeface="Arial" pitchFamily="34" charset="0"/>
+              <a:buChar char="•"/>
+              <a:defRPr sz="2000" kern="1200">
+                <a:solidFill>
+                  <a:schemeClr val="tx1"/>
+                </a:solidFill>
+                <a:latin typeface="+mn-lt"/>
+                <a:ea typeface="+mn-ea"/>
+                <a:cs typeface="+mn-cs"/>
+              </a:defRPr>
+            </a:lvl7pPr>
+            <a:lvl8pPr marL="3429000" indent="-228600" algn="r" defTabSz="914400" rtl="1" eaLnBrk="1" latinLnBrk="0" hangingPunct="1">
+              <a:spcBef>
+                <a:spcPct val="20000"/>
+              </a:spcBef>
+              <a:buFont typeface="Arial" pitchFamily="34" charset="0"/>
+              <a:buChar char="•"/>
+              <a:defRPr sz="2000" kern="1200">
+                <a:solidFill>
+                  <a:schemeClr val="tx1"/>
+                </a:solidFill>
+                <a:latin typeface="+mn-lt"/>
+                <a:ea typeface="+mn-ea"/>
+                <a:cs typeface="+mn-cs"/>
+              </a:defRPr>
+            </a:lvl8pPr>
+            <a:lvl9pPr marL="3886200" indent="-228600" algn="r" defTabSz="914400" rtl="1" eaLnBrk="1" latinLnBrk="0" hangingPunct="1">
+              <a:spcBef>
+                <a:spcPct val="20000"/>
+              </a:spcBef>
+              <a:buFont typeface="Arial" pitchFamily="34" charset="0"/>
+              <a:buChar char="•"/>
+              <a:defRPr sz="2000" kern="1200">
+                <a:solidFill>
+                  <a:schemeClr val="tx1"/>
+                </a:solidFill>
+                <a:latin typeface="+mn-lt"/>
+                <a:ea typeface="+mn-ea"/>
+                <a:cs typeface="+mn-cs"/>
+              </a:defRPr>
+            </a:lvl9pPr>
+          </a:lstStyle>
+          <a:p>
+            <a:pPr marL="0" indent="0" algn="l" rtl="0">
+              <a:buNone/>
+            </a:pPr>
+            <a:r>
+              <a:rPr lang="en-US" dirty="0"/>
+              <a:t>"Bazaar," or open-source software, is created more independently. Building upon a basic kernel, independent developers improve functionality or fix bugs as they see a need. It's basically crowdsourcing for software. </a:t>
+            </a:r>
+            <a:endParaRPr lang="en-US" dirty="0" smtClean="0"/>
+          </a:p>
+          <a:p>
+            <a:pPr marL="0" indent="0" algn="l" rtl="0">
+              <a:buNone/>
+            </a:pPr>
+            <a:r>
+              <a:rPr lang="en-US" dirty="0" smtClean="0"/>
+              <a:t>Well-known </a:t>
+            </a:r>
+            <a:r>
+              <a:rPr lang="en-US" dirty="0"/>
+              <a:t>examples include Linux and </a:t>
+            </a:r>
+            <a:r>
+              <a:rPr lang="en-US" dirty="0" smtClean="0"/>
+              <a:t>Apache</a:t>
+            </a:r>
+            <a:r>
+              <a:rPr lang="en-US" dirty="0"/>
+              <a:t> </a:t>
+            </a:r>
+            <a:r>
+              <a:rPr lang="en-US" dirty="0" smtClean="0"/>
+              <a:t>(But </a:t>
+            </a:r>
+            <a:r>
+              <a:rPr lang="en-US" dirty="0"/>
+              <a:t>not Firefox or </a:t>
+            </a:r>
+            <a:r>
+              <a:rPr lang="en-US" dirty="0" smtClean="0"/>
+              <a:t>Eclipse).</a:t>
+            </a:r>
+          </a:p>
+          <a:p>
+            <a:pPr marL="0" indent="0" algn="l" rtl="0">
+              <a:buNone/>
+            </a:pPr>
+            <a:r>
+              <a:rPr lang="en-US" dirty="0"/>
+              <a:t>Today, with the Internet and tremendous collaboration and social networking available, the Bazaar model exposes the code to thousands of developers, who can both find and fix the </a:t>
+            </a:r>
+            <a:r>
+              <a:rPr lang="en-US" dirty="0" smtClean="0"/>
+              <a:t>bugs.</a:t>
+            </a:r>
+            <a:endParaRPr lang="en-US" dirty="0" smtClean="0"/>
+          </a:p>
+        </p:txBody>
+      </p:sp>
+    </p:spTree>
+    <p:extLst>
+      <p:ext uri="{BB962C8B-B14F-4D97-AF65-F5344CB8AC3E}">
+        <p14:creationId xmlns:p14="http://schemas.microsoft.com/office/powerpoint/2010/main" val="916792304"/>
+      </p:ext>
+    </p:extLst>
+  </p:cSld>
+  <p:clrMapOvr>
+    <a:masterClrMapping/>
+  </p:clrMapOvr>
+  <mc:AlternateContent xmlns:mc="http://schemas.openxmlformats.org/markup-compatibility/2006" xmlns:p14="http://schemas.microsoft.com/office/powerpoint/2010/main">
+    <mc:Choice Requires="p14">
+      <p:transition spd="slow" p14:dur="2000"/>
+    </mc:Choice>
+    <mc:Fallback xmlns="">
+      <p:transition spd="slow"/>
+    </mc:Fallback>
+  </mc:AlternateContent>
+  <p:timing>
+    <p:tnLst>
+      <p:par>
+        <p:cTn id="1" dur="indefinite" restart="never" nodeType="tmRoot"/>
+      </p:par>
+    </p:tnLst>
+  </p:timing>
+</p:sld>
+</file>
+
+<file path=ppt/slides/slide24.xml><?xml version="1.0" encoding="utf-8"?>
+<p:sld xmlns:a="http://schemas.openxmlformats.org/drawingml/2006/main" xmlns:r="http://schemas.openxmlformats.org/officeDocument/2006/relationships" xmlns:p="http://schemas.openxmlformats.org/presentationml/2006/main" show="0">
+  <p:cSld>
+    <p:spTree>
+      <p:nvGrpSpPr>
+        <p:cNvPr id="1" name=""/>
+        <p:cNvGrpSpPr/>
+        <p:nvPr/>
+      </p:nvGrpSpPr>
+      <p:grpSpPr>
+        <a:xfrm>
+          <a:off x="0" y="0"/>
+          <a:ext cx="0" cy="0"/>
+          <a:chOff x="0" y="0"/>
+          <a:chExt cx="0" cy="0"/>
+        </a:xfrm>
+      </p:grpSpPr>
+      <p:sp>
+        <p:nvSpPr>
+          <p:cNvPr id="2" name="כותרת 1"/>
+          <p:cNvSpPr>
+            <a:spLocks noGrp="1"/>
+          </p:cNvSpPr>
+          <p:nvPr>
+            <p:ph type="title"/>
+          </p:nvPr>
+        </p:nvSpPr>
+        <p:spPr>
+          <a:xfrm>
+            <a:off x="0" y="0"/>
+            <a:ext cx="9144000" cy="1268760"/>
+          </a:xfrm>
+          <a:solidFill>
+            <a:schemeClr val="tx2">
+              <a:lumMod val="60000"/>
+              <a:lumOff val="40000"/>
+            </a:schemeClr>
+          </a:solidFill>
+        </p:spPr>
+        <p:txBody>
+          <a:bodyPr>
+            <a:normAutofit/>
+          </a:bodyPr>
+          <a:lstStyle/>
+          <a:p>
+            <a:pPr rtl="0"/>
+            <a:r>
+              <a:rPr lang="en-US" sz="3200" b="1" dirty="0" smtClean="0"/>
+              <a:t>Best Practice – Is there such thing?</a:t>
+            </a:r>
+            <a:endParaRPr lang="he-IL" sz="3200" b="1" dirty="0"/>
+          </a:p>
+        </p:txBody>
+      </p:sp>
+      <p:sp>
+        <p:nvSpPr>
+          <p:cNvPr id="4" name="מציין מיקום של מספר שקופית 3"/>
+          <p:cNvSpPr>
+            <a:spLocks noGrp="1"/>
+          </p:cNvSpPr>
+          <p:nvPr>
+            <p:ph type="sldNum" sz="quarter" idx="12"/>
+          </p:nvPr>
+        </p:nvSpPr>
+        <p:spPr/>
+        <p:txBody>
+          <a:bodyPr/>
+          <a:lstStyle/>
+          <a:p>
+            <a:fld id="{99A8CB1B-85B5-416B-B838-2C014F74C4F2}" type="slidenum">
+              <a:rPr lang="he-IL" smtClean="0"/>
+              <a:pPr/>
+              <a:t>24</a:t>
+            </a:fld>
+            <a:endParaRPr lang="he-IL"/>
+          </a:p>
+        </p:txBody>
+      </p:sp>
+      <p:sp>
+        <p:nvSpPr>
+          <p:cNvPr id="6" name="Rectangle 3"/>
+          <p:cNvSpPr txBox="1">
+            <a:spLocks noChangeArrowheads="1"/>
+          </p:cNvSpPr>
+          <p:nvPr/>
+        </p:nvSpPr>
+        <p:spPr>
+          <a:xfrm>
+            <a:off x="330200" y="1423410"/>
+            <a:ext cx="8483600" cy="761095"/>
+          </a:xfrm>
+          <a:prstGeom prst="rect">
+            <a:avLst/>
+          </a:prstGeom>
+        </p:spPr>
+        <p:txBody>
+          <a:bodyPr vert="horz" lIns="91440" tIns="45720" rIns="91440" bIns="45720" rtlCol="1">
+            <a:normAutofit/>
+          </a:bodyPr>
+          <a:lstStyle>
+            <a:lvl1pPr marL="342900" indent="-342900" algn="r" defTabSz="914400" rtl="1" eaLnBrk="1" latinLnBrk="0" hangingPunct="1">
+              <a:spcBef>
+                <a:spcPct val="20000"/>
+              </a:spcBef>
+              <a:buFont typeface="Arial" pitchFamily="34" charset="0"/>
+              <a:buChar char="•"/>
+              <a:defRPr sz="3200" kern="1200">
+                <a:solidFill>
+                  <a:schemeClr val="tx1"/>
+                </a:solidFill>
+                <a:latin typeface="+mn-lt"/>
+                <a:ea typeface="+mn-ea"/>
+                <a:cs typeface="+mn-cs"/>
+              </a:defRPr>
+            </a:lvl1pPr>
+            <a:lvl2pPr marL="742950" indent="-285750" algn="r" defTabSz="914400" rtl="1" eaLnBrk="1" latinLnBrk="0" hangingPunct="1">
+              <a:spcBef>
+                <a:spcPct val="20000"/>
+              </a:spcBef>
+              <a:buFont typeface="Arial" pitchFamily="34" charset="0"/>
+              <a:buChar char="–"/>
+              <a:defRPr sz="2800" kern="1200">
+                <a:solidFill>
+                  <a:schemeClr val="tx1"/>
+                </a:solidFill>
+                <a:latin typeface="+mn-lt"/>
+                <a:ea typeface="+mn-ea"/>
+                <a:cs typeface="+mn-cs"/>
+              </a:defRPr>
+            </a:lvl2pPr>
+            <a:lvl3pPr marL="1143000" indent="-228600" algn="r" defTabSz="914400" rtl="1" eaLnBrk="1" latinLnBrk="0" hangingPunct="1">
+              <a:spcBef>
+                <a:spcPct val="20000"/>
+              </a:spcBef>
+              <a:buFont typeface="Arial" pitchFamily="34" charset="0"/>
+              <a:buChar char="•"/>
+              <a:defRPr sz="2400" kern="1200">
+                <a:solidFill>
+                  <a:schemeClr val="tx1"/>
+                </a:solidFill>
+                <a:latin typeface="+mn-lt"/>
+                <a:ea typeface="+mn-ea"/>
+                <a:cs typeface="+mn-cs"/>
+              </a:defRPr>
+            </a:lvl3pPr>
+            <a:lvl4pPr marL="1600200" indent="-228600" algn="r" defTabSz="914400" rtl="1" eaLnBrk="1" latinLnBrk="0" hangingPunct="1">
+              <a:spcBef>
+                <a:spcPct val="20000"/>
+              </a:spcBef>
+              <a:buFont typeface="Arial" pitchFamily="34" charset="0"/>
+              <a:buChar char="–"/>
+              <a:defRPr sz="2000" kern="1200">
+                <a:solidFill>
+                  <a:schemeClr val="tx1"/>
+                </a:solidFill>
+                <a:latin typeface="+mn-lt"/>
+                <a:ea typeface="+mn-ea"/>
+                <a:cs typeface="+mn-cs"/>
+              </a:defRPr>
+            </a:lvl4pPr>
+            <a:lvl5pPr marL="2057400" indent="-228600" algn="r" defTabSz="914400" rtl="1" eaLnBrk="1" latinLnBrk="0" hangingPunct="1">
+              <a:spcBef>
+                <a:spcPct val="20000"/>
+              </a:spcBef>
+              <a:buFont typeface="Arial" pitchFamily="34" charset="0"/>
+              <a:buChar char="»"/>
+              <a:defRPr sz="2000" kern="1200">
+                <a:solidFill>
+                  <a:schemeClr val="tx1"/>
+                </a:solidFill>
+                <a:latin typeface="+mn-lt"/>
+                <a:ea typeface="+mn-ea"/>
+                <a:cs typeface="+mn-cs"/>
+              </a:defRPr>
+            </a:lvl5pPr>
+            <a:lvl6pPr marL="2514600" indent="-228600" algn="r" defTabSz="914400" rtl="1" eaLnBrk="1" latinLnBrk="0" hangingPunct="1">
+              <a:spcBef>
+                <a:spcPct val="20000"/>
+              </a:spcBef>
+              <a:buFont typeface="Arial" pitchFamily="34" charset="0"/>
+              <a:buChar char="•"/>
+              <a:defRPr sz="2000" kern="1200">
+                <a:solidFill>
+                  <a:schemeClr val="tx1"/>
+                </a:solidFill>
+                <a:latin typeface="+mn-lt"/>
+                <a:ea typeface="+mn-ea"/>
+                <a:cs typeface="+mn-cs"/>
+              </a:defRPr>
+            </a:lvl6pPr>
+            <a:lvl7pPr marL="2971800" indent="-228600" algn="r" defTabSz="914400" rtl="1" eaLnBrk="1" latinLnBrk="0" hangingPunct="1">
+              <a:spcBef>
+                <a:spcPct val="20000"/>
+              </a:spcBef>
+              <a:buFont typeface="Arial" pitchFamily="34" charset="0"/>
+              <a:buChar char="•"/>
+              <a:defRPr sz="2000" kern="1200">
+                <a:solidFill>
+                  <a:schemeClr val="tx1"/>
+                </a:solidFill>
+                <a:latin typeface="+mn-lt"/>
+                <a:ea typeface="+mn-ea"/>
+                <a:cs typeface="+mn-cs"/>
+              </a:defRPr>
+            </a:lvl7pPr>
+            <a:lvl8pPr marL="3429000" indent="-228600" algn="r" defTabSz="914400" rtl="1" eaLnBrk="1" latinLnBrk="0" hangingPunct="1">
+              <a:spcBef>
+                <a:spcPct val="20000"/>
+              </a:spcBef>
+              <a:buFont typeface="Arial" pitchFamily="34" charset="0"/>
+              <a:buChar char="•"/>
+              <a:defRPr sz="2000" kern="1200">
+                <a:solidFill>
+                  <a:schemeClr val="tx1"/>
+                </a:solidFill>
+                <a:latin typeface="+mn-lt"/>
+                <a:ea typeface="+mn-ea"/>
+                <a:cs typeface="+mn-cs"/>
+              </a:defRPr>
+            </a:lvl8pPr>
+            <a:lvl9pPr marL="3886200" indent="-228600" algn="r" defTabSz="914400" rtl="1" eaLnBrk="1" latinLnBrk="0" hangingPunct="1">
+              <a:spcBef>
+                <a:spcPct val="20000"/>
+              </a:spcBef>
+              <a:buFont typeface="Arial" pitchFamily="34" charset="0"/>
+              <a:buChar char="•"/>
+              <a:defRPr sz="2000" kern="1200">
+                <a:solidFill>
+                  <a:schemeClr val="tx1"/>
+                </a:solidFill>
+                <a:latin typeface="+mn-lt"/>
+                <a:ea typeface="+mn-ea"/>
+                <a:cs typeface="+mn-cs"/>
+              </a:defRPr>
+            </a:lvl9pPr>
+          </a:lstStyle>
+          <a:p>
+            <a:pPr marL="0" indent="0" algn="just" rtl="0">
+              <a:buNone/>
+            </a:pPr>
+            <a:endParaRPr lang="en-US" dirty="0" smtClean="0"/>
+          </a:p>
+        </p:txBody>
+      </p:sp>
+      <p:sp>
+        <p:nvSpPr>
+          <p:cNvPr id="7" name="Rectangle 3"/>
+          <p:cNvSpPr txBox="1">
+            <a:spLocks noChangeArrowheads="1"/>
+          </p:cNvSpPr>
+          <p:nvPr/>
+        </p:nvSpPr>
+        <p:spPr>
+          <a:xfrm>
+            <a:off x="299866" y="2199370"/>
+            <a:ext cx="8483600" cy="1263977"/>
+          </a:xfrm>
+          <a:prstGeom prst="rect">
+            <a:avLst/>
+          </a:prstGeom>
+        </p:spPr>
+        <p:txBody>
+          <a:bodyPr vert="horz" lIns="91440" tIns="45720" rIns="91440" bIns="45720" rtlCol="1">
+            <a:normAutofit/>
+          </a:bodyPr>
+          <a:lstStyle>
+            <a:lvl1pPr marL="342900" indent="-342900" algn="r" defTabSz="914400" rtl="1" eaLnBrk="1" latinLnBrk="0" hangingPunct="1">
+              <a:spcBef>
+                <a:spcPct val="20000"/>
+              </a:spcBef>
+              <a:buFont typeface="Arial" pitchFamily="34" charset="0"/>
+              <a:buChar char="•"/>
+              <a:defRPr sz="3200" kern="1200">
+                <a:solidFill>
+                  <a:schemeClr val="tx1"/>
+                </a:solidFill>
+                <a:latin typeface="+mn-lt"/>
+                <a:ea typeface="+mn-ea"/>
+                <a:cs typeface="+mn-cs"/>
+              </a:defRPr>
+            </a:lvl1pPr>
+            <a:lvl2pPr marL="742950" indent="-285750" algn="r" defTabSz="914400" rtl="1" eaLnBrk="1" latinLnBrk="0" hangingPunct="1">
+              <a:spcBef>
+                <a:spcPct val="20000"/>
+              </a:spcBef>
+              <a:buFont typeface="Arial" pitchFamily="34" charset="0"/>
+              <a:buChar char="–"/>
+              <a:defRPr sz="2800" kern="1200">
+                <a:solidFill>
+                  <a:schemeClr val="tx1"/>
+                </a:solidFill>
+                <a:latin typeface="+mn-lt"/>
+                <a:ea typeface="+mn-ea"/>
+                <a:cs typeface="+mn-cs"/>
+              </a:defRPr>
+            </a:lvl2pPr>
+            <a:lvl3pPr marL="1143000" indent="-228600" algn="r" defTabSz="914400" rtl="1" eaLnBrk="1" latinLnBrk="0" hangingPunct="1">
+              <a:spcBef>
+                <a:spcPct val="20000"/>
+              </a:spcBef>
+              <a:buFont typeface="Arial" pitchFamily="34" charset="0"/>
+              <a:buChar char="•"/>
+              <a:defRPr sz="2400" kern="1200">
+                <a:solidFill>
+                  <a:schemeClr val="tx1"/>
+                </a:solidFill>
+                <a:latin typeface="+mn-lt"/>
+                <a:ea typeface="+mn-ea"/>
+                <a:cs typeface="+mn-cs"/>
+              </a:defRPr>
+            </a:lvl3pPr>
+            <a:lvl4pPr marL="1600200" indent="-228600" algn="r" defTabSz="914400" rtl="1" eaLnBrk="1" latinLnBrk="0" hangingPunct="1">
+              <a:spcBef>
+                <a:spcPct val="20000"/>
+              </a:spcBef>
+              <a:buFont typeface="Arial" pitchFamily="34" charset="0"/>
+              <a:buChar char="–"/>
+              <a:defRPr sz="2000" kern="1200">
+                <a:solidFill>
+                  <a:schemeClr val="tx1"/>
+                </a:solidFill>
+                <a:latin typeface="+mn-lt"/>
+                <a:ea typeface="+mn-ea"/>
+                <a:cs typeface="+mn-cs"/>
+              </a:defRPr>
+            </a:lvl4pPr>
+            <a:lvl5pPr marL="2057400" indent="-228600" algn="r" defTabSz="914400" rtl="1" eaLnBrk="1" latinLnBrk="0" hangingPunct="1">
+              <a:spcBef>
+                <a:spcPct val="20000"/>
+              </a:spcBef>
+              <a:buFont typeface="Arial" pitchFamily="34" charset="0"/>
+              <a:buChar char="»"/>
+              <a:defRPr sz="2000" kern="1200">
+                <a:solidFill>
+                  <a:schemeClr val="tx1"/>
+                </a:solidFill>
+                <a:latin typeface="+mn-lt"/>
+                <a:ea typeface="+mn-ea"/>
+                <a:cs typeface="+mn-cs"/>
+              </a:defRPr>
+            </a:lvl5pPr>
+            <a:lvl6pPr marL="2514600" indent="-228600" algn="r" defTabSz="914400" rtl="1" eaLnBrk="1" latinLnBrk="0" hangingPunct="1">
+              <a:spcBef>
+                <a:spcPct val="20000"/>
+              </a:spcBef>
+              <a:buFont typeface="Arial" pitchFamily="34" charset="0"/>
+              <a:buChar char="•"/>
+              <a:defRPr sz="2000" kern="1200">
+                <a:solidFill>
+                  <a:schemeClr val="tx1"/>
+                </a:solidFill>
+                <a:latin typeface="+mn-lt"/>
+                <a:ea typeface="+mn-ea"/>
+                <a:cs typeface="+mn-cs"/>
+              </a:defRPr>
+            </a:lvl6pPr>
+            <a:lvl7pPr marL="2971800" indent="-228600" algn="r" defTabSz="914400" rtl="1" eaLnBrk="1" latinLnBrk="0" hangingPunct="1">
+              <a:spcBef>
+                <a:spcPct val="20000"/>
+              </a:spcBef>
+              <a:buFont typeface="Arial" pitchFamily="34" charset="0"/>
+              <a:buChar char="•"/>
+              <a:defRPr sz="2000" kern="1200">
+                <a:solidFill>
+                  <a:schemeClr val="tx1"/>
+                </a:solidFill>
+                <a:latin typeface="+mn-lt"/>
+                <a:ea typeface="+mn-ea"/>
+                <a:cs typeface="+mn-cs"/>
+              </a:defRPr>
+            </a:lvl7pPr>
+            <a:lvl8pPr marL="3429000" indent="-228600" algn="r" defTabSz="914400" rtl="1" eaLnBrk="1" latinLnBrk="0" hangingPunct="1">
+              <a:spcBef>
+                <a:spcPct val="20000"/>
+              </a:spcBef>
+              <a:buFont typeface="Arial" pitchFamily="34" charset="0"/>
+              <a:buChar char="•"/>
+              <a:defRPr sz="2000" kern="1200">
+                <a:solidFill>
+                  <a:schemeClr val="tx1"/>
+                </a:solidFill>
+                <a:latin typeface="+mn-lt"/>
+                <a:ea typeface="+mn-ea"/>
+                <a:cs typeface="+mn-cs"/>
+              </a:defRPr>
+            </a:lvl8pPr>
+            <a:lvl9pPr marL="3886200" indent="-228600" algn="r" defTabSz="914400" rtl="1" eaLnBrk="1" latinLnBrk="0" hangingPunct="1">
+              <a:spcBef>
+                <a:spcPct val="20000"/>
+              </a:spcBef>
+              <a:buFont typeface="Arial" pitchFamily="34" charset="0"/>
+              <a:buChar char="•"/>
+              <a:defRPr sz="2000" kern="1200">
+                <a:solidFill>
+                  <a:schemeClr val="tx1"/>
+                </a:solidFill>
+                <a:latin typeface="+mn-lt"/>
+                <a:ea typeface="+mn-ea"/>
+                <a:cs typeface="+mn-cs"/>
+              </a:defRPr>
+            </a:lvl9pPr>
+          </a:lstStyle>
+          <a:p>
+            <a:pPr marL="0" indent="0" algn="l" rtl="0">
+              <a:buNone/>
+            </a:pPr>
+            <a:endParaRPr lang="en-US" b="1" dirty="0" smtClean="0"/>
+          </a:p>
+        </p:txBody>
+      </p:sp>
+      <p:sp>
+        <p:nvSpPr>
+          <p:cNvPr id="10" name="Rectangle 3"/>
+          <p:cNvSpPr txBox="1">
+            <a:spLocks noChangeArrowheads="1"/>
+          </p:cNvSpPr>
+          <p:nvPr/>
+        </p:nvSpPr>
+        <p:spPr>
+          <a:xfrm>
+            <a:off x="299866" y="1573619"/>
+            <a:ext cx="8483600" cy="761095"/>
+          </a:xfrm>
+          <a:prstGeom prst="rect">
+            <a:avLst/>
+          </a:prstGeom>
+        </p:spPr>
+        <p:txBody>
+          <a:bodyPr vert="horz" lIns="91440" tIns="45720" rIns="91440" bIns="45720" rtlCol="1">
+            <a:normAutofit/>
+          </a:bodyPr>
+          <a:lstStyle>
+            <a:lvl1pPr marL="342900" indent="-342900" algn="r" defTabSz="914400" rtl="1" eaLnBrk="1" latinLnBrk="0" hangingPunct="1">
+              <a:spcBef>
+                <a:spcPct val="20000"/>
+              </a:spcBef>
+              <a:buFont typeface="Arial" pitchFamily="34" charset="0"/>
+              <a:buChar char="•"/>
+              <a:defRPr sz="3200" kern="1200">
+                <a:solidFill>
+                  <a:schemeClr val="tx1"/>
+                </a:solidFill>
+                <a:latin typeface="+mn-lt"/>
+                <a:ea typeface="+mn-ea"/>
+                <a:cs typeface="+mn-cs"/>
+              </a:defRPr>
+            </a:lvl1pPr>
+            <a:lvl2pPr marL="742950" indent="-285750" algn="r" defTabSz="914400" rtl="1" eaLnBrk="1" latinLnBrk="0" hangingPunct="1">
+              <a:spcBef>
+                <a:spcPct val="20000"/>
+              </a:spcBef>
+              <a:buFont typeface="Arial" pitchFamily="34" charset="0"/>
+              <a:buChar char="–"/>
+              <a:defRPr sz="2800" kern="1200">
+                <a:solidFill>
+                  <a:schemeClr val="tx1"/>
+                </a:solidFill>
+                <a:latin typeface="+mn-lt"/>
+                <a:ea typeface="+mn-ea"/>
+                <a:cs typeface="+mn-cs"/>
+              </a:defRPr>
+            </a:lvl2pPr>
+            <a:lvl3pPr marL="1143000" indent="-228600" algn="r" defTabSz="914400" rtl="1" eaLnBrk="1" latinLnBrk="0" hangingPunct="1">
+              <a:spcBef>
+                <a:spcPct val="20000"/>
+              </a:spcBef>
+              <a:buFont typeface="Arial" pitchFamily="34" charset="0"/>
+              <a:buChar char="•"/>
+              <a:defRPr sz="2400" kern="1200">
+                <a:solidFill>
+                  <a:schemeClr val="tx1"/>
+                </a:solidFill>
+                <a:latin typeface="+mn-lt"/>
+                <a:ea typeface="+mn-ea"/>
+                <a:cs typeface="+mn-cs"/>
+              </a:defRPr>
+            </a:lvl3pPr>
+            <a:lvl4pPr marL="1600200" indent="-228600" algn="r" defTabSz="914400" rtl="1" eaLnBrk="1" latinLnBrk="0" hangingPunct="1">
+              <a:spcBef>
+                <a:spcPct val="20000"/>
+              </a:spcBef>
+              <a:buFont typeface="Arial" pitchFamily="34" charset="0"/>
+              <a:buChar char="–"/>
+              <a:defRPr sz="2000" kern="1200">
+                <a:solidFill>
+                  <a:schemeClr val="tx1"/>
+                </a:solidFill>
+                <a:latin typeface="+mn-lt"/>
+                <a:ea typeface="+mn-ea"/>
+                <a:cs typeface="+mn-cs"/>
+              </a:defRPr>
+            </a:lvl4pPr>
+            <a:lvl5pPr marL="2057400" indent="-228600" algn="r" defTabSz="914400" rtl="1" eaLnBrk="1" latinLnBrk="0" hangingPunct="1">
+              <a:spcBef>
+                <a:spcPct val="20000"/>
+              </a:spcBef>
+              <a:buFont typeface="Arial" pitchFamily="34" charset="0"/>
+              <a:buChar char="»"/>
+              <a:defRPr sz="2000" kern="1200">
+                <a:solidFill>
+                  <a:schemeClr val="tx1"/>
+                </a:solidFill>
+                <a:latin typeface="+mn-lt"/>
+                <a:ea typeface="+mn-ea"/>
+                <a:cs typeface="+mn-cs"/>
+              </a:defRPr>
+            </a:lvl5pPr>
+            <a:lvl6pPr marL="2514600" indent="-228600" algn="r" defTabSz="914400" rtl="1" eaLnBrk="1" latinLnBrk="0" hangingPunct="1">
+              <a:spcBef>
+                <a:spcPct val="20000"/>
+              </a:spcBef>
+              <a:buFont typeface="Arial" pitchFamily="34" charset="0"/>
+              <a:buChar char="•"/>
+              <a:defRPr sz="2000" kern="1200">
+                <a:solidFill>
+                  <a:schemeClr val="tx1"/>
+                </a:solidFill>
+                <a:latin typeface="+mn-lt"/>
+                <a:ea typeface="+mn-ea"/>
+                <a:cs typeface="+mn-cs"/>
+              </a:defRPr>
+            </a:lvl6pPr>
+            <a:lvl7pPr marL="2971800" indent="-228600" algn="r" defTabSz="914400" rtl="1" eaLnBrk="1" latinLnBrk="0" hangingPunct="1">
+              <a:spcBef>
+                <a:spcPct val="20000"/>
+              </a:spcBef>
+              <a:buFont typeface="Arial" pitchFamily="34" charset="0"/>
+              <a:buChar char="•"/>
+              <a:defRPr sz="2000" kern="1200">
+                <a:solidFill>
+                  <a:schemeClr val="tx1"/>
+                </a:solidFill>
+                <a:latin typeface="+mn-lt"/>
+                <a:ea typeface="+mn-ea"/>
+                <a:cs typeface="+mn-cs"/>
+              </a:defRPr>
+            </a:lvl7pPr>
+            <a:lvl8pPr marL="3429000" indent="-228600" algn="r" defTabSz="914400" rtl="1" eaLnBrk="1" latinLnBrk="0" hangingPunct="1">
+              <a:spcBef>
+                <a:spcPct val="20000"/>
+              </a:spcBef>
+              <a:buFont typeface="Arial" pitchFamily="34" charset="0"/>
+              <a:buChar char="•"/>
+              <a:defRPr sz="2000" kern="1200">
+                <a:solidFill>
+                  <a:schemeClr val="tx1"/>
+                </a:solidFill>
+                <a:latin typeface="+mn-lt"/>
+                <a:ea typeface="+mn-ea"/>
+                <a:cs typeface="+mn-cs"/>
+              </a:defRPr>
+            </a:lvl8pPr>
+            <a:lvl9pPr marL="3886200" indent="-228600" algn="r" defTabSz="914400" rtl="1" eaLnBrk="1" latinLnBrk="0" hangingPunct="1">
+              <a:spcBef>
+                <a:spcPct val="20000"/>
+              </a:spcBef>
+              <a:buFont typeface="Arial" pitchFamily="34" charset="0"/>
+              <a:buChar char="•"/>
+              <a:defRPr sz="2000" kern="1200">
+                <a:solidFill>
+                  <a:schemeClr val="tx1"/>
+                </a:solidFill>
+                <a:latin typeface="+mn-lt"/>
+                <a:ea typeface="+mn-ea"/>
+                <a:cs typeface="+mn-cs"/>
+              </a:defRPr>
+            </a:lvl9pPr>
+          </a:lstStyle>
+          <a:p>
+            <a:pPr algn="just" rtl="0"/>
+            <a:endParaRPr lang="en-US" dirty="0" smtClean="0"/>
+          </a:p>
+        </p:txBody>
+      </p:sp>
+      <p:sp>
+        <p:nvSpPr>
+          <p:cNvPr id="8" name="Rectangle 3"/>
+          <p:cNvSpPr txBox="1">
+            <a:spLocks noChangeArrowheads="1"/>
+          </p:cNvSpPr>
+          <p:nvPr/>
+        </p:nvSpPr>
+        <p:spPr>
+          <a:xfrm>
+            <a:off x="330200" y="1438275"/>
+            <a:ext cx="8483600" cy="4918075"/>
+          </a:xfrm>
+          <a:prstGeom prst="rect">
+            <a:avLst/>
+          </a:prstGeom>
+        </p:spPr>
+        <p:txBody>
+          <a:bodyPr vert="horz" lIns="91440" tIns="45720" rIns="91440" bIns="45720" rtlCol="1">
+            <a:normAutofit/>
+          </a:bodyPr>
+          <a:lstStyle>
+            <a:lvl1pPr marL="342900" indent="-342900" algn="r" defTabSz="914400" rtl="1" eaLnBrk="1" latinLnBrk="0" hangingPunct="1">
+              <a:spcBef>
+                <a:spcPct val="20000"/>
+              </a:spcBef>
+              <a:buFont typeface="Arial" pitchFamily="34" charset="0"/>
+              <a:buChar char="•"/>
+              <a:defRPr sz="3200" kern="1200">
+                <a:solidFill>
+                  <a:schemeClr val="tx1"/>
+                </a:solidFill>
+                <a:latin typeface="+mn-lt"/>
+                <a:ea typeface="+mn-ea"/>
+                <a:cs typeface="+mn-cs"/>
+              </a:defRPr>
+            </a:lvl1pPr>
+            <a:lvl2pPr marL="742950" indent="-285750" algn="r" defTabSz="914400" rtl="1" eaLnBrk="1" latinLnBrk="0" hangingPunct="1">
+              <a:spcBef>
+                <a:spcPct val="20000"/>
+              </a:spcBef>
+              <a:buFont typeface="Arial" pitchFamily="34" charset="0"/>
+              <a:buChar char="–"/>
+              <a:defRPr sz="2800" kern="1200">
+                <a:solidFill>
+                  <a:schemeClr val="tx1"/>
+                </a:solidFill>
+                <a:latin typeface="+mn-lt"/>
+                <a:ea typeface="+mn-ea"/>
+                <a:cs typeface="+mn-cs"/>
+              </a:defRPr>
+            </a:lvl2pPr>
+            <a:lvl3pPr marL="1143000" indent="-228600" algn="r" defTabSz="914400" rtl="1" eaLnBrk="1" latinLnBrk="0" hangingPunct="1">
+              <a:spcBef>
+                <a:spcPct val="20000"/>
+              </a:spcBef>
+              <a:buFont typeface="Arial" pitchFamily="34" charset="0"/>
+              <a:buChar char="•"/>
+              <a:defRPr sz="2400" kern="1200">
+                <a:solidFill>
+                  <a:schemeClr val="tx1"/>
+                </a:solidFill>
+                <a:latin typeface="+mn-lt"/>
+                <a:ea typeface="+mn-ea"/>
+                <a:cs typeface="+mn-cs"/>
+              </a:defRPr>
+            </a:lvl3pPr>
+            <a:lvl4pPr marL="1600200" indent="-228600" algn="r" defTabSz="914400" rtl="1" eaLnBrk="1" latinLnBrk="0" hangingPunct="1">
+              <a:spcBef>
+                <a:spcPct val="20000"/>
+              </a:spcBef>
+              <a:buFont typeface="Arial" pitchFamily="34" charset="0"/>
+              <a:buChar char="–"/>
+              <a:defRPr sz="2000" kern="1200">
+                <a:solidFill>
+                  <a:schemeClr val="tx1"/>
+                </a:solidFill>
+                <a:latin typeface="+mn-lt"/>
+                <a:ea typeface="+mn-ea"/>
+                <a:cs typeface="+mn-cs"/>
+              </a:defRPr>
+            </a:lvl4pPr>
+            <a:lvl5pPr marL="2057400" indent="-228600" algn="r" defTabSz="914400" rtl="1" eaLnBrk="1" latinLnBrk="0" hangingPunct="1">
+              <a:spcBef>
+                <a:spcPct val="20000"/>
+              </a:spcBef>
+              <a:buFont typeface="Arial" pitchFamily="34" charset="0"/>
+              <a:buChar char="»"/>
+              <a:defRPr sz="2000" kern="1200">
+                <a:solidFill>
+                  <a:schemeClr val="tx1"/>
+                </a:solidFill>
+                <a:latin typeface="+mn-lt"/>
+                <a:ea typeface="+mn-ea"/>
+                <a:cs typeface="+mn-cs"/>
+              </a:defRPr>
+            </a:lvl5pPr>
+            <a:lvl6pPr marL="2514600" indent="-228600" algn="r" defTabSz="914400" rtl="1" eaLnBrk="1" latinLnBrk="0" hangingPunct="1">
+              <a:spcBef>
+                <a:spcPct val="20000"/>
+              </a:spcBef>
+              <a:buFont typeface="Arial" pitchFamily="34" charset="0"/>
+              <a:buChar char="•"/>
+              <a:defRPr sz="2000" kern="1200">
+                <a:solidFill>
+                  <a:schemeClr val="tx1"/>
+                </a:solidFill>
+                <a:latin typeface="+mn-lt"/>
+                <a:ea typeface="+mn-ea"/>
+                <a:cs typeface="+mn-cs"/>
+              </a:defRPr>
+            </a:lvl6pPr>
+            <a:lvl7pPr marL="2971800" indent="-228600" algn="r" defTabSz="914400" rtl="1" eaLnBrk="1" latinLnBrk="0" hangingPunct="1">
+              <a:spcBef>
+                <a:spcPct val="20000"/>
+              </a:spcBef>
+              <a:buFont typeface="Arial" pitchFamily="34" charset="0"/>
+              <a:buChar char="•"/>
+              <a:defRPr sz="2000" kern="1200">
+                <a:solidFill>
+                  <a:schemeClr val="tx1"/>
+                </a:solidFill>
+                <a:latin typeface="+mn-lt"/>
+                <a:ea typeface="+mn-ea"/>
+                <a:cs typeface="+mn-cs"/>
+              </a:defRPr>
+            </a:lvl7pPr>
+            <a:lvl8pPr marL="3429000" indent="-228600" algn="r" defTabSz="914400" rtl="1" eaLnBrk="1" latinLnBrk="0" hangingPunct="1">
+              <a:spcBef>
+                <a:spcPct val="20000"/>
+              </a:spcBef>
+              <a:buFont typeface="Arial" pitchFamily="34" charset="0"/>
+              <a:buChar char="•"/>
+              <a:defRPr sz="2000" kern="1200">
+                <a:solidFill>
+                  <a:schemeClr val="tx1"/>
+                </a:solidFill>
+                <a:latin typeface="+mn-lt"/>
+                <a:ea typeface="+mn-ea"/>
+                <a:cs typeface="+mn-cs"/>
+              </a:defRPr>
+            </a:lvl8pPr>
+            <a:lvl9pPr marL="3886200" indent="-228600" algn="r" defTabSz="914400" rtl="1" eaLnBrk="1" latinLnBrk="0" hangingPunct="1">
+              <a:spcBef>
+                <a:spcPct val="20000"/>
+              </a:spcBef>
+              <a:buFont typeface="Arial" pitchFamily="34" charset="0"/>
+              <a:buChar char="•"/>
+              <a:defRPr sz="2000" kern="1200">
+                <a:solidFill>
+                  <a:schemeClr val="tx1"/>
+                </a:solidFill>
+                <a:latin typeface="+mn-lt"/>
+                <a:ea typeface="+mn-ea"/>
+                <a:cs typeface="+mn-cs"/>
+              </a:defRPr>
+            </a:lvl9pPr>
+          </a:lstStyle>
+          <a:p>
+            <a:pPr marL="0" indent="0" algn="l" rtl="0">
+              <a:buNone/>
+            </a:pPr>
+            <a:r>
+              <a:rPr lang="en-US" dirty="0"/>
+              <a:t>Perhaps the best way to be successful is to start with an idea and create the first iteration as a Cathedral project. </a:t>
+            </a:r>
+            <a:endParaRPr lang="en-US" dirty="0" smtClean="0"/>
+          </a:p>
+          <a:p>
+            <a:pPr marL="0" indent="0" algn="l" rtl="0">
+              <a:buNone/>
+            </a:pPr>
+            <a:r>
+              <a:rPr lang="en-US" dirty="0" smtClean="0"/>
+              <a:t>That </a:t>
+            </a:r>
+            <a:r>
+              <a:rPr lang="en-US" dirty="0"/>
+              <a:t>way developers can see the potential, and see how it can benefit them. </a:t>
+            </a:r>
+            <a:endParaRPr lang="en-US" dirty="0" smtClean="0"/>
+          </a:p>
+          <a:p>
+            <a:pPr marL="0" indent="0" algn="l" rtl="0">
+              <a:buNone/>
+            </a:pPr>
+            <a:r>
+              <a:rPr lang="en-US" dirty="0" smtClean="0"/>
+              <a:t>Then </a:t>
+            </a:r>
+            <a:r>
+              <a:rPr lang="en-US" dirty="0"/>
+              <a:t>free the project and invite </a:t>
+            </a:r>
+            <a:r>
+              <a:rPr lang="en-US" dirty="0" smtClean="0"/>
+              <a:t>contributions in a manner that when </a:t>
+            </a:r>
+            <a:r>
+              <a:rPr lang="en-US" dirty="0"/>
+              <a:t>you're using the software and </a:t>
+            </a:r>
+            <a:r>
+              <a:rPr lang="en-US" dirty="0" smtClean="0"/>
+              <a:t>see </a:t>
+            </a:r>
+            <a:r>
+              <a:rPr lang="en-US" dirty="0"/>
+              <a:t>that bug, you can jump right in and fix </a:t>
+            </a:r>
+            <a:r>
+              <a:rPr lang="en-US" dirty="0" smtClean="0"/>
+              <a:t>it </a:t>
+            </a:r>
+            <a:r>
+              <a:rPr lang="en-US" dirty="0"/>
+              <a:t>o</a:t>
+            </a:r>
+            <a:r>
+              <a:rPr lang="en-US" dirty="0" smtClean="0"/>
+              <a:t>r </a:t>
+            </a:r>
+            <a:r>
+              <a:rPr lang="en-US" dirty="0"/>
+              <a:t>add something else you need. </a:t>
+            </a:r>
+            <a:endParaRPr lang="en-US" dirty="0" smtClean="0"/>
+          </a:p>
+        </p:txBody>
+      </p:sp>
+    </p:spTree>
+    <p:extLst>
+      <p:ext uri="{BB962C8B-B14F-4D97-AF65-F5344CB8AC3E}">
+        <p14:creationId xmlns:p14="http://schemas.microsoft.com/office/powerpoint/2010/main" val="1883346818"/>
+      </p:ext>
+    </p:extLst>
+  </p:cSld>
+  <p:clrMapOvr>
+    <a:masterClrMapping/>
+  </p:clrMapOvr>
+  <mc:AlternateContent xmlns:mc="http://schemas.openxmlformats.org/markup-compatibility/2006" xmlns:p14="http://schemas.microsoft.com/office/powerpoint/2010/main">
+    <mc:Choice Requires="p14">
+      <p:transition spd="slow" p14:dur="2000"/>
+    </mc:Choice>
+    <mc:Fallback xmlns="">
+      <p:transition spd="slow"/>
+    </mc:Fallback>
+  </mc:AlternateContent>
+  <p:timing>
+    <p:tnLst>
+      <p:par>
+        <p:cTn id="1" dur="indefinite" restart="never" nodeType="tmRoot"/>
+      </p:par>
+    </p:tnLst>
+  </p:timing>
+</p:sld>
+</file>
+
+<file path=ppt/slides/slide25.xml><?xml version="1.0" encoding="utf-8"?>
+<p:sld xmlns:a="http://schemas.openxmlformats.org/drawingml/2006/main" xmlns:r="http://schemas.openxmlformats.org/officeDocument/2006/relationships" xmlns:p="http://schemas.openxmlformats.org/presentationml/2006/main" show="0">
+  <p:cSld>
+    <p:spTree>
+      <p:nvGrpSpPr>
+        <p:cNvPr id="1" name=""/>
+        <p:cNvGrpSpPr/>
+        <p:nvPr/>
+      </p:nvGrpSpPr>
+      <p:grpSpPr>
+        <a:xfrm>
+          <a:off x="0" y="0"/>
+          <a:ext cx="0" cy="0"/>
+          <a:chOff x="0" y="0"/>
+          <a:chExt cx="0" cy="0"/>
+        </a:xfrm>
+      </p:grpSpPr>
+      <p:sp>
+        <p:nvSpPr>
+          <p:cNvPr id="2" name="כותרת 1"/>
+          <p:cNvSpPr>
+            <a:spLocks noGrp="1"/>
+          </p:cNvSpPr>
+          <p:nvPr>
+            <p:ph type="title"/>
+          </p:nvPr>
+        </p:nvSpPr>
+        <p:spPr>
+          <a:xfrm>
+            <a:off x="0" y="0"/>
+            <a:ext cx="9144000" cy="1268760"/>
+          </a:xfrm>
+          <a:solidFill>
+            <a:schemeClr val="tx2">
+              <a:lumMod val="60000"/>
+              <a:lumOff val="40000"/>
+            </a:schemeClr>
+          </a:solidFill>
+        </p:spPr>
+        <p:txBody>
+          <a:bodyPr>
+            <a:normAutofit/>
+          </a:bodyPr>
+          <a:lstStyle/>
+          <a:p>
+            <a:pPr rtl="0"/>
+            <a:r>
+              <a:rPr lang="en-US" sz="3200" b="1" dirty="0" smtClean="0"/>
+              <a:t>How can VuFind be Improved?</a:t>
+            </a:r>
+            <a:endParaRPr lang="he-IL" sz="3200" b="1" dirty="0"/>
+          </a:p>
+        </p:txBody>
+      </p:sp>
+      <p:sp>
+        <p:nvSpPr>
+          <p:cNvPr id="4" name="מציין מיקום של מספר שקופית 3"/>
+          <p:cNvSpPr>
+            <a:spLocks noGrp="1"/>
+          </p:cNvSpPr>
+          <p:nvPr>
+            <p:ph type="sldNum" sz="quarter" idx="12"/>
+          </p:nvPr>
+        </p:nvSpPr>
+        <p:spPr/>
+        <p:txBody>
+          <a:bodyPr/>
+          <a:lstStyle/>
+          <a:p>
+            <a:fld id="{99A8CB1B-85B5-416B-B838-2C014F74C4F2}" type="slidenum">
+              <a:rPr lang="he-IL" smtClean="0"/>
+              <a:pPr/>
+              <a:t>25</a:t>
+            </a:fld>
+            <a:endParaRPr lang="he-IL"/>
+          </a:p>
+        </p:txBody>
+      </p:sp>
+      <p:sp>
+        <p:nvSpPr>
+          <p:cNvPr id="6" name="Rectangle 3"/>
+          <p:cNvSpPr txBox="1">
+            <a:spLocks noChangeArrowheads="1"/>
+          </p:cNvSpPr>
+          <p:nvPr/>
+        </p:nvSpPr>
+        <p:spPr>
+          <a:xfrm>
+            <a:off x="330200" y="1423410"/>
+            <a:ext cx="8483600" cy="761095"/>
+          </a:xfrm>
+          <a:prstGeom prst="rect">
+            <a:avLst/>
+          </a:prstGeom>
+        </p:spPr>
+        <p:txBody>
+          <a:bodyPr vert="horz" lIns="91440" tIns="45720" rIns="91440" bIns="45720" rtlCol="1">
+            <a:normAutofit/>
+          </a:bodyPr>
+          <a:lstStyle>
+            <a:lvl1pPr marL="342900" indent="-342900" algn="r" defTabSz="914400" rtl="1" eaLnBrk="1" latinLnBrk="0" hangingPunct="1">
+              <a:spcBef>
+                <a:spcPct val="20000"/>
+              </a:spcBef>
+              <a:buFont typeface="Arial" pitchFamily="34" charset="0"/>
+              <a:buChar char="•"/>
+              <a:defRPr sz="3200" kern="1200">
+                <a:solidFill>
+                  <a:schemeClr val="tx1"/>
+                </a:solidFill>
+                <a:latin typeface="+mn-lt"/>
+                <a:ea typeface="+mn-ea"/>
+                <a:cs typeface="+mn-cs"/>
+              </a:defRPr>
+            </a:lvl1pPr>
+            <a:lvl2pPr marL="742950" indent="-285750" algn="r" defTabSz="914400" rtl="1" eaLnBrk="1" latinLnBrk="0" hangingPunct="1">
+              <a:spcBef>
+                <a:spcPct val="20000"/>
+              </a:spcBef>
+              <a:buFont typeface="Arial" pitchFamily="34" charset="0"/>
+              <a:buChar char="–"/>
+              <a:defRPr sz="2800" kern="1200">
+                <a:solidFill>
+                  <a:schemeClr val="tx1"/>
+                </a:solidFill>
+                <a:latin typeface="+mn-lt"/>
+                <a:ea typeface="+mn-ea"/>
+                <a:cs typeface="+mn-cs"/>
+              </a:defRPr>
+            </a:lvl2pPr>
+            <a:lvl3pPr marL="1143000" indent="-228600" algn="r" defTabSz="914400" rtl="1" eaLnBrk="1" latinLnBrk="0" hangingPunct="1">
+              <a:spcBef>
+                <a:spcPct val="20000"/>
+              </a:spcBef>
+              <a:buFont typeface="Arial" pitchFamily="34" charset="0"/>
+              <a:buChar char="•"/>
+              <a:defRPr sz="2400" kern="1200">
+                <a:solidFill>
+                  <a:schemeClr val="tx1"/>
+                </a:solidFill>
+                <a:latin typeface="+mn-lt"/>
+                <a:ea typeface="+mn-ea"/>
+                <a:cs typeface="+mn-cs"/>
+              </a:defRPr>
+            </a:lvl3pPr>
+            <a:lvl4pPr marL="1600200" indent="-228600" algn="r" defTabSz="914400" rtl="1" eaLnBrk="1" latinLnBrk="0" hangingPunct="1">
+              <a:spcBef>
+                <a:spcPct val="20000"/>
+              </a:spcBef>
+              <a:buFont typeface="Arial" pitchFamily="34" charset="0"/>
+              <a:buChar char="–"/>
+              <a:defRPr sz="2000" kern="1200">
+                <a:solidFill>
+                  <a:schemeClr val="tx1"/>
+                </a:solidFill>
+                <a:latin typeface="+mn-lt"/>
+                <a:ea typeface="+mn-ea"/>
+                <a:cs typeface="+mn-cs"/>
+              </a:defRPr>
+            </a:lvl4pPr>
+            <a:lvl5pPr marL="2057400" indent="-228600" algn="r" defTabSz="914400" rtl="1" eaLnBrk="1" latinLnBrk="0" hangingPunct="1">
+              <a:spcBef>
+                <a:spcPct val="20000"/>
+              </a:spcBef>
+              <a:buFont typeface="Arial" pitchFamily="34" charset="0"/>
+              <a:buChar char="»"/>
+              <a:defRPr sz="2000" kern="1200">
+                <a:solidFill>
+                  <a:schemeClr val="tx1"/>
+                </a:solidFill>
+                <a:latin typeface="+mn-lt"/>
+                <a:ea typeface="+mn-ea"/>
+                <a:cs typeface="+mn-cs"/>
+              </a:defRPr>
+            </a:lvl5pPr>
+            <a:lvl6pPr marL="2514600" indent="-228600" algn="r" defTabSz="914400" rtl="1" eaLnBrk="1" latinLnBrk="0" hangingPunct="1">
+              <a:spcBef>
+                <a:spcPct val="20000"/>
+              </a:spcBef>
+              <a:buFont typeface="Arial" pitchFamily="34" charset="0"/>
+              <a:buChar char="•"/>
+              <a:defRPr sz="2000" kern="1200">
+                <a:solidFill>
+                  <a:schemeClr val="tx1"/>
+                </a:solidFill>
+                <a:latin typeface="+mn-lt"/>
+                <a:ea typeface="+mn-ea"/>
+                <a:cs typeface="+mn-cs"/>
+              </a:defRPr>
+            </a:lvl6pPr>
+            <a:lvl7pPr marL="2971800" indent="-228600" algn="r" defTabSz="914400" rtl="1" eaLnBrk="1" latinLnBrk="0" hangingPunct="1">
+              <a:spcBef>
+                <a:spcPct val="20000"/>
+              </a:spcBef>
+              <a:buFont typeface="Arial" pitchFamily="34" charset="0"/>
+              <a:buChar char="•"/>
+              <a:defRPr sz="2000" kern="1200">
+                <a:solidFill>
+                  <a:schemeClr val="tx1"/>
+                </a:solidFill>
+                <a:latin typeface="+mn-lt"/>
+                <a:ea typeface="+mn-ea"/>
+                <a:cs typeface="+mn-cs"/>
+              </a:defRPr>
+            </a:lvl7pPr>
+            <a:lvl8pPr marL="3429000" indent="-228600" algn="r" defTabSz="914400" rtl="1" eaLnBrk="1" latinLnBrk="0" hangingPunct="1">
+              <a:spcBef>
+                <a:spcPct val="20000"/>
+              </a:spcBef>
+              <a:buFont typeface="Arial" pitchFamily="34" charset="0"/>
+              <a:buChar char="•"/>
+              <a:defRPr sz="2000" kern="1200">
+                <a:solidFill>
+                  <a:schemeClr val="tx1"/>
+                </a:solidFill>
+                <a:latin typeface="+mn-lt"/>
+                <a:ea typeface="+mn-ea"/>
+                <a:cs typeface="+mn-cs"/>
+              </a:defRPr>
+            </a:lvl8pPr>
+            <a:lvl9pPr marL="3886200" indent="-228600" algn="r" defTabSz="914400" rtl="1" eaLnBrk="1" latinLnBrk="0" hangingPunct="1">
+              <a:spcBef>
+                <a:spcPct val="20000"/>
+              </a:spcBef>
+              <a:buFont typeface="Arial" pitchFamily="34" charset="0"/>
+              <a:buChar char="•"/>
+              <a:defRPr sz="2000" kern="1200">
+                <a:solidFill>
+                  <a:schemeClr val="tx1"/>
+                </a:solidFill>
+                <a:latin typeface="+mn-lt"/>
+                <a:ea typeface="+mn-ea"/>
+                <a:cs typeface="+mn-cs"/>
+              </a:defRPr>
+            </a:lvl9pPr>
+          </a:lstStyle>
+          <a:p>
+            <a:pPr marL="0" indent="0" algn="just" rtl="0">
+              <a:buNone/>
+            </a:pPr>
+            <a:endParaRPr lang="en-US" dirty="0" smtClean="0"/>
+          </a:p>
+        </p:txBody>
+      </p:sp>
+      <p:sp>
+        <p:nvSpPr>
+          <p:cNvPr id="7" name="Rectangle 3"/>
+          <p:cNvSpPr txBox="1">
+            <a:spLocks noChangeArrowheads="1"/>
+          </p:cNvSpPr>
+          <p:nvPr/>
+        </p:nvSpPr>
+        <p:spPr>
+          <a:xfrm>
+            <a:off x="299866" y="2199370"/>
+            <a:ext cx="8483600" cy="1263977"/>
+          </a:xfrm>
+          <a:prstGeom prst="rect">
+            <a:avLst/>
+          </a:prstGeom>
+        </p:spPr>
+        <p:txBody>
+          <a:bodyPr vert="horz" lIns="91440" tIns="45720" rIns="91440" bIns="45720" rtlCol="1">
+            <a:normAutofit/>
+          </a:bodyPr>
+          <a:lstStyle>
+            <a:lvl1pPr marL="342900" indent="-342900" algn="r" defTabSz="914400" rtl="1" eaLnBrk="1" latinLnBrk="0" hangingPunct="1">
+              <a:spcBef>
+                <a:spcPct val="20000"/>
+              </a:spcBef>
+              <a:buFont typeface="Arial" pitchFamily="34" charset="0"/>
+              <a:buChar char="•"/>
+              <a:defRPr sz="3200" kern="1200">
+                <a:solidFill>
+                  <a:schemeClr val="tx1"/>
+                </a:solidFill>
+                <a:latin typeface="+mn-lt"/>
+                <a:ea typeface="+mn-ea"/>
+                <a:cs typeface="+mn-cs"/>
+              </a:defRPr>
+            </a:lvl1pPr>
+            <a:lvl2pPr marL="742950" indent="-285750" algn="r" defTabSz="914400" rtl="1" eaLnBrk="1" latinLnBrk="0" hangingPunct="1">
+              <a:spcBef>
+                <a:spcPct val="20000"/>
+              </a:spcBef>
+              <a:buFont typeface="Arial" pitchFamily="34" charset="0"/>
+              <a:buChar char="–"/>
+              <a:defRPr sz="2800" kern="1200">
+                <a:solidFill>
+                  <a:schemeClr val="tx1"/>
+                </a:solidFill>
+                <a:latin typeface="+mn-lt"/>
+                <a:ea typeface="+mn-ea"/>
+                <a:cs typeface="+mn-cs"/>
+              </a:defRPr>
+            </a:lvl2pPr>
+            <a:lvl3pPr marL="1143000" indent="-228600" algn="r" defTabSz="914400" rtl="1" eaLnBrk="1" latinLnBrk="0" hangingPunct="1">
+              <a:spcBef>
+                <a:spcPct val="20000"/>
+              </a:spcBef>
+              <a:buFont typeface="Arial" pitchFamily="34" charset="0"/>
+              <a:buChar char="•"/>
+              <a:defRPr sz="2400" kern="1200">
+                <a:solidFill>
+                  <a:schemeClr val="tx1"/>
+                </a:solidFill>
+                <a:latin typeface="+mn-lt"/>
+                <a:ea typeface="+mn-ea"/>
+                <a:cs typeface="+mn-cs"/>
+              </a:defRPr>
+            </a:lvl3pPr>
+            <a:lvl4pPr marL="1600200" indent="-228600" algn="r" defTabSz="914400" rtl="1" eaLnBrk="1" latinLnBrk="0" hangingPunct="1">
+              <a:spcBef>
+                <a:spcPct val="20000"/>
+              </a:spcBef>
+              <a:buFont typeface="Arial" pitchFamily="34" charset="0"/>
+              <a:buChar char="–"/>
+              <a:defRPr sz="2000" kern="1200">
+                <a:solidFill>
+                  <a:schemeClr val="tx1"/>
+                </a:solidFill>
+                <a:latin typeface="+mn-lt"/>
+                <a:ea typeface="+mn-ea"/>
+                <a:cs typeface="+mn-cs"/>
+              </a:defRPr>
+            </a:lvl4pPr>
+            <a:lvl5pPr marL="2057400" indent="-228600" algn="r" defTabSz="914400" rtl="1" eaLnBrk="1" latinLnBrk="0" hangingPunct="1">
+              <a:spcBef>
+                <a:spcPct val="20000"/>
+              </a:spcBef>
+              <a:buFont typeface="Arial" pitchFamily="34" charset="0"/>
+              <a:buChar char="»"/>
+              <a:defRPr sz="2000" kern="1200">
+                <a:solidFill>
+                  <a:schemeClr val="tx1"/>
+                </a:solidFill>
+                <a:latin typeface="+mn-lt"/>
+                <a:ea typeface="+mn-ea"/>
+                <a:cs typeface="+mn-cs"/>
+              </a:defRPr>
+            </a:lvl5pPr>
+            <a:lvl6pPr marL="2514600" indent="-228600" algn="r" defTabSz="914400" rtl="1" eaLnBrk="1" latinLnBrk="0" hangingPunct="1">
+              <a:spcBef>
+                <a:spcPct val="20000"/>
+              </a:spcBef>
+              <a:buFont typeface="Arial" pitchFamily="34" charset="0"/>
+              <a:buChar char="•"/>
+              <a:defRPr sz="2000" kern="1200">
+                <a:solidFill>
+                  <a:schemeClr val="tx1"/>
+                </a:solidFill>
+                <a:latin typeface="+mn-lt"/>
+                <a:ea typeface="+mn-ea"/>
+                <a:cs typeface="+mn-cs"/>
+              </a:defRPr>
+            </a:lvl6pPr>
+            <a:lvl7pPr marL="2971800" indent="-228600" algn="r" defTabSz="914400" rtl="1" eaLnBrk="1" latinLnBrk="0" hangingPunct="1">
+              <a:spcBef>
+                <a:spcPct val="20000"/>
+              </a:spcBef>
+              <a:buFont typeface="Arial" pitchFamily="34" charset="0"/>
+              <a:buChar char="•"/>
+              <a:defRPr sz="2000" kern="1200">
+                <a:solidFill>
+                  <a:schemeClr val="tx1"/>
+                </a:solidFill>
+                <a:latin typeface="+mn-lt"/>
+                <a:ea typeface="+mn-ea"/>
+                <a:cs typeface="+mn-cs"/>
+              </a:defRPr>
+            </a:lvl7pPr>
+            <a:lvl8pPr marL="3429000" indent="-228600" algn="r" defTabSz="914400" rtl="1" eaLnBrk="1" latinLnBrk="0" hangingPunct="1">
+              <a:spcBef>
+                <a:spcPct val="20000"/>
+              </a:spcBef>
+              <a:buFont typeface="Arial" pitchFamily="34" charset="0"/>
+              <a:buChar char="•"/>
+              <a:defRPr sz="2000" kern="1200">
+                <a:solidFill>
+                  <a:schemeClr val="tx1"/>
+                </a:solidFill>
+                <a:latin typeface="+mn-lt"/>
+                <a:ea typeface="+mn-ea"/>
+                <a:cs typeface="+mn-cs"/>
+              </a:defRPr>
+            </a:lvl8pPr>
+            <a:lvl9pPr marL="3886200" indent="-228600" algn="r" defTabSz="914400" rtl="1" eaLnBrk="1" latinLnBrk="0" hangingPunct="1">
+              <a:spcBef>
+                <a:spcPct val="20000"/>
+              </a:spcBef>
+              <a:buFont typeface="Arial" pitchFamily="34" charset="0"/>
+              <a:buChar char="•"/>
+              <a:defRPr sz="2000" kern="1200">
+                <a:solidFill>
+                  <a:schemeClr val="tx1"/>
+                </a:solidFill>
+                <a:latin typeface="+mn-lt"/>
+                <a:ea typeface="+mn-ea"/>
+                <a:cs typeface="+mn-cs"/>
+              </a:defRPr>
+            </a:lvl9pPr>
+          </a:lstStyle>
+          <a:p>
+            <a:pPr marL="0" indent="0" algn="l" rtl="0">
+              <a:buNone/>
+            </a:pPr>
+            <a:endParaRPr lang="en-US" b="1" dirty="0" smtClean="0"/>
+          </a:p>
+        </p:txBody>
+      </p:sp>
+      <p:sp>
+        <p:nvSpPr>
+          <p:cNvPr id="10" name="Rectangle 3"/>
+          <p:cNvSpPr txBox="1">
+            <a:spLocks noChangeArrowheads="1"/>
+          </p:cNvSpPr>
+          <p:nvPr/>
+        </p:nvSpPr>
+        <p:spPr>
+          <a:xfrm>
+            <a:off x="299866" y="1573619"/>
+            <a:ext cx="8483600" cy="761095"/>
+          </a:xfrm>
+          <a:prstGeom prst="rect">
+            <a:avLst/>
+          </a:prstGeom>
+        </p:spPr>
+        <p:txBody>
+          <a:bodyPr vert="horz" lIns="91440" tIns="45720" rIns="91440" bIns="45720" rtlCol="1">
+            <a:normAutofit/>
+          </a:bodyPr>
+          <a:lstStyle>
+            <a:lvl1pPr marL="342900" indent="-342900" algn="r" defTabSz="914400" rtl="1" eaLnBrk="1" latinLnBrk="0" hangingPunct="1">
+              <a:spcBef>
+                <a:spcPct val="20000"/>
+              </a:spcBef>
+              <a:buFont typeface="Arial" pitchFamily="34" charset="0"/>
+              <a:buChar char="•"/>
+              <a:defRPr sz="3200" kern="1200">
+                <a:solidFill>
+                  <a:schemeClr val="tx1"/>
+                </a:solidFill>
+                <a:latin typeface="+mn-lt"/>
+                <a:ea typeface="+mn-ea"/>
+                <a:cs typeface="+mn-cs"/>
+              </a:defRPr>
+            </a:lvl1pPr>
+            <a:lvl2pPr marL="742950" indent="-285750" algn="r" defTabSz="914400" rtl="1" eaLnBrk="1" latinLnBrk="0" hangingPunct="1">
+              <a:spcBef>
+                <a:spcPct val="20000"/>
+              </a:spcBef>
+              <a:buFont typeface="Arial" pitchFamily="34" charset="0"/>
+              <a:buChar char="–"/>
+              <a:defRPr sz="2800" kern="1200">
+                <a:solidFill>
+                  <a:schemeClr val="tx1"/>
+                </a:solidFill>
+                <a:latin typeface="+mn-lt"/>
+                <a:ea typeface="+mn-ea"/>
+                <a:cs typeface="+mn-cs"/>
+              </a:defRPr>
+            </a:lvl2pPr>
+            <a:lvl3pPr marL="1143000" indent="-228600" algn="r" defTabSz="914400" rtl="1" eaLnBrk="1" latinLnBrk="0" hangingPunct="1">
+              <a:spcBef>
+                <a:spcPct val="20000"/>
+              </a:spcBef>
+              <a:buFont typeface="Arial" pitchFamily="34" charset="0"/>
+              <a:buChar char="•"/>
+              <a:defRPr sz="2400" kern="1200">
+                <a:solidFill>
+                  <a:schemeClr val="tx1"/>
+                </a:solidFill>
+                <a:latin typeface="+mn-lt"/>
+                <a:ea typeface="+mn-ea"/>
+                <a:cs typeface="+mn-cs"/>
+              </a:defRPr>
+            </a:lvl3pPr>
+            <a:lvl4pPr marL="1600200" indent="-228600" algn="r" defTabSz="914400" rtl="1" eaLnBrk="1" latinLnBrk="0" hangingPunct="1">
+              <a:spcBef>
+                <a:spcPct val="20000"/>
+              </a:spcBef>
+              <a:buFont typeface="Arial" pitchFamily="34" charset="0"/>
+              <a:buChar char="–"/>
+              <a:defRPr sz="2000" kern="1200">
+                <a:solidFill>
+                  <a:schemeClr val="tx1"/>
+                </a:solidFill>
+                <a:latin typeface="+mn-lt"/>
+                <a:ea typeface="+mn-ea"/>
+                <a:cs typeface="+mn-cs"/>
+              </a:defRPr>
+            </a:lvl4pPr>
+            <a:lvl5pPr marL="2057400" indent="-228600" algn="r" defTabSz="914400" rtl="1" eaLnBrk="1" latinLnBrk="0" hangingPunct="1">
+              <a:spcBef>
+                <a:spcPct val="20000"/>
+              </a:spcBef>
+              <a:buFont typeface="Arial" pitchFamily="34" charset="0"/>
+              <a:buChar char="»"/>
+              <a:defRPr sz="2000" kern="1200">
+                <a:solidFill>
+                  <a:schemeClr val="tx1"/>
+                </a:solidFill>
+                <a:latin typeface="+mn-lt"/>
+                <a:ea typeface="+mn-ea"/>
+                <a:cs typeface="+mn-cs"/>
+              </a:defRPr>
+            </a:lvl5pPr>
+            <a:lvl6pPr marL="2514600" indent="-228600" algn="r" defTabSz="914400" rtl="1" eaLnBrk="1" latinLnBrk="0" hangingPunct="1">
+              <a:spcBef>
+                <a:spcPct val="20000"/>
+              </a:spcBef>
+              <a:buFont typeface="Arial" pitchFamily="34" charset="0"/>
+              <a:buChar char="•"/>
+              <a:defRPr sz="2000" kern="1200">
+                <a:solidFill>
+                  <a:schemeClr val="tx1"/>
+                </a:solidFill>
+                <a:latin typeface="+mn-lt"/>
+                <a:ea typeface="+mn-ea"/>
+                <a:cs typeface="+mn-cs"/>
+              </a:defRPr>
+            </a:lvl6pPr>
+            <a:lvl7pPr marL="2971800" indent="-228600" algn="r" defTabSz="914400" rtl="1" eaLnBrk="1" latinLnBrk="0" hangingPunct="1">
+              <a:spcBef>
+                <a:spcPct val="20000"/>
+              </a:spcBef>
+              <a:buFont typeface="Arial" pitchFamily="34" charset="0"/>
+              <a:buChar char="•"/>
+              <a:defRPr sz="2000" kern="1200">
+                <a:solidFill>
+                  <a:schemeClr val="tx1"/>
+                </a:solidFill>
+                <a:latin typeface="+mn-lt"/>
+                <a:ea typeface="+mn-ea"/>
+                <a:cs typeface="+mn-cs"/>
+              </a:defRPr>
+            </a:lvl7pPr>
+            <a:lvl8pPr marL="3429000" indent="-228600" algn="r" defTabSz="914400" rtl="1" eaLnBrk="1" latinLnBrk="0" hangingPunct="1">
+              <a:spcBef>
+                <a:spcPct val="20000"/>
+              </a:spcBef>
+              <a:buFont typeface="Arial" pitchFamily="34" charset="0"/>
+              <a:buChar char="•"/>
+              <a:defRPr sz="2000" kern="1200">
+                <a:solidFill>
+                  <a:schemeClr val="tx1"/>
+                </a:solidFill>
+                <a:latin typeface="+mn-lt"/>
+                <a:ea typeface="+mn-ea"/>
+                <a:cs typeface="+mn-cs"/>
+              </a:defRPr>
+            </a:lvl8pPr>
+            <a:lvl9pPr marL="3886200" indent="-228600" algn="r" defTabSz="914400" rtl="1" eaLnBrk="1" latinLnBrk="0" hangingPunct="1">
+              <a:spcBef>
+                <a:spcPct val="20000"/>
+              </a:spcBef>
+              <a:buFont typeface="Arial" pitchFamily="34" charset="0"/>
+              <a:buChar char="•"/>
+              <a:defRPr sz="2000" kern="1200">
+                <a:solidFill>
+                  <a:schemeClr val="tx1"/>
+                </a:solidFill>
+                <a:latin typeface="+mn-lt"/>
+                <a:ea typeface="+mn-ea"/>
+                <a:cs typeface="+mn-cs"/>
+              </a:defRPr>
+            </a:lvl9pPr>
+          </a:lstStyle>
+          <a:p>
+            <a:pPr algn="just" rtl="0"/>
+            <a:endParaRPr lang="en-US" dirty="0" smtClean="0"/>
+          </a:p>
+        </p:txBody>
+      </p:sp>
+      <p:sp>
+        <p:nvSpPr>
           <p:cNvPr id="11" name="Rectangle 3"/>
           <p:cNvSpPr txBox="1">
             <a:spLocks noChangeArrowheads="1"/>
@@ -39581,12 +39895,12 @@
               <a:t>had to be </a:t>
             </a:r>
             <a:r>
-              <a:rPr lang="en-US" i="1" dirty="0" err="1"/>
-              <a:t>reimplemented</a:t>
+              <a:rPr lang="en-US" i="1" dirty="0" smtClean="0"/>
+              <a:t>re-implemented </a:t>
             </a:r>
             <a:r>
               <a:rPr lang="en-US" i="1" dirty="0"/>
-              <a:t> on a more robust </a:t>
+              <a:t>on a more robust </a:t>
             </a:r>
             <a:r>
               <a:rPr lang="en-US" i="1" dirty="0" smtClean="0"/>
@@ -40463,7 +40777,7 @@
 </p:sld>
 </file>
 
-<file path=ppt/slides/slide24.xml><?xml version="1.0" encoding="utf-8"?>
+<file path=ppt/slides/slide26.xml><?xml version="1.0" encoding="utf-8"?>
 <p:sld xmlns:a="http://schemas.openxmlformats.org/drawingml/2006/main" xmlns:r="http://schemas.openxmlformats.org/officeDocument/2006/relationships" xmlns:p="http://schemas.openxmlformats.org/presentationml/2006/main" show="0">
   <p:cSld>
     <p:spTree>
@@ -40535,7 +40849,7 @@
             <a:fld id="{99A8CB1B-85B5-416B-B838-2C014F74C4F2}" type="slidenum">
               <a:rPr lang="he-IL" smtClean="0"/>
               <a:pPr/>
-              <a:t>24</a:t>
+              <a:t>26</a:t>
             </a:fld>
             <a:endParaRPr lang="he-IL"/>
           </a:p>
@@ -43381,7 +43695,7 @@
 </p:sld>
 </file>
 
-<file path=ppt/slides/slide25.xml><?xml version="1.0" encoding="utf-8"?>
+<file path=ppt/slides/slide27.xml><?xml version="1.0" encoding="utf-8"?>
 <p:sld xmlns:a="http://schemas.openxmlformats.org/drawingml/2006/main" xmlns:r="http://schemas.openxmlformats.org/officeDocument/2006/relationships" xmlns:p="http://schemas.openxmlformats.org/presentationml/2006/main" show="0">
   <p:cSld>
     <p:spTree>
@@ -43453,7 +43767,7 @@
             <a:fld id="{99A8CB1B-85B5-416B-B838-2C014F74C4F2}" type="slidenum">
               <a:rPr lang="he-IL" smtClean="0"/>
               <a:pPr/>
-              <a:t>25</a:t>
+              <a:t>27</a:t>
             </a:fld>
             <a:endParaRPr lang="he-IL"/>
           </a:p>
@@ -44813,7 +45127,7 @@
 </p:sld>
 </file>
 
-<file path=ppt/slides/slide26.xml><?xml version="1.0" encoding="utf-8"?>
+<file path=ppt/slides/slide28.xml><?xml version="1.0" encoding="utf-8"?>
 <p:sld xmlns:a="http://schemas.openxmlformats.org/drawingml/2006/main" xmlns:r="http://schemas.openxmlformats.org/officeDocument/2006/relationships" xmlns:p="http://schemas.openxmlformats.org/presentationml/2006/main" show="0">
   <p:cSld>
     <p:spTree>
@@ -44885,7 +45199,7 @@
             <a:fld id="{99A8CB1B-85B5-416B-B838-2C014F74C4F2}" type="slidenum">
               <a:rPr lang="he-IL" smtClean="0"/>
               <a:pPr/>
-              <a:t>26</a:t>
+              <a:t>28</a:t>
             </a:fld>
             <a:endParaRPr lang="he-IL"/>
           </a:p>
@@ -46361,7 +46675,7 @@
 </p:sld>
 </file>
 
-<file path=ppt/slides/slide27.xml><?xml version="1.0" encoding="utf-8"?>
+<file path=ppt/slides/slide29.xml><?xml version="1.0" encoding="utf-8"?>
 <p:sld xmlns:a="http://schemas.openxmlformats.org/drawingml/2006/main" xmlns:r="http://schemas.openxmlformats.org/officeDocument/2006/relationships" xmlns:p="http://schemas.openxmlformats.org/presentationml/2006/main" show="0">
   <p:cSld>
     <p:spTree>
@@ -46433,7 +46747,7 @@
             <a:fld id="{99A8CB1B-85B5-416B-B838-2C014F74C4F2}" type="slidenum">
               <a:rPr lang="he-IL" smtClean="0"/>
               <a:pPr/>
-              <a:t>27</a:t>
+              <a:t>29</a:t>
             </a:fld>
             <a:endParaRPr lang="he-IL"/>
           </a:p>
@@ -47477,7 +47791,7 @@
 </p:sld>
 </file>
 
-<file path=ppt/slides/slide28.xml><?xml version="1.0" encoding="utf-8"?>
+<file path=ppt/slides/slide3.xml><?xml version="1.0" encoding="utf-8"?>
 <p:sld xmlns:a="http://schemas.openxmlformats.org/drawingml/2006/main" xmlns:r="http://schemas.openxmlformats.org/officeDocument/2006/relationships" xmlns:p="http://schemas.openxmlformats.org/presentationml/2006/main" show="0">
   <p:cSld>
     <p:spTree>
@@ -47522,6 +47836,136 @@
           </a:bodyPr>
           <a:lstStyle/>
           <a:p>
+            <a:pPr algn="ctr" rtl="0"/>
+            <a:r>
+              <a:rPr lang="en-US" sz="3200" b="1" dirty="0" smtClean="0"/>
+              <a:t>HU Customized VuFind</a:t>
+            </a:r>
+            <a:endParaRPr lang="he-IL" sz="3200" b="1" i="1" dirty="0"/>
+          </a:p>
+        </p:txBody>
+      </p:sp>
+      <p:sp>
+        <p:nvSpPr>
+          <p:cNvPr id="4" name="מציין מיקום של מספר שקופית 3"/>
+          <p:cNvSpPr>
+            <a:spLocks noGrp="1"/>
+          </p:cNvSpPr>
+          <p:nvPr>
+            <p:ph type="sldNum" sz="quarter" idx="12"/>
+          </p:nvPr>
+        </p:nvSpPr>
+        <p:spPr/>
+        <p:txBody>
+          <a:bodyPr/>
+          <a:lstStyle/>
+          <a:p>
+            <a:fld id="{99A8CB1B-85B5-416B-B838-2C014F74C4F2}" type="slidenum">
+              <a:rPr lang="he-IL" smtClean="0"/>
+              <a:pPr/>
+              <a:t>3</a:t>
+            </a:fld>
+            <a:endParaRPr lang="he-IL"/>
+          </a:p>
+        </p:txBody>
+      </p:sp>
+      <p:pic>
+        <p:nvPicPr>
+          <p:cNvPr id="3" name="Picture 2"/>
+          <p:cNvPicPr>
+            <a:picLocks noChangeAspect="1"/>
+          </p:cNvPicPr>
+          <p:nvPr/>
+        </p:nvPicPr>
+        <p:blipFill>
+          <a:blip r:embed="rId3"/>
+          <a:stretch>
+            <a:fillRect/>
+          </a:stretch>
+        </p:blipFill>
+        <p:spPr>
+          <a:xfrm>
+            <a:off x="95250" y="1988840"/>
+            <a:ext cx="8953500" cy="4367510"/>
+          </a:xfrm>
+          <a:prstGeom prst="rect">
+            <a:avLst/>
+          </a:prstGeom>
+        </p:spPr>
+      </p:pic>
+    </p:spTree>
+    <p:extLst>
+      <p:ext uri="{BB962C8B-B14F-4D97-AF65-F5344CB8AC3E}">
+        <p14:creationId xmlns:p14="http://schemas.microsoft.com/office/powerpoint/2010/main" val="2263124208"/>
+      </p:ext>
+    </p:extLst>
+  </p:cSld>
+  <p:clrMapOvr>
+    <a:masterClrMapping/>
+  </p:clrMapOvr>
+  <mc:AlternateContent xmlns:mc="http://schemas.openxmlformats.org/markup-compatibility/2006">
+    <mc:Choice xmlns:p14="http://schemas.microsoft.com/office/powerpoint/2010/main" Requires="p14">
+      <p:transition spd="slow" p14:dur="2000"/>
+    </mc:Choice>
+    <mc:Fallback>
+      <p:transition spd="slow"/>
+    </mc:Fallback>
+  </mc:AlternateContent>
+  <p:timing>
+    <p:tnLst>
+      <p:par>
+        <p:cTn id="1" dur="indefinite" restart="never" nodeType="tmRoot"/>
+      </p:par>
+    </p:tnLst>
+  </p:timing>
+</p:sld>
+</file>
+
+<file path=ppt/slides/slide30.xml><?xml version="1.0" encoding="utf-8"?>
+<p:sld xmlns:a="http://schemas.openxmlformats.org/drawingml/2006/main" xmlns:r="http://schemas.openxmlformats.org/officeDocument/2006/relationships" xmlns:p="http://schemas.openxmlformats.org/presentationml/2006/main" show="0">
+  <p:cSld>
+    <p:spTree>
+      <p:nvGrpSpPr>
+        <p:cNvPr id="1" name=""/>
+        <p:cNvGrpSpPr/>
+        <p:nvPr/>
+      </p:nvGrpSpPr>
+      <p:grpSpPr>
+        <a:xfrm>
+          <a:off x="0" y="0"/>
+          <a:ext cx="0" cy="0"/>
+          <a:chOff x="0" y="0"/>
+          <a:chExt cx="0" cy="0"/>
+        </a:xfrm>
+      </p:grpSpPr>
+      <p:sp>
+        <p:nvSpPr>
+          <p:cNvPr id="2" name="כותרת 1"/>
+          <p:cNvSpPr>
+            <a:spLocks noGrp="1"/>
+          </p:cNvSpPr>
+          <p:nvPr>
+            <p:ph type="title"/>
+          </p:nvPr>
+        </p:nvSpPr>
+        <p:spPr>
+          <a:xfrm>
+            <a:off x="0" y="0"/>
+            <a:ext cx="9144000" cy="1268760"/>
+          </a:xfrm>
+          <a:solidFill>
+            <a:schemeClr val="tx2">
+              <a:lumMod val="60000"/>
+              <a:lumOff val="40000"/>
+            </a:schemeClr>
+          </a:solidFill>
+        </p:spPr>
+        <p:txBody>
+          <a:bodyPr>
+            <a:normAutofit/>
+          </a:bodyPr>
+          <a:lstStyle/>
+          <a:p>
             <a:pPr rtl="0"/>
             <a:r>
               <a:rPr lang="en-US" sz="3200" b="1" dirty="0" smtClean="0"/>
@@ -47549,7 +47993,7 @@
             <a:fld id="{99A8CB1B-85B5-416B-B838-2C014F74C4F2}" type="slidenum">
               <a:rPr lang="he-IL" smtClean="0"/>
               <a:pPr/>
-              <a:t>28</a:t>
+              <a:t>30</a:t>
             </a:fld>
             <a:endParaRPr lang="he-IL"/>
           </a:p>
@@ -48494,7 +48938,7 @@
 </p:sld>
 </file>
 
-<file path=ppt/slides/slide29.xml><?xml version="1.0" encoding="utf-8"?>
+<file path=ppt/slides/slide31.xml><?xml version="1.0" encoding="utf-8"?>
 <p:sld xmlns:a="http://schemas.openxmlformats.org/drawingml/2006/main" xmlns:r="http://schemas.openxmlformats.org/officeDocument/2006/relationships" xmlns:p="http://schemas.openxmlformats.org/presentationml/2006/main" showMasterSp="0">
   <p:cSld>
     <p:spTree>
@@ -48529,7 +48973,7 @@
             <a:fld id="{99A8CB1B-85B5-416B-B838-2C014F74C4F2}" type="slidenum">
               <a:rPr lang="he-IL" smtClean="0"/>
               <a:pPr/>
-              <a:t>29</a:t>
+              <a:t>31</a:t>
             </a:fld>
             <a:endParaRPr lang="he-IL"/>
           </a:p>
@@ -48703,354 +49147,6 @@
 </p:sld>
 </file>
 
-<file path=ppt/slides/slide3.xml><?xml version="1.0" encoding="utf-8"?>
-<p:sld xmlns:a="http://schemas.openxmlformats.org/drawingml/2006/main" xmlns:r="http://schemas.openxmlformats.org/officeDocument/2006/relationships" xmlns:p="http://schemas.openxmlformats.org/presentationml/2006/main" show="0">
-  <p:cSld>
-    <p:spTree>
-      <p:nvGrpSpPr>
-        <p:cNvPr id="1" name=""/>
-        <p:cNvGrpSpPr/>
-        <p:nvPr/>
-      </p:nvGrpSpPr>
-      <p:grpSpPr>
-        <a:xfrm>
-          <a:off x="0" y="0"/>
-          <a:ext cx="0" cy="0"/>
-          <a:chOff x="0" y="0"/>
-          <a:chExt cx="0" cy="0"/>
-        </a:xfrm>
-      </p:grpSpPr>
-      <p:sp>
-        <p:nvSpPr>
-          <p:cNvPr id="2" name="כותרת 1"/>
-          <p:cNvSpPr>
-            <a:spLocks noGrp="1"/>
-          </p:cNvSpPr>
-          <p:nvPr>
-            <p:ph type="title"/>
-          </p:nvPr>
-        </p:nvSpPr>
-        <p:spPr>
-          <a:xfrm>
-            <a:off x="0" y="0"/>
-            <a:ext cx="9144000" cy="1268760"/>
-          </a:xfrm>
-          <a:solidFill>
-            <a:schemeClr val="tx2">
-              <a:lumMod val="60000"/>
-              <a:lumOff val="40000"/>
-            </a:schemeClr>
-          </a:solidFill>
-        </p:spPr>
-        <p:txBody>
-          <a:bodyPr>
-            <a:normAutofit/>
-          </a:bodyPr>
-          <a:lstStyle/>
-          <a:p>
-            <a:pPr algn="ctr" rtl="0"/>
-            <a:r>
-              <a:rPr lang="en-US" sz="3200" b="1" dirty="0" smtClean="0"/>
-              <a:t>VuFind Introduction</a:t>
-            </a:r>
-            <a:endParaRPr lang="he-IL" sz="3200" b="1" dirty="0"/>
-          </a:p>
-        </p:txBody>
-      </p:sp>
-      <p:sp>
-        <p:nvSpPr>
-          <p:cNvPr id="4" name="מציין מיקום של מספר שקופית 3"/>
-          <p:cNvSpPr>
-            <a:spLocks noGrp="1"/>
-          </p:cNvSpPr>
-          <p:nvPr>
-            <p:ph type="sldNum" sz="quarter" idx="12"/>
-          </p:nvPr>
-        </p:nvSpPr>
-        <p:spPr/>
-        <p:txBody>
-          <a:bodyPr/>
-          <a:lstStyle/>
-          <a:p>
-            <a:fld id="{99A8CB1B-85B5-416B-B838-2C014F74C4F2}" type="slidenum">
-              <a:rPr lang="he-IL" smtClean="0"/>
-              <a:pPr/>
-              <a:t>3</a:t>
-            </a:fld>
-            <a:endParaRPr lang="he-IL"/>
-          </a:p>
-        </p:txBody>
-      </p:sp>
-      <p:sp>
-        <p:nvSpPr>
-          <p:cNvPr id="5" name="Rectangle 3"/>
-          <p:cNvSpPr txBox="1">
-            <a:spLocks noChangeArrowheads="1"/>
-          </p:cNvSpPr>
-          <p:nvPr/>
-        </p:nvSpPr>
-        <p:spPr>
-          <a:xfrm>
-            <a:off x="330200" y="1412776"/>
-            <a:ext cx="8483600" cy="3430885"/>
-          </a:xfrm>
-          <a:prstGeom prst="rect">
-            <a:avLst/>
-          </a:prstGeom>
-        </p:spPr>
-        <p:txBody>
-          <a:bodyPr vert="horz" lIns="91440" tIns="45720" rIns="91440" bIns="45720" rtlCol="1">
-            <a:normAutofit/>
-          </a:bodyPr>
-          <a:lstStyle>
-            <a:lvl1pPr marL="342900" indent="-342900" algn="r" defTabSz="914400" rtl="1" eaLnBrk="1" latinLnBrk="0" hangingPunct="1">
-              <a:spcBef>
-                <a:spcPct val="20000"/>
-              </a:spcBef>
-              <a:buFont typeface="Arial" pitchFamily="34" charset="0"/>
-              <a:buChar char="•"/>
-              <a:defRPr sz="3200" kern="1200">
-                <a:solidFill>
-                  <a:schemeClr val="tx1"/>
-                </a:solidFill>
-                <a:latin typeface="+mn-lt"/>
-                <a:ea typeface="+mn-ea"/>
-                <a:cs typeface="+mn-cs"/>
-              </a:defRPr>
-            </a:lvl1pPr>
-            <a:lvl2pPr marL="742950" indent="-285750" algn="r" defTabSz="914400" rtl="1" eaLnBrk="1" latinLnBrk="0" hangingPunct="1">
-              <a:spcBef>
-                <a:spcPct val="20000"/>
-              </a:spcBef>
-              <a:buFont typeface="Arial" pitchFamily="34" charset="0"/>
-              <a:buChar char="–"/>
-              <a:defRPr sz="2800" kern="1200">
-                <a:solidFill>
-                  <a:schemeClr val="tx1"/>
-                </a:solidFill>
-                <a:latin typeface="+mn-lt"/>
-                <a:ea typeface="+mn-ea"/>
-                <a:cs typeface="+mn-cs"/>
-              </a:defRPr>
-            </a:lvl2pPr>
-            <a:lvl3pPr marL="1143000" indent="-228600" algn="r" defTabSz="914400" rtl="1" eaLnBrk="1" latinLnBrk="0" hangingPunct="1">
-              <a:spcBef>
-                <a:spcPct val="20000"/>
-              </a:spcBef>
-              <a:buFont typeface="Arial" pitchFamily="34" charset="0"/>
-              <a:buChar char="•"/>
-              <a:defRPr sz="2400" kern="1200">
-                <a:solidFill>
-                  <a:schemeClr val="tx1"/>
-                </a:solidFill>
-                <a:latin typeface="+mn-lt"/>
-                <a:ea typeface="+mn-ea"/>
-                <a:cs typeface="+mn-cs"/>
-              </a:defRPr>
-            </a:lvl3pPr>
-            <a:lvl4pPr marL="1600200" indent="-228600" algn="r" defTabSz="914400" rtl="1" eaLnBrk="1" latinLnBrk="0" hangingPunct="1">
-              <a:spcBef>
-                <a:spcPct val="20000"/>
-              </a:spcBef>
-              <a:buFont typeface="Arial" pitchFamily="34" charset="0"/>
-              <a:buChar char="–"/>
-              <a:defRPr sz="2000" kern="1200">
-                <a:solidFill>
-                  <a:schemeClr val="tx1"/>
-                </a:solidFill>
-                <a:latin typeface="+mn-lt"/>
-                <a:ea typeface="+mn-ea"/>
-                <a:cs typeface="+mn-cs"/>
-              </a:defRPr>
-            </a:lvl4pPr>
-            <a:lvl5pPr marL="2057400" indent="-228600" algn="r" defTabSz="914400" rtl="1" eaLnBrk="1" latinLnBrk="0" hangingPunct="1">
-              <a:spcBef>
-                <a:spcPct val="20000"/>
-              </a:spcBef>
-              <a:buFont typeface="Arial" pitchFamily="34" charset="0"/>
-              <a:buChar char="»"/>
-              <a:defRPr sz="2000" kern="1200">
-                <a:solidFill>
-                  <a:schemeClr val="tx1"/>
-                </a:solidFill>
-                <a:latin typeface="+mn-lt"/>
-                <a:ea typeface="+mn-ea"/>
-                <a:cs typeface="+mn-cs"/>
-              </a:defRPr>
-            </a:lvl5pPr>
-            <a:lvl6pPr marL="2514600" indent="-228600" algn="r" defTabSz="914400" rtl="1" eaLnBrk="1" latinLnBrk="0" hangingPunct="1">
-              <a:spcBef>
-                <a:spcPct val="20000"/>
-              </a:spcBef>
-              <a:buFont typeface="Arial" pitchFamily="34" charset="0"/>
-              <a:buChar char="•"/>
-              <a:defRPr sz="2000" kern="1200">
-                <a:solidFill>
-                  <a:schemeClr val="tx1"/>
-                </a:solidFill>
-                <a:latin typeface="+mn-lt"/>
-                <a:ea typeface="+mn-ea"/>
-                <a:cs typeface="+mn-cs"/>
-              </a:defRPr>
-            </a:lvl6pPr>
-            <a:lvl7pPr marL="2971800" indent="-228600" algn="r" defTabSz="914400" rtl="1" eaLnBrk="1" latinLnBrk="0" hangingPunct="1">
-              <a:spcBef>
-                <a:spcPct val="20000"/>
-              </a:spcBef>
-              <a:buFont typeface="Arial" pitchFamily="34" charset="0"/>
-              <a:buChar char="•"/>
-              <a:defRPr sz="2000" kern="1200">
-                <a:solidFill>
-                  <a:schemeClr val="tx1"/>
-                </a:solidFill>
-                <a:latin typeface="+mn-lt"/>
-                <a:ea typeface="+mn-ea"/>
-                <a:cs typeface="+mn-cs"/>
-              </a:defRPr>
-            </a:lvl7pPr>
-            <a:lvl8pPr marL="3429000" indent="-228600" algn="r" defTabSz="914400" rtl="1" eaLnBrk="1" latinLnBrk="0" hangingPunct="1">
-              <a:spcBef>
-                <a:spcPct val="20000"/>
-              </a:spcBef>
-              <a:buFont typeface="Arial" pitchFamily="34" charset="0"/>
-              <a:buChar char="•"/>
-              <a:defRPr sz="2000" kern="1200">
-                <a:solidFill>
-                  <a:schemeClr val="tx1"/>
-                </a:solidFill>
-                <a:latin typeface="+mn-lt"/>
-                <a:ea typeface="+mn-ea"/>
-                <a:cs typeface="+mn-cs"/>
-              </a:defRPr>
-            </a:lvl8pPr>
-            <a:lvl9pPr marL="3886200" indent="-228600" algn="r" defTabSz="914400" rtl="1" eaLnBrk="1" latinLnBrk="0" hangingPunct="1">
-              <a:spcBef>
-                <a:spcPct val="20000"/>
-              </a:spcBef>
-              <a:buFont typeface="Arial" pitchFamily="34" charset="0"/>
-              <a:buChar char="•"/>
-              <a:defRPr sz="2000" kern="1200">
-                <a:solidFill>
-                  <a:schemeClr val="tx1"/>
-                </a:solidFill>
-                <a:latin typeface="+mn-lt"/>
-                <a:ea typeface="+mn-ea"/>
-                <a:cs typeface="+mn-cs"/>
-              </a:defRPr>
-            </a:lvl9pPr>
-          </a:lstStyle>
-          <a:p>
-            <a:pPr marL="0" indent="0" algn="l" rtl="0">
-              <a:buNone/>
-            </a:pPr>
-            <a:r>
-              <a:rPr lang="en-US" altLang="en-US" dirty="0" smtClean="0"/>
-              <a:t>Quote</a:t>
-            </a:r>
-            <a:r>
-              <a:rPr lang="en-US" altLang="en-US" i="1" dirty="0" smtClean="0"/>
-              <a:t>:</a:t>
-            </a:r>
-          </a:p>
-          <a:p>
-            <a:pPr marL="0" indent="0" algn="l" rtl="0">
-              <a:buNone/>
-            </a:pPr>
-            <a:r>
-              <a:rPr lang="en-US" dirty="0">
-                <a:latin typeface="Baskerville Old Face" panose="02020602080505020303" pitchFamily="18" charset="0"/>
-                <a:cs typeface="Aharoni" panose="02010803020104030203" pitchFamily="2" charset="-79"/>
-              </a:rPr>
-              <a:t>VuFind is a </a:t>
-            </a:r>
-            <a:r>
-              <a:rPr lang="en-US" dirty="0" smtClean="0">
-                <a:latin typeface="Baskerville Old Face" panose="02020602080505020303" pitchFamily="18" charset="0"/>
-                <a:cs typeface="Aharoni" panose="02010803020104030203" pitchFamily="2" charset="-79"/>
-              </a:rPr>
-              <a:t>resource </a:t>
-            </a:r>
-            <a:r>
-              <a:rPr lang="en-US" dirty="0">
-                <a:latin typeface="Baskerville Old Face" panose="02020602080505020303" pitchFamily="18" charset="0"/>
-                <a:cs typeface="Aharoni" panose="02010803020104030203" pitchFamily="2" charset="-79"/>
-              </a:rPr>
-              <a:t>portal designed and developed for </a:t>
-            </a:r>
-            <a:r>
-              <a:rPr lang="en-US" dirty="0" smtClean="0">
-                <a:latin typeface="Baskerville Old Face" panose="02020602080505020303" pitchFamily="18" charset="0"/>
-                <a:cs typeface="Aharoni" panose="02010803020104030203" pitchFamily="2" charset="-79"/>
-              </a:rPr>
-              <a:t>libraries. </a:t>
-            </a:r>
-          </a:p>
-          <a:p>
-            <a:pPr marL="0" indent="0" algn="l" rtl="0">
-              <a:buNone/>
-            </a:pPr>
-            <a:r>
-              <a:rPr lang="en-US" dirty="0" smtClean="0">
-                <a:latin typeface="Baskerville Old Face" panose="02020602080505020303" pitchFamily="18" charset="0"/>
-                <a:cs typeface="Aharoni" panose="02010803020104030203" pitchFamily="2" charset="-79"/>
-              </a:rPr>
-              <a:t>The </a:t>
-            </a:r>
-            <a:r>
-              <a:rPr lang="en-US" dirty="0">
-                <a:latin typeface="Baskerville Old Face" panose="02020602080505020303" pitchFamily="18" charset="0"/>
-                <a:cs typeface="Aharoni" panose="02010803020104030203" pitchFamily="2" charset="-79"/>
-              </a:rPr>
-              <a:t>goal of VuFind is to enable your users to search and browse through all of your library's </a:t>
-            </a:r>
-            <a:r>
-              <a:rPr lang="en-US" dirty="0" smtClean="0">
-                <a:latin typeface="Baskerville Old Face" panose="02020602080505020303" pitchFamily="18" charset="0"/>
-                <a:cs typeface="Aharoni" panose="02010803020104030203" pitchFamily="2" charset="-79"/>
-              </a:rPr>
-              <a:t>resources. </a:t>
-            </a:r>
-            <a:endParaRPr lang="en-US" altLang="en-US" i="1" dirty="0" smtClean="0">
-              <a:latin typeface="Baskerville Old Face" panose="02020602080505020303" pitchFamily="18" charset="0"/>
-              <a:cs typeface="Aharoni" panose="02010803020104030203" pitchFamily="2" charset="-79"/>
-            </a:endParaRPr>
-          </a:p>
-          <a:p>
-            <a:pPr marL="0" indent="0" algn="l" rtl="0">
-              <a:buNone/>
-            </a:pPr>
-            <a:endParaRPr lang="en-US" altLang="en-US" dirty="0" smtClean="0"/>
-          </a:p>
-        </p:txBody>
-      </p:sp>
-    </p:spTree>
-    <p:extLst>
-      <p:ext uri="{BB962C8B-B14F-4D97-AF65-F5344CB8AC3E}">
-        <p14:creationId xmlns:p14="http://schemas.microsoft.com/office/powerpoint/2010/main" val="3321725909"/>
-      </p:ext>
-    </p:extLst>
-  </p:cSld>
-  <p:clrMapOvr>
-    <a:masterClrMapping/>
-  </p:clrMapOvr>
-  <mc:AlternateContent xmlns:mc="http://schemas.openxmlformats.org/markup-compatibility/2006" xmlns:p14="http://schemas.microsoft.com/office/powerpoint/2010/main">
-    <mc:Choice Requires="p14">
-      <p:transition spd="slow" p14:dur="2000"/>
-    </mc:Choice>
-    <mc:Fallback xmlns="">
-      <p:transition spd="slow"/>
-    </mc:Fallback>
-  </mc:AlternateContent>
-  <p:timing>
-    <p:tnLst>
-      <p:par>
-        <p:cTn id="1" dur="indefinite" restart="never" nodeType="tmRoot"/>
-      </p:par>
-    </p:tnLst>
-  </p:timing>
-</p:sld>
-</file>
-
 <file path=ppt/slides/slide4.xml><?xml version="1.0" encoding="utf-8"?>
 <p:sld xmlns:a="http://schemas.openxmlformats.org/drawingml/2006/main" xmlns:r="http://schemas.openxmlformats.org/officeDocument/2006/relationships" xmlns:p="http://schemas.openxmlformats.org/presentationml/2006/main" show="0">
   <p:cSld>
@@ -49096,16 +49192,12 @@
           </a:bodyPr>
           <a:lstStyle/>
           <a:p>
-            <a:pPr rtl="0"/>
-            <a:r>
-              <a:rPr lang="en-US" sz="3200" b="1" dirty="0"/>
-              <a:t>VuFind </a:t>
-            </a:r>
+            <a:pPr algn="ctr" rtl="0"/>
             <a:r>
               <a:rPr lang="en-US" sz="3200" b="1" dirty="0" smtClean="0"/>
-              <a:t>Introduction - II</a:t>
-            </a:r>
-            <a:endParaRPr lang="he-IL" sz="3200" b="1" dirty="0"/>
+              <a:t>BTW</a:t>
+            </a:r>
+            <a:endParaRPr lang="he-IL" sz="3200" b="1" i="1" dirty="0"/>
           </a:p>
         </p:txBody>
       </p:sp>
@@ -49135,7 +49227,7 @@
       </p:sp>
       <p:sp>
         <p:nvSpPr>
-          <p:cNvPr id="5" name="Rectangle 3"/>
+          <p:cNvPr id="6" name="Rectangle 3"/>
           <p:cNvSpPr txBox="1">
             <a:spLocks noChangeArrowheads="1"/>
           </p:cNvSpPr>
@@ -49143,8 +49235,8 @@
         </p:nvSpPr>
         <p:spPr>
           <a:xfrm>
-            <a:off x="330200" y="1438275"/>
-            <a:ext cx="8483600" cy="3430885"/>
+            <a:off x="473015" y="1438275"/>
+            <a:ext cx="8483600" cy="694581"/>
           </a:xfrm>
           <a:prstGeom prst="rect">
             <a:avLst/>
@@ -49152,7 +49244,7 @@
         </p:spPr>
         <p:txBody>
           <a:bodyPr vert="horz" lIns="91440" tIns="45720" rIns="91440" bIns="45720" rtlCol="1">
-            <a:normAutofit lnSpcReduction="10000"/>
+            <a:normAutofit/>
           </a:bodyPr>
           <a:lstStyle>
             <a:lvl1pPr marL="342900" indent="-342900" algn="r" defTabSz="914400" rtl="1" eaLnBrk="1" latinLnBrk="0" hangingPunct="1">
@@ -49292,82 +49384,232 @@
             </a:lvl9pPr>
           </a:lstStyle>
           <a:p>
-            <a:pPr marL="0" indent="0" algn="l" rtl="0">
-              <a:buNone/>
-            </a:pPr>
-            <a:r>
-              <a:rPr lang="en-US" dirty="0" smtClean="0">
-                <a:latin typeface="Baskerville Old Face" panose="02020602080505020303" pitchFamily="18" charset="0"/>
-                <a:cs typeface="Aharoni" panose="02010803020104030203" pitchFamily="2" charset="-79"/>
-              </a:rPr>
-              <a:t>This, to include:</a:t>
-            </a:r>
-          </a:p>
-          <a:p>
-            <a:pPr lvl="1" algn="l" rtl="0"/>
-            <a:r>
-              <a:rPr lang="en-US" dirty="0"/>
-              <a:t>Catalog Records</a:t>
-            </a:r>
-          </a:p>
-          <a:p>
-            <a:pPr lvl="1" algn="l" rtl="0"/>
-            <a:r>
-              <a:rPr lang="en-US" dirty="0"/>
-              <a:t>Locally Cached Journals</a:t>
-            </a:r>
-          </a:p>
-          <a:p>
-            <a:pPr lvl="1" algn="l" rtl="0"/>
-            <a:r>
-              <a:rPr lang="en-US" dirty="0"/>
-              <a:t>Digital Library Items</a:t>
-            </a:r>
-          </a:p>
-          <a:p>
-            <a:pPr lvl="1" algn="l" rtl="0"/>
-            <a:r>
-              <a:rPr lang="en-US" dirty="0"/>
-              <a:t>Institutional Repository</a:t>
-            </a:r>
-          </a:p>
-          <a:p>
-            <a:pPr lvl="1" algn="l" rtl="0"/>
-            <a:r>
-              <a:rPr lang="en-US" dirty="0"/>
-              <a:t>Institutional Bibliography</a:t>
-            </a:r>
-          </a:p>
-          <a:p>
-            <a:pPr lvl="1" algn="l" rtl="0"/>
-            <a:r>
-              <a:rPr lang="en-US" dirty="0"/>
-              <a:t>Other Library Collections and Resources</a:t>
-            </a:r>
-          </a:p>
-          <a:p>
-            <a:pPr marL="0" indent="0" algn="l" rtl="0">
+            <a:pPr marL="57150" indent="0" algn="l" rtl="0">
+              <a:buFont typeface="Arial" pitchFamily="34" charset="0"/>
               <a:buNone/>
             </a:pPr>
             <a:endParaRPr lang="en-US" altLang="en-US" dirty="0" smtClean="0"/>
           </a:p>
         </p:txBody>
       </p:sp>
+      <p:sp>
+        <p:nvSpPr>
+          <p:cNvPr id="9" name="Rectangle 3"/>
+          <p:cNvSpPr txBox="1">
+            <a:spLocks noChangeArrowheads="1"/>
+          </p:cNvSpPr>
+          <p:nvPr/>
+        </p:nvSpPr>
+        <p:spPr>
+          <a:xfrm>
+            <a:off x="113331" y="1294259"/>
+            <a:ext cx="8483600" cy="694581"/>
+          </a:xfrm>
+          <a:prstGeom prst="rect">
+            <a:avLst/>
+          </a:prstGeom>
+        </p:spPr>
+        <p:txBody>
+          <a:bodyPr vert="horz" lIns="91440" tIns="45720" rIns="91440" bIns="45720" rtlCol="1">
+            <a:normAutofit/>
+          </a:bodyPr>
+          <a:lstStyle>
+            <a:lvl1pPr marL="342900" indent="-342900" algn="r" defTabSz="914400" rtl="1" eaLnBrk="1" latinLnBrk="0" hangingPunct="1">
+              <a:spcBef>
+                <a:spcPct val="20000"/>
+              </a:spcBef>
+              <a:buFont typeface="Arial" pitchFamily="34" charset="0"/>
+              <a:buChar char="•"/>
+              <a:defRPr sz="3200" kern="1200">
+                <a:solidFill>
+                  <a:schemeClr val="tx1"/>
+                </a:solidFill>
+                <a:latin typeface="+mn-lt"/>
+                <a:ea typeface="+mn-ea"/>
+                <a:cs typeface="+mn-cs"/>
+              </a:defRPr>
+            </a:lvl1pPr>
+            <a:lvl2pPr marL="742950" indent="-285750" algn="r" defTabSz="914400" rtl="1" eaLnBrk="1" latinLnBrk="0" hangingPunct="1">
+              <a:spcBef>
+                <a:spcPct val="20000"/>
+              </a:spcBef>
+              <a:buFont typeface="Arial" pitchFamily="34" charset="0"/>
+              <a:buChar char="–"/>
+              <a:defRPr sz="2800" kern="1200">
+                <a:solidFill>
+                  <a:schemeClr val="tx1"/>
+                </a:solidFill>
+                <a:latin typeface="+mn-lt"/>
+                <a:ea typeface="+mn-ea"/>
+                <a:cs typeface="+mn-cs"/>
+              </a:defRPr>
+            </a:lvl2pPr>
+            <a:lvl3pPr marL="1143000" indent="-228600" algn="r" defTabSz="914400" rtl="1" eaLnBrk="1" latinLnBrk="0" hangingPunct="1">
+              <a:spcBef>
+                <a:spcPct val="20000"/>
+              </a:spcBef>
+              <a:buFont typeface="Arial" pitchFamily="34" charset="0"/>
+              <a:buChar char="•"/>
+              <a:defRPr sz="2400" kern="1200">
+                <a:solidFill>
+                  <a:schemeClr val="tx1"/>
+                </a:solidFill>
+                <a:latin typeface="+mn-lt"/>
+                <a:ea typeface="+mn-ea"/>
+                <a:cs typeface="+mn-cs"/>
+              </a:defRPr>
+            </a:lvl3pPr>
+            <a:lvl4pPr marL="1600200" indent="-228600" algn="r" defTabSz="914400" rtl="1" eaLnBrk="1" latinLnBrk="0" hangingPunct="1">
+              <a:spcBef>
+                <a:spcPct val="20000"/>
+              </a:spcBef>
+              <a:buFont typeface="Arial" pitchFamily="34" charset="0"/>
+              <a:buChar char="–"/>
+              <a:defRPr sz="2000" kern="1200">
+                <a:solidFill>
+                  <a:schemeClr val="tx1"/>
+                </a:solidFill>
+                <a:latin typeface="+mn-lt"/>
+                <a:ea typeface="+mn-ea"/>
+                <a:cs typeface="+mn-cs"/>
+              </a:defRPr>
+            </a:lvl4pPr>
+            <a:lvl5pPr marL="2057400" indent="-228600" algn="r" defTabSz="914400" rtl="1" eaLnBrk="1" latinLnBrk="0" hangingPunct="1">
+              <a:spcBef>
+                <a:spcPct val="20000"/>
+              </a:spcBef>
+              <a:buFont typeface="Arial" pitchFamily="34" charset="0"/>
+              <a:buChar char="»"/>
+              <a:defRPr sz="2000" kern="1200">
+                <a:solidFill>
+                  <a:schemeClr val="tx1"/>
+                </a:solidFill>
+                <a:latin typeface="+mn-lt"/>
+                <a:ea typeface="+mn-ea"/>
+                <a:cs typeface="+mn-cs"/>
+              </a:defRPr>
+            </a:lvl5pPr>
+            <a:lvl6pPr marL="2514600" indent="-228600" algn="r" defTabSz="914400" rtl="1" eaLnBrk="1" latinLnBrk="0" hangingPunct="1">
+              <a:spcBef>
+                <a:spcPct val="20000"/>
+              </a:spcBef>
+              <a:buFont typeface="Arial" pitchFamily="34" charset="0"/>
+              <a:buChar char="•"/>
+              <a:defRPr sz="2000" kern="1200">
+                <a:solidFill>
+                  <a:schemeClr val="tx1"/>
+                </a:solidFill>
+                <a:latin typeface="+mn-lt"/>
+                <a:ea typeface="+mn-ea"/>
+                <a:cs typeface="+mn-cs"/>
+              </a:defRPr>
+            </a:lvl6pPr>
+            <a:lvl7pPr marL="2971800" indent="-228600" algn="r" defTabSz="914400" rtl="1" eaLnBrk="1" latinLnBrk="0" hangingPunct="1">
+              <a:spcBef>
+                <a:spcPct val="20000"/>
+              </a:spcBef>
+              <a:buFont typeface="Arial" pitchFamily="34" charset="0"/>
+              <a:buChar char="•"/>
+              <a:defRPr sz="2000" kern="1200">
+                <a:solidFill>
+                  <a:schemeClr val="tx1"/>
+                </a:solidFill>
+                <a:latin typeface="+mn-lt"/>
+                <a:ea typeface="+mn-ea"/>
+                <a:cs typeface="+mn-cs"/>
+              </a:defRPr>
+            </a:lvl7pPr>
+            <a:lvl8pPr marL="3429000" indent="-228600" algn="r" defTabSz="914400" rtl="1" eaLnBrk="1" latinLnBrk="0" hangingPunct="1">
+              <a:spcBef>
+                <a:spcPct val="20000"/>
+              </a:spcBef>
+              <a:buFont typeface="Arial" pitchFamily="34" charset="0"/>
+              <a:buChar char="•"/>
+              <a:defRPr sz="2000" kern="1200">
+                <a:solidFill>
+                  <a:schemeClr val="tx1"/>
+                </a:solidFill>
+                <a:latin typeface="+mn-lt"/>
+                <a:ea typeface="+mn-ea"/>
+                <a:cs typeface="+mn-cs"/>
+              </a:defRPr>
+            </a:lvl8pPr>
+            <a:lvl9pPr marL="3886200" indent="-228600" algn="r" defTabSz="914400" rtl="1" eaLnBrk="1" latinLnBrk="0" hangingPunct="1">
+              <a:spcBef>
+                <a:spcPct val="20000"/>
+              </a:spcBef>
+              <a:buFont typeface="Arial" pitchFamily="34" charset="0"/>
+              <a:buChar char="•"/>
+              <a:defRPr sz="2000" kern="1200">
+                <a:solidFill>
+                  <a:schemeClr val="tx1"/>
+                </a:solidFill>
+                <a:latin typeface="+mn-lt"/>
+                <a:ea typeface="+mn-ea"/>
+                <a:cs typeface="+mn-cs"/>
+              </a:defRPr>
+            </a:lvl9pPr>
+          </a:lstStyle>
+          <a:p>
+            <a:pPr marL="57150" indent="0" algn="l" rtl="0">
+              <a:buFont typeface="Arial" pitchFamily="34" charset="0"/>
+              <a:buNone/>
+            </a:pPr>
+            <a:r>
+              <a:rPr lang="en-US" altLang="en-US" dirty="0" smtClean="0"/>
+              <a:t>JCE (</a:t>
+            </a:r>
+            <a:r>
+              <a:rPr lang="en-US" altLang="en-US" dirty="0" err="1" smtClean="0"/>
+              <a:t>Azrielli</a:t>
+            </a:r>
+            <a:r>
+              <a:rPr lang="en-US" altLang="en-US" dirty="0" smtClean="0"/>
+              <a:t>) – is ‘On The map!’:</a:t>
+            </a:r>
+            <a:endParaRPr lang="en-US" altLang="en-US" dirty="0" smtClean="0"/>
+          </a:p>
+        </p:txBody>
+      </p:sp>
+      <p:pic>
+        <p:nvPicPr>
+          <p:cNvPr id="5" name="Picture 4"/>
+          <p:cNvPicPr>
+            <a:picLocks noChangeAspect="1"/>
+          </p:cNvPicPr>
+          <p:nvPr/>
+        </p:nvPicPr>
+        <p:blipFill>
+          <a:blip r:embed="rId3"/>
+          <a:stretch>
+            <a:fillRect/>
+          </a:stretch>
+        </p:blipFill>
+        <p:spPr>
+          <a:xfrm>
+            <a:off x="457199" y="1988840"/>
+            <a:ext cx="8363273" cy="4458444"/>
+          </a:xfrm>
+          <a:prstGeom prst="rect">
+            <a:avLst/>
+          </a:prstGeom>
+        </p:spPr>
+      </p:pic>
     </p:spTree>
     <p:extLst>
       <p:ext uri="{BB962C8B-B14F-4D97-AF65-F5344CB8AC3E}">
-        <p14:creationId xmlns:p14="http://schemas.microsoft.com/office/powerpoint/2010/main" val="68726919"/>
+        <p14:creationId xmlns:p14="http://schemas.microsoft.com/office/powerpoint/2010/main" val="1421090040"/>
       </p:ext>
     </p:extLst>
   </p:cSld>
   <p:clrMapOvr>
     <a:masterClrMapping/>
   </p:clrMapOvr>
-  <mc:AlternateContent xmlns:mc="http://schemas.openxmlformats.org/markup-compatibility/2006" xmlns:p14="http://schemas.microsoft.com/office/powerpoint/2010/main">
-    <mc:Choice Requires="p14">
+  <mc:AlternateContent xmlns:mc="http://schemas.openxmlformats.org/markup-compatibility/2006">
+    <mc:Choice xmlns:p14="http://schemas.microsoft.com/office/powerpoint/2010/main" Requires="p14">
       <p:transition spd="slow" p14:dur="2000"/>
     </mc:Choice>
-    <mc:Fallback xmlns="">
+    <mc:Fallback>
       <p:transition spd="slow"/>
     </mc:Fallback>
   </mc:AlternateContent>
@@ -49426,16 +49668,12 @@
           </a:bodyPr>
           <a:lstStyle/>
           <a:p>
-            <a:pPr rtl="0"/>
-            <a:r>
-              <a:rPr lang="en-US" sz="3200" b="1" dirty="0"/>
-              <a:t>VuFind </a:t>
-            </a:r>
-            <a:r>
-              <a:rPr lang="en-US" sz="3200" b="1" dirty="0" smtClean="0"/>
-              <a:t>Introduction - III</a:t>
-            </a:r>
-            <a:endParaRPr lang="he-IL" sz="3200" b="1" dirty="0"/>
+            <a:pPr algn="ctr" rtl="0"/>
+            <a:r>
+              <a:rPr lang="en-US" sz="3200" b="1" i="1" dirty="0" smtClean="0"/>
+              <a:t>VuFind – Cont.</a:t>
+            </a:r>
+            <a:endParaRPr lang="he-IL" sz="3200" b="1" i="1" dirty="0"/>
           </a:p>
         </p:txBody>
       </p:sp>
@@ -49465,7 +49703,7 @@
       </p:sp>
       <p:sp>
         <p:nvSpPr>
-          <p:cNvPr id="5" name="Rectangle 3"/>
+          <p:cNvPr id="6" name="Rectangle 3"/>
           <p:cNvSpPr txBox="1">
             <a:spLocks noChangeArrowheads="1"/>
           </p:cNvSpPr>
@@ -49473,8 +49711,8 @@
         </p:nvSpPr>
         <p:spPr>
           <a:xfrm>
-            <a:off x="330200" y="1438275"/>
-            <a:ext cx="8483600" cy="4727029"/>
+            <a:off x="473015" y="1438275"/>
+            <a:ext cx="8483600" cy="694581"/>
           </a:xfrm>
           <a:prstGeom prst="rect">
             <a:avLst/>
@@ -49482,380 +49720,6 @@
         </p:spPr>
         <p:txBody>
           <a:bodyPr vert="horz" lIns="91440" tIns="45720" rIns="91440" bIns="45720" rtlCol="1">
-            <a:normAutofit fontScale="92500" lnSpcReduction="10000"/>
-          </a:bodyPr>
-          <a:lstStyle>
-            <a:lvl1pPr marL="342900" indent="-342900" algn="r" defTabSz="914400" rtl="1" eaLnBrk="1" latinLnBrk="0" hangingPunct="1">
-              <a:spcBef>
-                <a:spcPct val="20000"/>
-              </a:spcBef>
-              <a:buFont typeface="Arial" pitchFamily="34" charset="0"/>
-              <a:buChar char="•"/>
-              <a:defRPr sz="3200" kern="1200">
-                <a:solidFill>
-                  <a:schemeClr val="tx1"/>
-                </a:solidFill>
-                <a:latin typeface="+mn-lt"/>
-                <a:ea typeface="+mn-ea"/>
-                <a:cs typeface="+mn-cs"/>
-              </a:defRPr>
-            </a:lvl1pPr>
-            <a:lvl2pPr marL="742950" indent="-285750" algn="r" defTabSz="914400" rtl="1" eaLnBrk="1" latinLnBrk="0" hangingPunct="1">
-              <a:spcBef>
-                <a:spcPct val="20000"/>
-              </a:spcBef>
-              <a:buFont typeface="Arial" pitchFamily="34" charset="0"/>
-              <a:buChar char="–"/>
-              <a:defRPr sz="2800" kern="1200">
-                <a:solidFill>
-                  <a:schemeClr val="tx1"/>
-                </a:solidFill>
-                <a:latin typeface="+mn-lt"/>
-                <a:ea typeface="+mn-ea"/>
-                <a:cs typeface="+mn-cs"/>
-              </a:defRPr>
-            </a:lvl2pPr>
-            <a:lvl3pPr marL="1143000" indent="-228600" algn="r" defTabSz="914400" rtl="1" eaLnBrk="1" latinLnBrk="0" hangingPunct="1">
-              <a:spcBef>
-                <a:spcPct val="20000"/>
-              </a:spcBef>
-              <a:buFont typeface="Arial" pitchFamily="34" charset="0"/>
-              <a:buChar char="•"/>
-              <a:defRPr sz="2400" kern="1200">
-                <a:solidFill>
-                  <a:schemeClr val="tx1"/>
-                </a:solidFill>
-                <a:latin typeface="+mn-lt"/>
-                <a:ea typeface="+mn-ea"/>
-                <a:cs typeface="+mn-cs"/>
-              </a:defRPr>
-            </a:lvl3pPr>
-            <a:lvl4pPr marL="1600200" indent="-228600" algn="r" defTabSz="914400" rtl="1" eaLnBrk="1" latinLnBrk="0" hangingPunct="1">
-              <a:spcBef>
-                <a:spcPct val="20000"/>
-              </a:spcBef>
-              <a:buFont typeface="Arial" pitchFamily="34" charset="0"/>
-              <a:buChar char="–"/>
-              <a:defRPr sz="2000" kern="1200">
-                <a:solidFill>
-                  <a:schemeClr val="tx1"/>
-                </a:solidFill>
-                <a:latin typeface="+mn-lt"/>
-                <a:ea typeface="+mn-ea"/>
-                <a:cs typeface="+mn-cs"/>
-              </a:defRPr>
-            </a:lvl4pPr>
-            <a:lvl5pPr marL="2057400" indent="-228600" algn="r" defTabSz="914400" rtl="1" eaLnBrk="1" latinLnBrk="0" hangingPunct="1">
-              <a:spcBef>
-                <a:spcPct val="20000"/>
-              </a:spcBef>
-              <a:buFont typeface="Arial" pitchFamily="34" charset="0"/>
-              <a:buChar char="»"/>
-              <a:defRPr sz="2000" kern="1200">
-                <a:solidFill>
-                  <a:schemeClr val="tx1"/>
-                </a:solidFill>
-                <a:latin typeface="+mn-lt"/>
-                <a:ea typeface="+mn-ea"/>
-                <a:cs typeface="+mn-cs"/>
-              </a:defRPr>
-            </a:lvl5pPr>
-            <a:lvl6pPr marL="2514600" indent="-228600" algn="r" defTabSz="914400" rtl="1" eaLnBrk="1" latinLnBrk="0" hangingPunct="1">
-              <a:spcBef>
-                <a:spcPct val="20000"/>
-              </a:spcBef>
-              <a:buFont typeface="Arial" pitchFamily="34" charset="0"/>
-              <a:buChar char="•"/>
-              <a:defRPr sz="2000" kern="1200">
-                <a:solidFill>
-                  <a:schemeClr val="tx1"/>
-                </a:solidFill>
-                <a:latin typeface="+mn-lt"/>
-                <a:ea typeface="+mn-ea"/>
-                <a:cs typeface="+mn-cs"/>
-              </a:defRPr>
-            </a:lvl6pPr>
-            <a:lvl7pPr marL="2971800" indent="-228600" algn="r" defTabSz="914400" rtl="1" eaLnBrk="1" latinLnBrk="0" hangingPunct="1">
-              <a:spcBef>
-                <a:spcPct val="20000"/>
-              </a:spcBef>
-              <a:buFont typeface="Arial" pitchFamily="34" charset="0"/>
-              <a:buChar char="•"/>
-              <a:defRPr sz="2000" kern="1200">
-                <a:solidFill>
-                  <a:schemeClr val="tx1"/>
-                </a:solidFill>
-                <a:latin typeface="+mn-lt"/>
-                <a:ea typeface="+mn-ea"/>
-                <a:cs typeface="+mn-cs"/>
-              </a:defRPr>
-            </a:lvl7pPr>
-            <a:lvl8pPr marL="3429000" indent="-228600" algn="r" defTabSz="914400" rtl="1" eaLnBrk="1" latinLnBrk="0" hangingPunct="1">
-              <a:spcBef>
-                <a:spcPct val="20000"/>
-              </a:spcBef>
-              <a:buFont typeface="Arial" pitchFamily="34" charset="0"/>
-              <a:buChar char="•"/>
-              <a:defRPr sz="2000" kern="1200">
-                <a:solidFill>
-                  <a:schemeClr val="tx1"/>
-                </a:solidFill>
-                <a:latin typeface="+mn-lt"/>
-                <a:ea typeface="+mn-ea"/>
-                <a:cs typeface="+mn-cs"/>
-              </a:defRPr>
-            </a:lvl8pPr>
-            <a:lvl9pPr marL="3886200" indent="-228600" algn="r" defTabSz="914400" rtl="1" eaLnBrk="1" latinLnBrk="0" hangingPunct="1">
-              <a:spcBef>
-                <a:spcPct val="20000"/>
-              </a:spcBef>
-              <a:buFont typeface="Arial" pitchFamily="34" charset="0"/>
-              <a:buChar char="•"/>
-              <a:defRPr sz="2000" kern="1200">
-                <a:solidFill>
-                  <a:schemeClr val="tx1"/>
-                </a:solidFill>
-                <a:latin typeface="+mn-lt"/>
-                <a:ea typeface="+mn-ea"/>
-                <a:cs typeface="+mn-cs"/>
-              </a:defRPr>
-            </a:lvl9pPr>
-          </a:lstStyle>
-          <a:p>
-            <a:pPr marL="0" indent="0" algn="l" rtl="0">
-              <a:buNone/>
-            </a:pPr>
-            <a:r>
-              <a:rPr lang="en-US" dirty="0" smtClean="0">
-                <a:latin typeface="Baskerville Old Face" panose="02020602080505020303" pitchFamily="18" charset="0"/>
-                <a:cs typeface="Aharoni" panose="02010803020104030203" pitchFamily="2" charset="-79"/>
-              </a:rPr>
-              <a:t>Now, let us please notice what they say, on their </a:t>
-            </a:r>
-            <a:r>
-              <a:rPr lang="en-US" b="1" dirty="0" smtClean="0">
-                <a:latin typeface="Baskerville Old Face" panose="02020602080505020303" pitchFamily="18" charset="0"/>
-                <a:cs typeface="Aharoni" panose="02010803020104030203" pitchFamily="2" charset="-79"/>
-              </a:rPr>
-              <a:t>code</a:t>
-            </a:r>
-            <a:r>
-              <a:rPr lang="en-US" dirty="0" smtClean="0">
-                <a:latin typeface="Baskerville Old Face" panose="02020602080505020303" pitchFamily="18" charset="0"/>
-                <a:cs typeface="Aharoni" panose="02010803020104030203" pitchFamily="2" charset="-79"/>
-              </a:rPr>
-              <a:t>:</a:t>
-            </a:r>
-          </a:p>
-          <a:p>
-            <a:pPr marL="0" indent="0" algn="l" rtl="0">
-              <a:buNone/>
-            </a:pPr>
-            <a:endParaRPr lang="en-US" dirty="0" smtClean="0">
-              <a:latin typeface="Baskerville Old Face" panose="02020602080505020303" pitchFamily="18" charset="0"/>
-              <a:cs typeface="Aharoni" panose="02010803020104030203" pitchFamily="2" charset="-79"/>
-            </a:endParaRPr>
-          </a:p>
-          <a:p>
-            <a:pPr marL="0" indent="0" algn="just" rtl="0">
-              <a:buNone/>
-            </a:pPr>
-            <a:r>
-              <a:rPr lang="en-US" dirty="0" smtClean="0">
-                <a:latin typeface="Baskerville Old Face" panose="02020602080505020303" pitchFamily="18" charset="0"/>
-                <a:cs typeface="Aharoni" panose="02010803020104030203" pitchFamily="2" charset="-79"/>
-              </a:rPr>
-              <a:t>	1. S</a:t>
-            </a:r>
-            <a:r>
-              <a:rPr lang="en-US" dirty="0" smtClean="0"/>
-              <a:t>ince </a:t>
-            </a:r>
-            <a:r>
-              <a:rPr lang="en-US" dirty="0"/>
-              <a:t>it's open source, you can modify 	   	     </a:t>
-            </a:r>
-            <a:r>
-              <a:rPr lang="en-US" dirty="0" smtClean="0"/>
-              <a:t>	     the </a:t>
-            </a:r>
-            <a:r>
-              <a:rPr lang="en-US" dirty="0"/>
-              <a:t>modules to best fit your need or you can 	     add new modules to extend your resource 	  	     offerings.</a:t>
-            </a:r>
-            <a:r>
-              <a:rPr lang="en-US" dirty="0">
-                <a:latin typeface="Baskerville Old Face" panose="02020602080505020303" pitchFamily="18" charset="0"/>
-                <a:cs typeface="Aharoni" panose="02010803020104030203" pitchFamily="2" charset="-79"/>
-              </a:rPr>
-              <a:t> </a:t>
-            </a:r>
-            <a:endParaRPr lang="en-US" dirty="0"/>
-          </a:p>
-          <a:p>
-            <a:pPr marL="0" indent="0" algn="just" rtl="0">
-              <a:buNone/>
-            </a:pPr>
-            <a:endParaRPr lang="en-US" dirty="0" smtClean="0"/>
-          </a:p>
-          <a:p>
-            <a:pPr marL="0" indent="0" algn="l" rtl="0">
-              <a:buNone/>
-            </a:pPr>
-            <a:r>
-              <a:rPr lang="en-US" dirty="0" smtClean="0"/>
-              <a:t>	2. </a:t>
-            </a:r>
-            <a:r>
-              <a:rPr lang="en-US" b="1" u="dbl" dirty="0"/>
-              <a:t>VuFind is completely modular</a:t>
-            </a:r>
-            <a:r>
-              <a:rPr lang="en-US" b="1" dirty="0"/>
-              <a:t> </a:t>
-            </a:r>
-            <a:r>
-              <a:rPr lang="en-US" dirty="0"/>
-              <a:t>so you can 	  	     implement just the basic system, or all of the 	     components. </a:t>
-            </a:r>
-          </a:p>
-          <a:p>
-            <a:pPr marL="0" indent="0" algn="l" rtl="0">
-              <a:buNone/>
-            </a:pPr>
-            <a:endParaRPr lang="en-US" b="1" dirty="0" smtClean="0"/>
-          </a:p>
-        </p:txBody>
-      </p:sp>
-    </p:spTree>
-    <p:extLst>
-      <p:ext uri="{BB962C8B-B14F-4D97-AF65-F5344CB8AC3E}">
-        <p14:creationId xmlns:p14="http://schemas.microsoft.com/office/powerpoint/2010/main" val="3464087238"/>
-      </p:ext>
-    </p:extLst>
-  </p:cSld>
-  <p:clrMapOvr>
-    <a:masterClrMapping/>
-  </p:clrMapOvr>
-  <mc:AlternateContent xmlns:mc="http://schemas.openxmlformats.org/markup-compatibility/2006" xmlns:p14="http://schemas.microsoft.com/office/powerpoint/2010/main">
-    <mc:Choice Requires="p14">
-      <p:transition spd="slow" p14:dur="2000"/>
-    </mc:Choice>
-    <mc:Fallback xmlns="">
-      <p:transition spd="slow"/>
-    </mc:Fallback>
-  </mc:AlternateContent>
-  <p:timing>
-    <p:tnLst>
-      <p:par>
-        <p:cTn id="1" dur="indefinite" restart="never" nodeType="tmRoot"/>
-      </p:par>
-    </p:tnLst>
-  </p:timing>
-</p:sld>
-</file>
-
-<file path=ppt/slides/slide6.xml><?xml version="1.0" encoding="utf-8"?>
-<p:sld xmlns:a="http://schemas.openxmlformats.org/drawingml/2006/main" xmlns:r="http://schemas.openxmlformats.org/officeDocument/2006/relationships" xmlns:p="http://schemas.openxmlformats.org/presentationml/2006/main" show="0">
-  <p:cSld>
-    <p:spTree>
-      <p:nvGrpSpPr>
-        <p:cNvPr id="1" name=""/>
-        <p:cNvGrpSpPr/>
-        <p:nvPr/>
-      </p:nvGrpSpPr>
-      <p:grpSpPr>
-        <a:xfrm>
-          <a:off x="0" y="0"/>
-          <a:ext cx="0" cy="0"/>
-          <a:chOff x="0" y="0"/>
-          <a:chExt cx="0" cy="0"/>
-        </a:xfrm>
-      </p:grpSpPr>
-      <p:sp>
-        <p:nvSpPr>
-          <p:cNvPr id="2" name="כותרת 1"/>
-          <p:cNvSpPr>
-            <a:spLocks noGrp="1"/>
-          </p:cNvSpPr>
-          <p:nvPr>
-            <p:ph type="title"/>
-          </p:nvPr>
-        </p:nvSpPr>
-        <p:spPr>
-          <a:xfrm>
-            <a:off x="0" y="0"/>
-            <a:ext cx="9144000" cy="1268760"/>
-          </a:xfrm>
-          <a:solidFill>
-            <a:schemeClr val="tx2">
-              <a:lumMod val="60000"/>
-              <a:lumOff val="40000"/>
-            </a:schemeClr>
-          </a:solidFill>
-        </p:spPr>
-        <p:txBody>
-          <a:bodyPr>
-            <a:normAutofit/>
-          </a:bodyPr>
-          <a:lstStyle/>
-          <a:p>
-            <a:pPr rtl="0"/>
-            <a:r>
-              <a:rPr lang="en-US" sz="3200" b="1" dirty="0"/>
-              <a:t>VuFind </a:t>
-            </a:r>
-            <a:r>
-              <a:rPr lang="en-US" sz="3200" b="1" dirty="0" smtClean="0"/>
-              <a:t>Introduction – GUI</a:t>
-            </a:r>
-            <a:endParaRPr lang="he-IL" sz="3200" b="1" dirty="0"/>
-          </a:p>
-        </p:txBody>
-      </p:sp>
-      <p:sp>
-        <p:nvSpPr>
-          <p:cNvPr id="4" name="מציין מיקום של מספר שקופית 3"/>
-          <p:cNvSpPr>
-            <a:spLocks noGrp="1"/>
-          </p:cNvSpPr>
-          <p:nvPr>
-            <p:ph type="sldNum" sz="quarter" idx="12"/>
-          </p:nvPr>
-        </p:nvSpPr>
-        <p:spPr/>
-        <p:txBody>
-          <a:bodyPr/>
-          <a:lstStyle/>
-          <a:p>
-            <a:fld id="{99A8CB1B-85B5-416B-B838-2C014F74C4F2}" type="slidenum">
-              <a:rPr lang="he-IL" smtClean="0"/>
-              <a:pPr/>
-              <a:t>6</a:t>
-            </a:fld>
-            <a:endParaRPr lang="he-IL"/>
-          </a:p>
-        </p:txBody>
-      </p:sp>
-      <p:sp>
-        <p:nvSpPr>
-          <p:cNvPr id="5" name="Rectangle 3"/>
-          <p:cNvSpPr txBox="1">
-            <a:spLocks noChangeArrowheads="1"/>
-          </p:cNvSpPr>
-          <p:nvPr/>
-        </p:nvSpPr>
-        <p:spPr>
-          <a:xfrm>
-            <a:off x="330200" y="1438275"/>
-            <a:ext cx="8483600" cy="1126629"/>
-          </a:xfrm>
-          <a:prstGeom prst="rect">
-            <a:avLst/>
-          </a:prstGeom>
-        </p:spPr>
-        <p:txBody>
-          <a:bodyPr vert="horz" lIns="91440" tIns="45720" rIns="91440" bIns="45720" rtlCol="1">
             <a:normAutofit/>
           </a:bodyPr>
           <a:lstStyle>
@@ -49996,57 +49860,144 @@
             </a:lvl9pPr>
           </a:lstStyle>
           <a:p>
-            <a:pPr marL="0" indent="0" algn="l" rtl="0">
+            <a:pPr marL="57150" indent="0" algn="l" rtl="0">
+              <a:buFont typeface="Arial" pitchFamily="34" charset="0"/>
               <a:buNone/>
             </a:pPr>
             <a:r>
-              <a:rPr lang="en-US" dirty="0" smtClean="0">
-                <a:latin typeface="Baskerville Old Face" panose="02020602080505020303" pitchFamily="18" charset="0"/>
-                <a:cs typeface="Aharoni" panose="02010803020104030203" pitchFamily="2" charset="-79"/>
-              </a:rPr>
-              <a:t>So, after all these explanations, how does it look like?</a:t>
-            </a:r>
-            <a:endParaRPr lang="en-US" b="1" dirty="0" smtClean="0"/>
+              <a:rPr lang="en-US" altLang="en-US" dirty="0" smtClean="0"/>
+              <a:t>And in formal words:</a:t>
+            </a:r>
+            <a:endParaRPr lang="en-US" altLang="en-US" dirty="0" smtClean="0"/>
           </a:p>
         </p:txBody>
       </p:sp>
       <p:pic>
         <p:nvPicPr>
-          <p:cNvPr id="6" name="graphics1"/>
-          <p:cNvPicPr/>
+          <p:cNvPr id="14" name="Picture 13"/>
+          <p:cNvPicPr>
+            <a:picLocks noChangeAspect="1"/>
+          </p:cNvPicPr>
           <p:nvPr/>
         </p:nvPicPr>
         <p:blipFill>
-          <a:blip r:embed="rId3" cstate="print">
-            <a:alphaModFix/>
-            <a:lum/>
-          </a:blip>
-          <a:srcRect/>
+          <a:blip r:embed="rId3"/>
           <a:stretch>
             <a:fillRect/>
           </a:stretch>
         </p:blipFill>
         <p:spPr>
           <a:xfrm>
-            <a:off x="482372" y="2420888"/>
-            <a:ext cx="8496943" cy="3935462"/>
+            <a:off x="305780" y="2323902"/>
+            <a:ext cx="8532440" cy="3744416"/>
           </a:xfrm>
           <a:prstGeom prst="rect">
             <a:avLst/>
           </a:prstGeom>
+        </p:spPr>
+      </p:pic>
+      <p:sp>
+        <p:nvSpPr>
+          <p:cNvPr id="16" name="Frame 15"/>
+          <p:cNvSpPr/>
+          <p:nvPr/>
+        </p:nvSpPr>
+        <p:spPr>
+          <a:xfrm>
+            <a:off x="3942652" y="3068960"/>
+            <a:ext cx="3672408" cy="2783334"/>
+          </a:xfrm>
+          <a:prstGeom prst="frame">
+            <a:avLst/>
+          </a:prstGeom>
           <a:solidFill>
-            <a:srgbClr val="FFFFFF"/>
+            <a:srgbClr val="FFFF00"/>
           </a:solidFill>
           <a:ln>
-            <a:noFill/>
-            <a:prstDash/>
+            <a:solidFill>
+              <a:srgbClr val="FFFF00"/>
+            </a:solidFill>
           </a:ln>
         </p:spPr>
-      </p:pic>
+        <p:style>
+          <a:lnRef idx="2">
+            <a:schemeClr val="accent1">
+              <a:shade val="50000"/>
+            </a:schemeClr>
+          </a:lnRef>
+          <a:fillRef idx="1">
+            <a:schemeClr val="accent1"/>
+          </a:fillRef>
+          <a:effectRef idx="0">
+            <a:schemeClr val="accent1"/>
+          </a:effectRef>
+          <a:fontRef idx="minor">
+            <a:schemeClr val="lt1"/>
+          </a:fontRef>
+        </p:style>
+        <p:txBody>
+          <a:bodyPr rtlCol="0" anchor="ctr"/>
+          <a:lstStyle/>
+          <a:p>
+            <a:pPr algn="ctr"/>
+            <a:endParaRPr lang="en-US">
+              <a:solidFill>
+                <a:schemeClr val="tx1"/>
+              </a:solidFill>
+            </a:endParaRPr>
+          </a:p>
+        </p:txBody>
+      </p:sp>
+      <p:sp>
+        <p:nvSpPr>
+          <p:cNvPr id="19" name="Rounded Rectangular Callout 18"/>
+          <p:cNvSpPr/>
+          <p:nvPr/>
+        </p:nvSpPr>
+        <p:spPr>
+          <a:xfrm>
+            <a:off x="290512" y="2755950"/>
+            <a:ext cx="3538736" cy="2880320"/>
+          </a:xfrm>
+          <a:prstGeom prst="wedgeRoundRectCallout">
+            <a:avLst/>
+          </a:prstGeom>
+          <a:noFill/>
+          <a:ln w="76200">
+            <a:solidFill>
+              <a:srgbClr val="00FF00"/>
+            </a:solidFill>
+          </a:ln>
+        </p:spPr>
+        <p:style>
+          <a:lnRef idx="2">
+            <a:schemeClr val="accent1">
+              <a:shade val="50000"/>
+            </a:schemeClr>
+          </a:lnRef>
+          <a:fillRef idx="1">
+            <a:schemeClr val="accent1"/>
+          </a:fillRef>
+          <a:effectRef idx="0">
+            <a:schemeClr val="accent1"/>
+          </a:effectRef>
+          <a:fontRef idx="minor">
+            <a:schemeClr val="lt1"/>
+          </a:fontRef>
+        </p:style>
+        <p:txBody>
+          <a:bodyPr rtlCol="0" anchor="ctr"/>
+          <a:lstStyle/>
+          <a:p>
+            <a:pPr algn="ctr"/>
+            <a:endParaRPr lang="en-US"/>
+          </a:p>
+        </p:txBody>
+      </p:sp>
     </p:spTree>
     <p:extLst>
       <p:ext uri="{BB962C8B-B14F-4D97-AF65-F5344CB8AC3E}">
-        <p14:creationId xmlns:p14="http://schemas.microsoft.com/office/powerpoint/2010/main" val="494383521"/>
+        <p14:creationId xmlns:p14="http://schemas.microsoft.com/office/powerpoint/2010/main" val="773670875"/>
       </p:ext>
     </p:extLst>
   </p:cSld>
@@ -50073,9 +50024,6 @@
                     <p:cTn id="3" fill="hold">
                       <p:stCondLst>
                         <p:cond delay="indefinite"/>
-                        <p:cond evt="onBegin" delay="0">
-                          <p:tn val="2"/>
-                        </p:cond>
                       </p:stCondLst>
                       <p:childTnLst>
                         <p:par>
@@ -50085,9 +50033,9 @@
                             </p:stCondLst>
                             <p:childTnLst>
                               <p:par>
-                                <p:cTn id="5" presetID="14" presetClass="entr" presetSubtype="10" fill="hold" nodeType="afterEffect">
+                                <p:cTn id="5" presetID="2" presetClass="entr" presetSubtype="4" fill="hold" nodeType="clickEffect">
                                   <p:stCondLst>
-                                    <p:cond delay="1500"/>
+                                    <p:cond delay="0"/>
                                   </p:stCondLst>
                                   <p:childTnLst>
                                     <p:set>
@@ -50098,7 +50046,7 @@
                                           </p:stCondLst>
                                         </p:cTn>
                                         <p:tgtEl>
-                                          <p:spTgt spid="6"/>
+                                          <p:spTgt spid="14"/>
                                         </p:tgtEl>
                                         <p:attrNameLst>
                                           <p:attrName>style.visibility</p:attrName>
@@ -50108,11 +50056,155 @@
                                         <p:strVal val="visible"/>
                                       </p:to>
                                     </p:set>
-                                    <p:animEffect transition="in" filter="randombar(horizontal)">
+                                    <p:anim calcmode="lin" valueType="num">
+                                      <p:cBhvr additive="base">
+                                        <p:cTn id="7" dur="500" fill="hold"/>
+                                        <p:tgtEl>
+                                          <p:spTgt spid="14"/>
+                                        </p:tgtEl>
+                                        <p:attrNameLst>
+                                          <p:attrName>ppt_x</p:attrName>
+                                        </p:attrNameLst>
+                                      </p:cBhvr>
+                                      <p:tavLst>
+                                        <p:tav tm="0">
+                                          <p:val>
+                                            <p:strVal val="#ppt_x"/>
+                                          </p:val>
+                                        </p:tav>
+                                        <p:tav tm="100000">
+                                          <p:val>
+                                            <p:strVal val="#ppt_x"/>
+                                          </p:val>
+                                        </p:tav>
+                                      </p:tavLst>
+                                    </p:anim>
+                                    <p:anim calcmode="lin" valueType="num">
+                                      <p:cBhvr additive="base">
+                                        <p:cTn id="8" dur="500" fill="hold"/>
+                                        <p:tgtEl>
+                                          <p:spTgt spid="14"/>
+                                        </p:tgtEl>
+                                        <p:attrNameLst>
+                                          <p:attrName>ppt_y</p:attrName>
+                                        </p:attrNameLst>
+                                      </p:cBhvr>
+                                      <p:tavLst>
+                                        <p:tav tm="0">
+                                          <p:val>
+                                            <p:strVal val="1+#ppt_h/2"/>
+                                          </p:val>
+                                        </p:tav>
+                                        <p:tav tm="100000">
+                                          <p:val>
+                                            <p:strVal val="#ppt_y"/>
+                                          </p:val>
+                                        </p:tav>
+                                      </p:tavLst>
+                                    </p:anim>
+                                  </p:childTnLst>
+                                </p:cTn>
+                              </p:par>
+                            </p:childTnLst>
+                          </p:cTn>
+                        </p:par>
+                      </p:childTnLst>
+                    </p:cTn>
+                  </p:par>
+                  <p:par>
+                    <p:cTn id="9" fill="hold">
+                      <p:stCondLst>
+                        <p:cond delay="indefinite"/>
+                      </p:stCondLst>
+                      <p:childTnLst>
+                        <p:par>
+                          <p:cTn id="10" fill="hold">
+                            <p:stCondLst>
+                              <p:cond delay="0"/>
+                            </p:stCondLst>
+                            <p:childTnLst>
+                              <p:par>
+                                <p:cTn id="11" presetID="22" presetClass="entr" presetSubtype="4" fill="hold" grpId="0" nodeType="clickEffect">
+                                  <p:stCondLst>
+                                    <p:cond delay="0"/>
+                                  </p:stCondLst>
+                                  <p:childTnLst>
+                                    <p:set>
                                       <p:cBhvr>
-                                        <p:cTn id="7" dur="1000"/>
+                                        <p:cTn id="12" dur="1" fill="hold">
+                                          <p:stCondLst>
+                                            <p:cond delay="0"/>
+                                          </p:stCondLst>
+                                        </p:cTn>
                                         <p:tgtEl>
-                                          <p:spTgt spid="6"/>
+                                          <p:spTgt spid="16"/>
+                                        </p:tgtEl>
+                                        <p:attrNameLst>
+                                          <p:attrName>style.visibility</p:attrName>
+                                        </p:attrNameLst>
+                                      </p:cBhvr>
+                                      <p:to>
+                                        <p:strVal val="visible"/>
+                                      </p:to>
+                                    </p:set>
+                                    <p:animEffect transition="in" filter="wipe(down)">
+                                      <p:cBhvr>
+                                        <p:cTn id="13" dur="500"/>
+                                        <p:tgtEl>
+                                          <p:spTgt spid="16"/>
+                                        </p:tgtEl>
+                                      </p:cBhvr>
+                                    </p:animEffect>
+                                  </p:childTnLst>
+                                </p:cTn>
+                              </p:par>
+                            </p:childTnLst>
+                          </p:cTn>
+                        </p:par>
+                      </p:childTnLst>
+                    </p:cTn>
+                  </p:par>
+                  <p:par>
+                    <p:cTn id="14" fill="hold">
+                      <p:stCondLst>
+                        <p:cond delay="indefinite"/>
+                      </p:stCondLst>
+                      <p:childTnLst>
+                        <p:par>
+                          <p:cTn id="15" fill="hold">
+                            <p:stCondLst>
+                              <p:cond delay="0"/>
+                            </p:stCondLst>
+                            <p:childTnLst>
+                              <p:par>
+                                <p:cTn id="16" presetID="6" presetClass="entr" presetSubtype="16" fill="hold" grpId="0" nodeType="clickEffect">
+                                  <p:stCondLst>
+                                    <p:cond delay="0"/>
+                                  </p:stCondLst>
+                                  <p:childTnLst>
+                                    <p:set>
+                                      <p:cBhvr>
+                                        <p:cTn id="17" dur="1" fill="hold">
+                                          <p:stCondLst>
+                                            <p:cond delay="0"/>
+                                          </p:stCondLst>
+                                        </p:cTn>
+                                        <p:tgtEl>
+                                          <p:spTgt spid="19"/>
+                                        </p:tgtEl>
+                                        <p:attrNameLst>
+                                          <p:attrName>style.visibility</p:attrName>
+                                        </p:attrNameLst>
+                                      </p:cBhvr>
+                                      <p:to>
+                                        <p:strVal val="visible"/>
+                                      </p:to>
+                                    </p:set>
+                                    <p:animEffect transition="in" filter="circle(in)">
+                                      <p:cBhvr>
+                                        <p:cTn id="18" dur="2000"/>
+                                        <p:tgtEl>
+                                          <p:spTgt spid="19"/>
                                         </p:tgtEl>
                                       </p:cBhvr>
                                     </p:animEffect>
@@ -50146,6 +50238,358 @@
         </p:cTn>
       </p:par>
     </p:tnLst>
+    <p:bldLst>
+      <p:bldP spid="16" grpId="0" animBg="1"/>
+      <p:bldP spid="19" grpId="0" animBg="1"/>
+    </p:bldLst>
+  </p:timing>
+</p:sld>
+</file>
+
+<file path=ppt/slides/slide6.xml><?xml version="1.0" encoding="utf-8"?>
+<p:sld xmlns:a="http://schemas.openxmlformats.org/drawingml/2006/main" xmlns:r="http://schemas.openxmlformats.org/officeDocument/2006/relationships" xmlns:p="http://schemas.openxmlformats.org/presentationml/2006/main" show="0">
+  <p:cSld>
+    <p:spTree>
+      <p:nvGrpSpPr>
+        <p:cNvPr id="1" name=""/>
+        <p:cNvGrpSpPr/>
+        <p:nvPr/>
+      </p:nvGrpSpPr>
+      <p:grpSpPr>
+        <a:xfrm>
+          <a:off x="0" y="0"/>
+          <a:ext cx="0" cy="0"/>
+          <a:chOff x="0" y="0"/>
+          <a:chExt cx="0" cy="0"/>
+        </a:xfrm>
+      </p:grpSpPr>
+      <p:sp>
+        <p:nvSpPr>
+          <p:cNvPr id="2" name="כותרת 1"/>
+          <p:cNvSpPr>
+            <a:spLocks noGrp="1"/>
+          </p:cNvSpPr>
+          <p:nvPr>
+            <p:ph type="title"/>
+          </p:nvPr>
+        </p:nvSpPr>
+        <p:spPr>
+          <a:xfrm>
+            <a:off x="0" y="0"/>
+            <a:ext cx="9144000" cy="1268760"/>
+          </a:xfrm>
+          <a:solidFill>
+            <a:schemeClr val="tx2">
+              <a:lumMod val="60000"/>
+              <a:lumOff val="40000"/>
+            </a:schemeClr>
+          </a:solidFill>
+        </p:spPr>
+        <p:txBody>
+          <a:bodyPr>
+            <a:normAutofit/>
+          </a:bodyPr>
+          <a:lstStyle/>
+          <a:p>
+            <a:pPr algn="ctr" rtl="0"/>
+            <a:r>
+              <a:rPr lang="en-US" sz="3200" b="1" dirty="0" smtClean="0"/>
+              <a:t>VuFind Introduction</a:t>
+            </a:r>
+            <a:endParaRPr lang="he-IL" sz="3200" b="1" dirty="0"/>
+          </a:p>
+        </p:txBody>
+      </p:sp>
+      <p:sp>
+        <p:nvSpPr>
+          <p:cNvPr id="4" name="מציין מיקום של מספר שקופית 3"/>
+          <p:cNvSpPr>
+            <a:spLocks noGrp="1"/>
+          </p:cNvSpPr>
+          <p:nvPr>
+            <p:ph type="sldNum" sz="quarter" idx="12"/>
+          </p:nvPr>
+        </p:nvSpPr>
+        <p:spPr/>
+        <p:txBody>
+          <a:bodyPr/>
+          <a:lstStyle/>
+          <a:p>
+            <a:fld id="{99A8CB1B-85B5-416B-B838-2C014F74C4F2}" type="slidenum">
+              <a:rPr lang="he-IL" smtClean="0"/>
+              <a:pPr/>
+              <a:t>6</a:t>
+            </a:fld>
+            <a:endParaRPr lang="he-IL"/>
+          </a:p>
+        </p:txBody>
+      </p:sp>
+      <p:sp>
+        <p:nvSpPr>
+          <p:cNvPr id="5" name="Rectangle 3"/>
+          <p:cNvSpPr txBox="1">
+            <a:spLocks noChangeArrowheads="1"/>
+          </p:cNvSpPr>
+          <p:nvPr/>
+        </p:nvSpPr>
+        <p:spPr>
+          <a:xfrm>
+            <a:off x="330200" y="1412776"/>
+            <a:ext cx="8483600" cy="3430885"/>
+          </a:xfrm>
+          <a:prstGeom prst="rect">
+            <a:avLst/>
+          </a:prstGeom>
+        </p:spPr>
+        <p:txBody>
+          <a:bodyPr vert="horz" lIns="91440" tIns="45720" rIns="91440" bIns="45720" rtlCol="1">
+            <a:normAutofit/>
+          </a:bodyPr>
+          <a:lstStyle>
+            <a:lvl1pPr marL="342900" indent="-342900" algn="r" defTabSz="914400" rtl="1" eaLnBrk="1" latinLnBrk="0" hangingPunct="1">
+              <a:spcBef>
+                <a:spcPct val="20000"/>
+              </a:spcBef>
+              <a:buFont typeface="Arial" pitchFamily="34" charset="0"/>
+              <a:buChar char="•"/>
+              <a:defRPr sz="3200" kern="1200">
+                <a:solidFill>
+                  <a:schemeClr val="tx1"/>
+                </a:solidFill>
+                <a:latin typeface="+mn-lt"/>
+                <a:ea typeface="+mn-ea"/>
+                <a:cs typeface="+mn-cs"/>
+              </a:defRPr>
+            </a:lvl1pPr>
+            <a:lvl2pPr marL="742950" indent="-285750" algn="r" defTabSz="914400" rtl="1" eaLnBrk="1" latinLnBrk="0" hangingPunct="1">
+              <a:spcBef>
+                <a:spcPct val="20000"/>
+              </a:spcBef>
+              <a:buFont typeface="Arial" pitchFamily="34" charset="0"/>
+              <a:buChar char="–"/>
+              <a:defRPr sz="2800" kern="1200">
+                <a:solidFill>
+                  <a:schemeClr val="tx1"/>
+                </a:solidFill>
+                <a:latin typeface="+mn-lt"/>
+                <a:ea typeface="+mn-ea"/>
+                <a:cs typeface="+mn-cs"/>
+              </a:defRPr>
+            </a:lvl2pPr>
+            <a:lvl3pPr marL="1143000" indent="-228600" algn="r" defTabSz="914400" rtl="1" eaLnBrk="1" latinLnBrk="0" hangingPunct="1">
+              <a:spcBef>
+                <a:spcPct val="20000"/>
+              </a:spcBef>
+              <a:buFont typeface="Arial" pitchFamily="34" charset="0"/>
+              <a:buChar char="•"/>
+              <a:defRPr sz="2400" kern="1200">
+                <a:solidFill>
+                  <a:schemeClr val="tx1"/>
+                </a:solidFill>
+                <a:latin typeface="+mn-lt"/>
+                <a:ea typeface="+mn-ea"/>
+                <a:cs typeface="+mn-cs"/>
+              </a:defRPr>
+            </a:lvl3pPr>
+            <a:lvl4pPr marL="1600200" indent="-228600" algn="r" defTabSz="914400" rtl="1" eaLnBrk="1" latinLnBrk="0" hangingPunct="1">
+              <a:spcBef>
+                <a:spcPct val="20000"/>
+              </a:spcBef>
+              <a:buFont typeface="Arial" pitchFamily="34" charset="0"/>
+              <a:buChar char="–"/>
+              <a:defRPr sz="2000" kern="1200">
+                <a:solidFill>
+                  <a:schemeClr val="tx1"/>
+                </a:solidFill>
+                <a:latin typeface="+mn-lt"/>
+                <a:ea typeface="+mn-ea"/>
+                <a:cs typeface="+mn-cs"/>
+              </a:defRPr>
+            </a:lvl4pPr>
+            <a:lvl5pPr marL="2057400" indent="-228600" algn="r" defTabSz="914400" rtl="1" eaLnBrk="1" latinLnBrk="0" hangingPunct="1">
+              <a:spcBef>
+                <a:spcPct val="20000"/>
+              </a:spcBef>
+              <a:buFont typeface="Arial" pitchFamily="34" charset="0"/>
+              <a:buChar char="»"/>
+              <a:defRPr sz="2000" kern="1200">
+                <a:solidFill>
+                  <a:schemeClr val="tx1"/>
+                </a:solidFill>
+                <a:latin typeface="+mn-lt"/>
+                <a:ea typeface="+mn-ea"/>
+                <a:cs typeface="+mn-cs"/>
+              </a:defRPr>
+            </a:lvl5pPr>
+            <a:lvl6pPr marL="2514600" indent="-228600" algn="r" defTabSz="914400" rtl="1" eaLnBrk="1" latinLnBrk="0" hangingPunct="1">
+              <a:spcBef>
+                <a:spcPct val="20000"/>
+              </a:spcBef>
+              <a:buFont typeface="Arial" pitchFamily="34" charset="0"/>
+              <a:buChar char="•"/>
+              <a:defRPr sz="2000" kern="1200">
+                <a:solidFill>
+                  <a:schemeClr val="tx1"/>
+                </a:solidFill>
+                <a:latin typeface="+mn-lt"/>
+                <a:ea typeface="+mn-ea"/>
+                <a:cs typeface="+mn-cs"/>
+              </a:defRPr>
+            </a:lvl6pPr>
+            <a:lvl7pPr marL="2971800" indent="-228600" algn="r" defTabSz="914400" rtl="1" eaLnBrk="1" latinLnBrk="0" hangingPunct="1">
+              <a:spcBef>
+                <a:spcPct val="20000"/>
+              </a:spcBef>
+              <a:buFont typeface="Arial" pitchFamily="34" charset="0"/>
+              <a:buChar char="•"/>
+              <a:defRPr sz="2000" kern="1200">
+                <a:solidFill>
+                  <a:schemeClr val="tx1"/>
+                </a:solidFill>
+                <a:latin typeface="+mn-lt"/>
+                <a:ea typeface="+mn-ea"/>
+                <a:cs typeface="+mn-cs"/>
+              </a:defRPr>
+            </a:lvl7pPr>
+            <a:lvl8pPr marL="3429000" indent="-228600" algn="r" defTabSz="914400" rtl="1" eaLnBrk="1" latinLnBrk="0" hangingPunct="1">
+              <a:spcBef>
+                <a:spcPct val="20000"/>
+              </a:spcBef>
+              <a:buFont typeface="Arial" pitchFamily="34" charset="0"/>
+              <a:buChar char="•"/>
+              <a:defRPr sz="2000" kern="1200">
+                <a:solidFill>
+                  <a:schemeClr val="tx1"/>
+                </a:solidFill>
+                <a:latin typeface="+mn-lt"/>
+                <a:ea typeface="+mn-ea"/>
+                <a:cs typeface="+mn-cs"/>
+              </a:defRPr>
+            </a:lvl8pPr>
+            <a:lvl9pPr marL="3886200" indent="-228600" algn="r" defTabSz="914400" rtl="1" eaLnBrk="1" latinLnBrk="0" hangingPunct="1">
+              <a:spcBef>
+                <a:spcPct val="20000"/>
+              </a:spcBef>
+              <a:buFont typeface="Arial" pitchFamily="34" charset="0"/>
+              <a:buChar char="•"/>
+              <a:defRPr sz="2000" kern="1200">
+                <a:solidFill>
+                  <a:schemeClr val="tx1"/>
+                </a:solidFill>
+                <a:latin typeface="+mn-lt"/>
+                <a:ea typeface="+mn-ea"/>
+                <a:cs typeface="+mn-cs"/>
+              </a:defRPr>
+            </a:lvl9pPr>
+          </a:lstStyle>
+          <a:p>
+            <a:pPr marL="0" indent="0" algn="l" rtl="0">
+              <a:buNone/>
+            </a:pPr>
+            <a:r>
+              <a:rPr lang="en-US" altLang="en-US" dirty="0" smtClean="0"/>
+              <a:t>Quote</a:t>
+            </a:r>
+            <a:r>
+              <a:rPr lang="en-US" altLang="en-US" i="1" dirty="0" smtClean="0"/>
+              <a:t>:</a:t>
+            </a:r>
+          </a:p>
+          <a:p>
+            <a:pPr marL="0" indent="0" algn="l" rtl="0">
+              <a:buNone/>
+            </a:pPr>
+            <a:r>
+              <a:rPr lang="en-US" dirty="0">
+                <a:latin typeface="Baskerville Old Face" panose="02020602080505020303" pitchFamily="18" charset="0"/>
+                <a:cs typeface="Aharoni" panose="02010803020104030203" pitchFamily="2" charset="-79"/>
+              </a:rPr>
+              <a:t>VuFind is a </a:t>
+            </a:r>
+            <a:r>
+              <a:rPr lang="en-US" dirty="0" smtClean="0">
+                <a:latin typeface="Baskerville Old Face" panose="02020602080505020303" pitchFamily="18" charset="0"/>
+                <a:cs typeface="Aharoni" panose="02010803020104030203" pitchFamily="2" charset="-79"/>
+              </a:rPr>
+              <a:t>resource </a:t>
+            </a:r>
+            <a:r>
+              <a:rPr lang="en-US" dirty="0">
+                <a:latin typeface="Baskerville Old Face" panose="02020602080505020303" pitchFamily="18" charset="0"/>
+                <a:cs typeface="Aharoni" panose="02010803020104030203" pitchFamily="2" charset="-79"/>
+              </a:rPr>
+              <a:t>portal designed and developed for </a:t>
+            </a:r>
+            <a:r>
+              <a:rPr lang="en-US" dirty="0" smtClean="0">
+                <a:latin typeface="Baskerville Old Face" panose="02020602080505020303" pitchFamily="18" charset="0"/>
+                <a:cs typeface="Aharoni" panose="02010803020104030203" pitchFamily="2" charset="-79"/>
+              </a:rPr>
+              <a:t>libraries. </a:t>
+            </a:r>
+          </a:p>
+          <a:p>
+            <a:pPr marL="0" indent="0" algn="l" rtl="0">
+              <a:buNone/>
+            </a:pPr>
+            <a:r>
+              <a:rPr lang="en-US" dirty="0" smtClean="0">
+                <a:latin typeface="Baskerville Old Face" panose="02020602080505020303" pitchFamily="18" charset="0"/>
+                <a:cs typeface="Aharoni" panose="02010803020104030203" pitchFamily="2" charset="-79"/>
+              </a:rPr>
+              <a:t>The </a:t>
+            </a:r>
+            <a:r>
+              <a:rPr lang="en-US" dirty="0">
+                <a:latin typeface="Baskerville Old Face" panose="02020602080505020303" pitchFamily="18" charset="0"/>
+                <a:cs typeface="Aharoni" panose="02010803020104030203" pitchFamily="2" charset="-79"/>
+              </a:rPr>
+              <a:t>goal of VuFind is to enable your users to search and browse through all of your library's </a:t>
+            </a:r>
+            <a:r>
+              <a:rPr lang="en-US" dirty="0" smtClean="0">
+                <a:latin typeface="Baskerville Old Face" panose="02020602080505020303" pitchFamily="18" charset="0"/>
+                <a:cs typeface="Aharoni" panose="02010803020104030203" pitchFamily="2" charset="-79"/>
+              </a:rPr>
+              <a:t>resources. </a:t>
+            </a:r>
+            <a:endParaRPr lang="en-US" altLang="en-US" i="1" dirty="0" smtClean="0">
+              <a:latin typeface="Baskerville Old Face" panose="02020602080505020303" pitchFamily="18" charset="0"/>
+              <a:cs typeface="Aharoni" panose="02010803020104030203" pitchFamily="2" charset="-79"/>
+            </a:endParaRPr>
+          </a:p>
+          <a:p>
+            <a:pPr marL="0" indent="0" algn="l" rtl="0">
+              <a:buNone/>
+            </a:pPr>
+            <a:endParaRPr lang="en-US" altLang="en-US" dirty="0" smtClean="0"/>
+          </a:p>
+        </p:txBody>
+      </p:sp>
+    </p:spTree>
+    <p:extLst>
+      <p:ext uri="{BB962C8B-B14F-4D97-AF65-F5344CB8AC3E}">
+        <p14:creationId xmlns:p14="http://schemas.microsoft.com/office/powerpoint/2010/main" val="3321725909"/>
+      </p:ext>
+    </p:extLst>
+  </p:cSld>
+  <p:clrMapOvr>
+    <a:masterClrMapping/>
+  </p:clrMapOvr>
+  <mc:AlternateContent xmlns:mc="http://schemas.openxmlformats.org/markup-compatibility/2006" xmlns:p14="http://schemas.microsoft.com/office/powerpoint/2010/main">
+    <mc:Choice Requires="p14">
+      <p:transition spd="slow" p14:dur="2000"/>
+    </mc:Choice>
+    <mc:Fallback xmlns="">
+      <p:transition spd="slow"/>
+    </mc:Fallback>
+  </mc:AlternateContent>
+  <p:timing>
+    <p:tnLst>
+      <p:par>
+        <p:cTn id="1" dur="indefinite" restart="never" nodeType="tmRoot"/>
+      </p:par>
+    </p:tnLst>
   </p:timing>
 </p:sld>
 </file>
@@ -50197,6 +50641,710 @@
           <a:p>
             <a:pPr rtl="0"/>
             <a:r>
+              <a:rPr lang="en-US" sz="3200" b="1" dirty="0"/>
+              <a:t>VuFind </a:t>
+            </a:r>
+            <a:r>
+              <a:rPr lang="en-US" sz="3200" b="1" dirty="0" smtClean="0"/>
+              <a:t>Introduction - II</a:t>
+            </a:r>
+            <a:endParaRPr lang="he-IL" sz="3200" b="1" dirty="0"/>
+          </a:p>
+        </p:txBody>
+      </p:sp>
+      <p:sp>
+        <p:nvSpPr>
+          <p:cNvPr id="4" name="מציין מיקום של מספר שקופית 3"/>
+          <p:cNvSpPr>
+            <a:spLocks noGrp="1"/>
+          </p:cNvSpPr>
+          <p:nvPr>
+            <p:ph type="sldNum" sz="quarter" idx="12"/>
+          </p:nvPr>
+        </p:nvSpPr>
+        <p:spPr/>
+        <p:txBody>
+          <a:bodyPr/>
+          <a:lstStyle/>
+          <a:p>
+            <a:fld id="{99A8CB1B-85B5-416B-B838-2C014F74C4F2}" type="slidenum">
+              <a:rPr lang="he-IL" smtClean="0"/>
+              <a:pPr/>
+              <a:t>7</a:t>
+            </a:fld>
+            <a:endParaRPr lang="he-IL"/>
+          </a:p>
+        </p:txBody>
+      </p:sp>
+      <p:sp>
+        <p:nvSpPr>
+          <p:cNvPr id="5" name="Rectangle 3"/>
+          <p:cNvSpPr txBox="1">
+            <a:spLocks noChangeArrowheads="1"/>
+          </p:cNvSpPr>
+          <p:nvPr/>
+        </p:nvSpPr>
+        <p:spPr>
+          <a:xfrm>
+            <a:off x="330200" y="1438275"/>
+            <a:ext cx="8483600" cy="3430885"/>
+          </a:xfrm>
+          <a:prstGeom prst="rect">
+            <a:avLst/>
+          </a:prstGeom>
+        </p:spPr>
+        <p:txBody>
+          <a:bodyPr vert="horz" lIns="91440" tIns="45720" rIns="91440" bIns="45720" rtlCol="1">
+            <a:normAutofit lnSpcReduction="10000"/>
+          </a:bodyPr>
+          <a:lstStyle>
+            <a:lvl1pPr marL="342900" indent="-342900" algn="r" defTabSz="914400" rtl="1" eaLnBrk="1" latinLnBrk="0" hangingPunct="1">
+              <a:spcBef>
+                <a:spcPct val="20000"/>
+              </a:spcBef>
+              <a:buFont typeface="Arial" pitchFamily="34" charset="0"/>
+              <a:buChar char="•"/>
+              <a:defRPr sz="3200" kern="1200">
+                <a:solidFill>
+                  <a:schemeClr val="tx1"/>
+                </a:solidFill>
+                <a:latin typeface="+mn-lt"/>
+                <a:ea typeface="+mn-ea"/>
+                <a:cs typeface="+mn-cs"/>
+              </a:defRPr>
+            </a:lvl1pPr>
+            <a:lvl2pPr marL="742950" indent="-285750" algn="r" defTabSz="914400" rtl="1" eaLnBrk="1" latinLnBrk="0" hangingPunct="1">
+              <a:spcBef>
+                <a:spcPct val="20000"/>
+              </a:spcBef>
+              <a:buFont typeface="Arial" pitchFamily="34" charset="0"/>
+              <a:buChar char="–"/>
+              <a:defRPr sz="2800" kern="1200">
+                <a:solidFill>
+                  <a:schemeClr val="tx1"/>
+                </a:solidFill>
+                <a:latin typeface="+mn-lt"/>
+                <a:ea typeface="+mn-ea"/>
+                <a:cs typeface="+mn-cs"/>
+              </a:defRPr>
+            </a:lvl2pPr>
+            <a:lvl3pPr marL="1143000" indent="-228600" algn="r" defTabSz="914400" rtl="1" eaLnBrk="1" latinLnBrk="0" hangingPunct="1">
+              <a:spcBef>
+                <a:spcPct val="20000"/>
+              </a:spcBef>
+              <a:buFont typeface="Arial" pitchFamily="34" charset="0"/>
+              <a:buChar char="•"/>
+              <a:defRPr sz="2400" kern="1200">
+                <a:solidFill>
+                  <a:schemeClr val="tx1"/>
+                </a:solidFill>
+                <a:latin typeface="+mn-lt"/>
+                <a:ea typeface="+mn-ea"/>
+                <a:cs typeface="+mn-cs"/>
+              </a:defRPr>
+            </a:lvl3pPr>
+            <a:lvl4pPr marL="1600200" indent="-228600" algn="r" defTabSz="914400" rtl="1" eaLnBrk="1" latinLnBrk="0" hangingPunct="1">
+              <a:spcBef>
+                <a:spcPct val="20000"/>
+              </a:spcBef>
+              <a:buFont typeface="Arial" pitchFamily="34" charset="0"/>
+              <a:buChar char="–"/>
+              <a:defRPr sz="2000" kern="1200">
+                <a:solidFill>
+                  <a:schemeClr val="tx1"/>
+                </a:solidFill>
+                <a:latin typeface="+mn-lt"/>
+                <a:ea typeface="+mn-ea"/>
+                <a:cs typeface="+mn-cs"/>
+              </a:defRPr>
+            </a:lvl4pPr>
+            <a:lvl5pPr marL="2057400" indent="-228600" algn="r" defTabSz="914400" rtl="1" eaLnBrk="1" latinLnBrk="0" hangingPunct="1">
+              <a:spcBef>
+                <a:spcPct val="20000"/>
+              </a:spcBef>
+              <a:buFont typeface="Arial" pitchFamily="34" charset="0"/>
+              <a:buChar char="»"/>
+              <a:defRPr sz="2000" kern="1200">
+                <a:solidFill>
+                  <a:schemeClr val="tx1"/>
+                </a:solidFill>
+                <a:latin typeface="+mn-lt"/>
+                <a:ea typeface="+mn-ea"/>
+                <a:cs typeface="+mn-cs"/>
+              </a:defRPr>
+            </a:lvl5pPr>
+            <a:lvl6pPr marL="2514600" indent="-228600" algn="r" defTabSz="914400" rtl="1" eaLnBrk="1" latinLnBrk="0" hangingPunct="1">
+              <a:spcBef>
+                <a:spcPct val="20000"/>
+              </a:spcBef>
+              <a:buFont typeface="Arial" pitchFamily="34" charset="0"/>
+              <a:buChar char="•"/>
+              <a:defRPr sz="2000" kern="1200">
+                <a:solidFill>
+                  <a:schemeClr val="tx1"/>
+                </a:solidFill>
+                <a:latin typeface="+mn-lt"/>
+                <a:ea typeface="+mn-ea"/>
+                <a:cs typeface="+mn-cs"/>
+              </a:defRPr>
+            </a:lvl6pPr>
+            <a:lvl7pPr marL="2971800" indent="-228600" algn="r" defTabSz="914400" rtl="1" eaLnBrk="1" latinLnBrk="0" hangingPunct="1">
+              <a:spcBef>
+                <a:spcPct val="20000"/>
+              </a:spcBef>
+              <a:buFont typeface="Arial" pitchFamily="34" charset="0"/>
+              <a:buChar char="•"/>
+              <a:defRPr sz="2000" kern="1200">
+                <a:solidFill>
+                  <a:schemeClr val="tx1"/>
+                </a:solidFill>
+                <a:latin typeface="+mn-lt"/>
+                <a:ea typeface="+mn-ea"/>
+                <a:cs typeface="+mn-cs"/>
+              </a:defRPr>
+            </a:lvl7pPr>
+            <a:lvl8pPr marL="3429000" indent="-228600" algn="r" defTabSz="914400" rtl="1" eaLnBrk="1" latinLnBrk="0" hangingPunct="1">
+              <a:spcBef>
+                <a:spcPct val="20000"/>
+              </a:spcBef>
+              <a:buFont typeface="Arial" pitchFamily="34" charset="0"/>
+              <a:buChar char="•"/>
+              <a:defRPr sz="2000" kern="1200">
+                <a:solidFill>
+                  <a:schemeClr val="tx1"/>
+                </a:solidFill>
+                <a:latin typeface="+mn-lt"/>
+                <a:ea typeface="+mn-ea"/>
+                <a:cs typeface="+mn-cs"/>
+              </a:defRPr>
+            </a:lvl8pPr>
+            <a:lvl9pPr marL="3886200" indent="-228600" algn="r" defTabSz="914400" rtl="1" eaLnBrk="1" latinLnBrk="0" hangingPunct="1">
+              <a:spcBef>
+                <a:spcPct val="20000"/>
+              </a:spcBef>
+              <a:buFont typeface="Arial" pitchFamily="34" charset="0"/>
+              <a:buChar char="•"/>
+              <a:defRPr sz="2000" kern="1200">
+                <a:solidFill>
+                  <a:schemeClr val="tx1"/>
+                </a:solidFill>
+                <a:latin typeface="+mn-lt"/>
+                <a:ea typeface="+mn-ea"/>
+                <a:cs typeface="+mn-cs"/>
+              </a:defRPr>
+            </a:lvl9pPr>
+          </a:lstStyle>
+          <a:p>
+            <a:pPr marL="0" indent="0" algn="l" rtl="0">
+              <a:buNone/>
+            </a:pPr>
+            <a:r>
+              <a:rPr lang="en-US" dirty="0" smtClean="0">
+                <a:latin typeface="Baskerville Old Face" panose="02020602080505020303" pitchFamily="18" charset="0"/>
+                <a:cs typeface="Aharoni" panose="02010803020104030203" pitchFamily="2" charset="-79"/>
+              </a:rPr>
+              <a:t>This, to include:</a:t>
+            </a:r>
+          </a:p>
+          <a:p>
+            <a:pPr lvl="1" algn="l" rtl="0"/>
+            <a:r>
+              <a:rPr lang="en-US" dirty="0"/>
+              <a:t>Catalog Records</a:t>
+            </a:r>
+          </a:p>
+          <a:p>
+            <a:pPr lvl="1" algn="l" rtl="0"/>
+            <a:r>
+              <a:rPr lang="en-US" dirty="0"/>
+              <a:t>Locally Cached Journals</a:t>
+            </a:r>
+          </a:p>
+          <a:p>
+            <a:pPr lvl="1" algn="l" rtl="0"/>
+            <a:r>
+              <a:rPr lang="en-US" dirty="0"/>
+              <a:t>Digital Library Items</a:t>
+            </a:r>
+          </a:p>
+          <a:p>
+            <a:pPr lvl="1" algn="l" rtl="0"/>
+            <a:r>
+              <a:rPr lang="en-US" dirty="0"/>
+              <a:t>Institutional Repository</a:t>
+            </a:r>
+          </a:p>
+          <a:p>
+            <a:pPr lvl="1" algn="l" rtl="0"/>
+            <a:r>
+              <a:rPr lang="en-US" dirty="0"/>
+              <a:t>Institutional Bibliography</a:t>
+            </a:r>
+          </a:p>
+          <a:p>
+            <a:pPr lvl="1" algn="l" rtl="0"/>
+            <a:r>
+              <a:rPr lang="en-US" dirty="0"/>
+              <a:t>Other Library Collections and Resources</a:t>
+            </a:r>
+          </a:p>
+          <a:p>
+            <a:pPr marL="0" indent="0" algn="l" rtl="0">
+              <a:buNone/>
+            </a:pPr>
+            <a:endParaRPr lang="en-US" altLang="en-US" dirty="0" smtClean="0"/>
+          </a:p>
+        </p:txBody>
+      </p:sp>
+    </p:spTree>
+    <p:extLst>
+      <p:ext uri="{BB962C8B-B14F-4D97-AF65-F5344CB8AC3E}">
+        <p14:creationId xmlns:p14="http://schemas.microsoft.com/office/powerpoint/2010/main" val="68726919"/>
+      </p:ext>
+    </p:extLst>
+  </p:cSld>
+  <p:clrMapOvr>
+    <a:masterClrMapping/>
+  </p:clrMapOvr>
+  <mc:AlternateContent xmlns:mc="http://schemas.openxmlformats.org/markup-compatibility/2006" xmlns:p14="http://schemas.microsoft.com/office/powerpoint/2010/main">
+    <mc:Choice Requires="p14">
+      <p:transition spd="slow" p14:dur="2000"/>
+    </mc:Choice>
+    <mc:Fallback xmlns="">
+      <p:transition spd="slow"/>
+    </mc:Fallback>
+  </mc:AlternateContent>
+  <p:timing>
+    <p:tnLst>
+      <p:par>
+        <p:cTn id="1" dur="indefinite" restart="never" nodeType="tmRoot"/>
+      </p:par>
+    </p:tnLst>
+  </p:timing>
+</p:sld>
+</file>
+
+<file path=ppt/slides/slide8.xml><?xml version="1.0" encoding="utf-8"?>
+<p:sld xmlns:a="http://schemas.openxmlformats.org/drawingml/2006/main" xmlns:r="http://schemas.openxmlformats.org/officeDocument/2006/relationships" xmlns:p="http://schemas.openxmlformats.org/presentationml/2006/main" show="0">
+  <p:cSld>
+    <p:spTree>
+      <p:nvGrpSpPr>
+        <p:cNvPr id="1" name=""/>
+        <p:cNvGrpSpPr/>
+        <p:nvPr/>
+      </p:nvGrpSpPr>
+      <p:grpSpPr>
+        <a:xfrm>
+          <a:off x="0" y="0"/>
+          <a:ext cx="0" cy="0"/>
+          <a:chOff x="0" y="0"/>
+          <a:chExt cx="0" cy="0"/>
+        </a:xfrm>
+      </p:grpSpPr>
+      <p:sp>
+        <p:nvSpPr>
+          <p:cNvPr id="2" name="כותרת 1"/>
+          <p:cNvSpPr>
+            <a:spLocks noGrp="1"/>
+          </p:cNvSpPr>
+          <p:nvPr>
+            <p:ph type="title"/>
+          </p:nvPr>
+        </p:nvSpPr>
+        <p:spPr>
+          <a:xfrm>
+            <a:off x="0" y="0"/>
+            <a:ext cx="9144000" cy="1268760"/>
+          </a:xfrm>
+          <a:solidFill>
+            <a:schemeClr val="tx2">
+              <a:lumMod val="60000"/>
+              <a:lumOff val="40000"/>
+            </a:schemeClr>
+          </a:solidFill>
+        </p:spPr>
+        <p:txBody>
+          <a:bodyPr>
+            <a:normAutofit/>
+          </a:bodyPr>
+          <a:lstStyle/>
+          <a:p>
+            <a:pPr rtl="0"/>
+            <a:r>
+              <a:rPr lang="en-US" sz="3200" b="1" dirty="0"/>
+              <a:t>VuFind </a:t>
+            </a:r>
+            <a:r>
+              <a:rPr lang="en-US" sz="3200" b="1" dirty="0" smtClean="0"/>
+              <a:t>Introduction - III</a:t>
+            </a:r>
+            <a:endParaRPr lang="he-IL" sz="3200" b="1" dirty="0"/>
+          </a:p>
+        </p:txBody>
+      </p:sp>
+      <p:sp>
+        <p:nvSpPr>
+          <p:cNvPr id="4" name="מציין מיקום של מספר שקופית 3"/>
+          <p:cNvSpPr>
+            <a:spLocks noGrp="1"/>
+          </p:cNvSpPr>
+          <p:nvPr>
+            <p:ph type="sldNum" sz="quarter" idx="12"/>
+          </p:nvPr>
+        </p:nvSpPr>
+        <p:spPr/>
+        <p:txBody>
+          <a:bodyPr/>
+          <a:lstStyle/>
+          <a:p>
+            <a:fld id="{99A8CB1B-85B5-416B-B838-2C014F74C4F2}" type="slidenum">
+              <a:rPr lang="he-IL" smtClean="0"/>
+              <a:pPr/>
+              <a:t>8</a:t>
+            </a:fld>
+            <a:endParaRPr lang="he-IL"/>
+          </a:p>
+        </p:txBody>
+      </p:sp>
+      <p:sp>
+        <p:nvSpPr>
+          <p:cNvPr id="5" name="Rectangle 3"/>
+          <p:cNvSpPr txBox="1">
+            <a:spLocks noChangeArrowheads="1"/>
+          </p:cNvSpPr>
+          <p:nvPr/>
+        </p:nvSpPr>
+        <p:spPr>
+          <a:xfrm>
+            <a:off x="330200" y="1438275"/>
+            <a:ext cx="8483600" cy="4727029"/>
+          </a:xfrm>
+          <a:prstGeom prst="rect">
+            <a:avLst/>
+          </a:prstGeom>
+        </p:spPr>
+        <p:txBody>
+          <a:bodyPr vert="horz" lIns="91440" tIns="45720" rIns="91440" bIns="45720" rtlCol="1">
+            <a:normAutofit fontScale="92500" lnSpcReduction="10000"/>
+          </a:bodyPr>
+          <a:lstStyle>
+            <a:lvl1pPr marL="342900" indent="-342900" algn="r" defTabSz="914400" rtl="1" eaLnBrk="1" latinLnBrk="0" hangingPunct="1">
+              <a:spcBef>
+                <a:spcPct val="20000"/>
+              </a:spcBef>
+              <a:buFont typeface="Arial" pitchFamily="34" charset="0"/>
+              <a:buChar char="•"/>
+              <a:defRPr sz="3200" kern="1200">
+                <a:solidFill>
+                  <a:schemeClr val="tx1"/>
+                </a:solidFill>
+                <a:latin typeface="+mn-lt"/>
+                <a:ea typeface="+mn-ea"/>
+                <a:cs typeface="+mn-cs"/>
+              </a:defRPr>
+            </a:lvl1pPr>
+            <a:lvl2pPr marL="742950" indent="-285750" algn="r" defTabSz="914400" rtl="1" eaLnBrk="1" latinLnBrk="0" hangingPunct="1">
+              <a:spcBef>
+                <a:spcPct val="20000"/>
+              </a:spcBef>
+              <a:buFont typeface="Arial" pitchFamily="34" charset="0"/>
+              <a:buChar char="–"/>
+              <a:defRPr sz="2800" kern="1200">
+                <a:solidFill>
+                  <a:schemeClr val="tx1"/>
+                </a:solidFill>
+                <a:latin typeface="+mn-lt"/>
+                <a:ea typeface="+mn-ea"/>
+                <a:cs typeface="+mn-cs"/>
+              </a:defRPr>
+            </a:lvl2pPr>
+            <a:lvl3pPr marL="1143000" indent="-228600" algn="r" defTabSz="914400" rtl="1" eaLnBrk="1" latinLnBrk="0" hangingPunct="1">
+              <a:spcBef>
+                <a:spcPct val="20000"/>
+              </a:spcBef>
+              <a:buFont typeface="Arial" pitchFamily="34" charset="0"/>
+              <a:buChar char="•"/>
+              <a:defRPr sz="2400" kern="1200">
+                <a:solidFill>
+                  <a:schemeClr val="tx1"/>
+                </a:solidFill>
+                <a:latin typeface="+mn-lt"/>
+                <a:ea typeface="+mn-ea"/>
+                <a:cs typeface="+mn-cs"/>
+              </a:defRPr>
+            </a:lvl3pPr>
+            <a:lvl4pPr marL="1600200" indent="-228600" algn="r" defTabSz="914400" rtl="1" eaLnBrk="1" latinLnBrk="0" hangingPunct="1">
+              <a:spcBef>
+                <a:spcPct val="20000"/>
+              </a:spcBef>
+              <a:buFont typeface="Arial" pitchFamily="34" charset="0"/>
+              <a:buChar char="–"/>
+              <a:defRPr sz="2000" kern="1200">
+                <a:solidFill>
+                  <a:schemeClr val="tx1"/>
+                </a:solidFill>
+                <a:latin typeface="+mn-lt"/>
+                <a:ea typeface="+mn-ea"/>
+                <a:cs typeface="+mn-cs"/>
+              </a:defRPr>
+            </a:lvl4pPr>
+            <a:lvl5pPr marL="2057400" indent="-228600" algn="r" defTabSz="914400" rtl="1" eaLnBrk="1" latinLnBrk="0" hangingPunct="1">
+              <a:spcBef>
+                <a:spcPct val="20000"/>
+              </a:spcBef>
+              <a:buFont typeface="Arial" pitchFamily="34" charset="0"/>
+              <a:buChar char="»"/>
+              <a:defRPr sz="2000" kern="1200">
+                <a:solidFill>
+                  <a:schemeClr val="tx1"/>
+                </a:solidFill>
+                <a:latin typeface="+mn-lt"/>
+                <a:ea typeface="+mn-ea"/>
+                <a:cs typeface="+mn-cs"/>
+              </a:defRPr>
+            </a:lvl5pPr>
+            <a:lvl6pPr marL="2514600" indent="-228600" algn="r" defTabSz="914400" rtl="1" eaLnBrk="1" latinLnBrk="0" hangingPunct="1">
+              <a:spcBef>
+                <a:spcPct val="20000"/>
+              </a:spcBef>
+              <a:buFont typeface="Arial" pitchFamily="34" charset="0"/>
+              <a:buChar char="•"/>
+              <a:defRPr sz="2000" kern="1200">
+                <a:solidFill>
+                  <a:schemeClr val="tx1"/>
+                </a:solidFill>
+                <a:latin typeface="+mn-lt"/>
+                <a:ea typeface="+mn-ea"/>
+                <a:cs typeface="+mn-cs"/>
+              </a:defRPr>
+            </a:lvl6pPr>
+            <a:lvl7pPr marL="2971800" indent="-228600" algn="r" defTabSz="914400" rtl="1" eaLnBrk="1" latinLnBrk="0" hangingPunct="1">
+              <a:spcBef>
+                <a:spcPct val="20000"/>
+              </a:spcBef>
+              <a:buFont typeface="Arial" pitchFamily="34" charset="0"/>
+              <a:buChar char="•"/>
+              <a:defRPr sz="2000" kern="1200">
+                <a:solidFill>
+                  <a:schemeClr val="tx1"/>
+                </a:solidFill>
+                <a:latin typeface="+mn-lt"/>
+                <a:ea typeface="+mn-ea"/>
+                <a:cs typeface="+mn-cs"/>
+              </a:defRPr>
+            </a:lvl7pPr>
+            <a:lvl8pPr marL="3429000" indent="-228600" algn="r" defTabSz="914400" rtl="1" eaLnBrk="1" latinLnBrk="0" hangingPunct="1">
+              <a:spcBef>
+                <a:spcPct val="20000"/>
+              </a:spcBef>
+              <a:buFont typeface="Arial" pitchFamily="34" charset="0"/>
+              <a:buChar char="•"/>
+              <a:defRPr sz="2000" kern="1200">
+                <a:solidFill>
+                  <a:schemeClr val="tx1"/>
+                </a:solidFill>
+                <a:latin typeface="+mn-lt"/>
+                <a:ea typeface="+mn-ea"/>
+                <a:cs typeface="+mn-cs"/>
+              </a:defRPr>
+            </a:lvl8pPr>
+            <a:lvl9pPr marL="3886200" indent="-228600" algn="r" defTabSz="914400" rtl="1" eaLnBrk="1" latinLnBrk="0" hangingPunct="1">
+              <a:spcBef>
+                <a:spcPct val="20000"/>
+              </a:spcBef>
+              <a:buFont typeface="Arial" pitchFamily="34" charset="0"/>
+              <a:buChar char="•"/>
+              <a:defRPr sz="2000" kern="1200">
+                <a:solidFill>
+                  <a:schemeClr val="tx1"/>
+                </a:solidFill>
+                <a:latin typeface="+mn-lt"/>
+                <a:ea typeface="+mn-ea"/>
+                <a:cs typeface="+mn-cs"/>
+              </a:defRPr>
+            </a:lvl9pPr>
+          </a:lstStyle>
+          <a:p>
+            <a:pPr marL="0" indent="0" algn="l" rtl="0">
+              <a:buNone/>
+            </a:pPr>
+            <a:r>
+              <a:rPr lang="en-US" dirty="0" smtClean="0">
+                <a:latin typeface="Baskerville Old Face" panose="02020602080505020303" pitchFamily="18" charset="0"/>
+                <a:cs typeface="Aharoni" panose="02010803020104030203" pitchFamily="2" charset="-79"/>
+              </a:rPr>
+              <a:t>Now, let us please notice what they say, on their </a:t>
+            </a:r>
+            <a:r>
+              <a:rPr lang="en-US" b="1" dirty="0" smtClean="0">
+                <a:latin typeface="Baskerville Old Face" panose="02020602080505020303" pitchFamily="18" charset="0"/>
+                <a:cs typeface="Aharoni" panose="02010803020104030203" pitchFamily="2" charset="-79"/>
+              </a:rPr>
+              <a:t>code</a:t>
+            </a:r>
+            <a:r>
+              <a:rPr lang="en-US" dirty="0" smtClean="0">
+                <a:latin typeface="Baskerville Old Face" panose="02020602080505020303" pitchFamily="18" charset="0"/>
+                <a:cs typeface="Aharoni" panose="02010803020104030203" pitchFamily="2" charset="-79"/>
+              </a:rPr>
+              <a:t>:</a:t>
+            </a:r>
+          </a:p>
+          <a:p>
+            <a:pPr marL="0" indent="0" algn="l" rtl="0">
+              <a:buNone/>
+            </a:pPr>
+            <a:endParaRPr lang="en-US" dirty="0" smtClean="0">
+              <a:latin typeface="Baskerville Old Face" panose="02020602080505020303" pitchFamily="18" charset="0"/>
+              <a:cs typeface="Aharoni" panose="02010803020104030203" pitchFamily="2" charset="-79"/>
+            </a:endParaRPr>
+          </a:p>
+          <a:p>
+            <a:pPr marL="0" indent="0" algn="just" rtl="0">
+              <a:buNone/>
+            </a:pPr>
+            <a:r>
+              <a:rPr lang="en-US" dirty="0" smtClean="0">
+                <a:latin typeface="Baskerville Old Face" panose="02020602080505020303" pitchFamily="18" charset="0"/>
+                <a:cs typeface="Aharoni" panose="02010803020104030203" pitchFamily="2" charset="-79"/>
+              </a:rPr>
+              <a:t>	1. S</a:t>
+            </a:r>
+            <a:r>
+              <a:rPr lang="en-US" dirty="0" smtClean="0"/>
+              <a:t>ince </a:t>
+            </a:r>
+            <a:r>
+              <a:rPr lang="en-US" dirty="0"/>
+              <a:t>it's open source, you can modify 	   	     </a:t>
+            </a:r>
+            <a:r>
+              <a:rPr lang="en-US" dirty="0" smtClean="0"/>
+              <a:t>	     the </a:t>
+            </a:r>
+            <a:r>
+              <a:rPr lang="en-US" dirty="0"/>
+              <a:t>modules to best fit your need or you can 	     add new modules to extend your resource 	  	     offerings.</a:t>
+            </a:r>
+            <a:r>
+              <a:rPr lang="en-US" dirty="0">
+                <a:latin typeface="Baskerville Old Face" panose="02020602080505020303" pitchFamily="18" charset="0"/>
+                <a:cs typeface="Aharoni" panose="02010803020104030203" pitchFamily="2" charset="-79"/>
+              </a:rPr>
+              <a:t> </a:t>
+            </a:r>
+            <a:endParaRPr lang="en-US" dirty="0"/>
+          </a:p>
+          <a:p>
+            <a:pPr marL="0" indent="0" algn="just" rtl="0">
+              <a:buNone/>
+            </a:pPr>
+            <a:endParaRPr lang="en-US" dirty="0" smtClean="0"/>
+          </a:p>
+          <a:p>
+            <a:pPr marL="0" indent="0" algn="l" rtl="0">
+              <a:buNone/>
+            </a:pPr>
+            <a:r>
+              <a:rPr lang="en-US" dirty="0" smtClean="0"/>
+              <a:t>	2. </a:t>
+            </a:r>
+            <a:r>
+              <a:rPr lang="en-US" b="1" u="dbl" dirty="0"/>
+              <a:t>VuFind is completely modular</a:t>
+            </a:r>
+            <a:r>
+              <a:rPr lang="en-US" b="1" dirty="0"/>
+              <a:t> </a:t>
+            </a:r>
+            <a:r>
+              <a:rPr lang="en-US" dirty="0"/>
+              <a:t>so you can 	  	     implement just the basic system, or all of the 	     components. </a:t>
+            </a:r>
+          </a:p>
+          <a:p>
+            <a:pPr marL="0" indent="0" algn="l" rtl="0">
+              <a:buNone/>
+            </a:pPr>
+            <a:endParaRPr lang="en-US" b="1" dirty="0" smtClean="0"/>
+          </a:p>
+        </p:txBody>
+      </p:sp>
+    </p:spTree>
+    <p:extLst>
+      <p:ext uri="{BB962C8B-B14F-4D97-AF65-F5344CB8AC3E}">
+        <p14:creationId xmlns:p14="http://schemas.microsoft.com/office/powerpoint/2010/main" val="3464087238"/>
+      </p:ext>
+    </p:extLst>
+  </p:cSld>
+  <p:clrMapOvr>
+    <a:masterClrMapping/>
+  </p:clrMapOvr>
+  <mc:AlternateContent xmlns:mc="http://schemas.openxmlformats.org/markup-compatibility/2006" xmlns:p14="http://schemas.microsoft.com/office/powerpoint/2010/main">
+    <mc:Choice Requires="p14">
+      <p:transition spd="slow" p14:dur="2000"/>
+    </mc:Choice>
+    <mc:Fallback xmlns="">
+      <p:transition spd="slow"/>
+    </mc:Fallback>
+  </mc:AlternateContent>
+  <p:timing>
+    <p:tnLst>
+      <p:par>
+        <p:cTn id="1" dur="indefinite" restart="never" nodeType="tmRoot"/>
+      </p:par>
+    </p:tnLst>
+  </p:timing>
+</p:sld>
+</file>
+
+<file path=ppt/slides/slide9.xml><?xml version="1.0" encoding="utf-8"?>
+<p:sld xmlns:a="http://schemas.openxmlformats.org/drawingml/2006/main" xmlns:r="http://schemas.openxmlformats.org/officeDocument/2006/relationships" xmlns:p="http://schemas.openxmlformats.org/presentationml/2006/main" show="0">
+  <p:cSld>
+    <p:spTree>
+      <p:nvGrpSpPr>
+        <p:cNvPr id="1" name=""/>
+        <p:cNvGrpSpPr/>
+        <p:nvPr/>
+      </p:nvGrpSpPr>
+      <p:grpSpPr>
+        <a:xfrm>
+          <a:off x="0" y="0"/>
+          <a:ext cx="0" cy="0"/>
+          <a:chOff x="0" y="0"/>
+          <a:chExt cx="0" cy="0"/>
+        </a:xfrm>
+      </p:grpSpPr>
+      <p:sp>
+        <p:nvSpPr>
+          <p:cNvPr id="2" name="כותרת 1"/>
+          <p:cNvSpPr>
+            <a:spLocks noGrp="1"/>
+          </p:cNvSpPr>
+          <p:nvPr>
+            <p:ph type="title"/>
+          </p:nvPr>
+        </p:nvSpPr>
+        <p:spPr>
+          <a:xfrm>
+            <a:off x="0" y="0"/>
+            <a:ext cx="9144000" cy="1268760"/>
+          </a:xfrm>
+          <a:solidFill>
+            <a:schemeClr val="tx2">
+              <a:lumMod val="60000"/>
+              <a:lumOff val="40000"/>
+            </a:schemeClr>
+          </a:solidFill>
+        </p:spPr>
+        <p:txBody>
+          <a:bodyPr>
+            <a:normAutofit/>
+          </a:bodyPr>
+          <a:lstStyle/>
+          <a:p>
+            <a:pPr rtl="0"/>
+            <a:r>
               <a:rPr lang="en-US" sz="3200" b="1" dirty="0" smtClean="0"/>
               <a:t>Outline</a:t>
             </a:r>
@@ -50222,7 +51370,7 @@
             <a:fld id="{99A8CB1B-85B5-416B-B838-2C014F74C4F2}" type="slidenum">
               <a:rPr lang="he-IL" smtClean="0"/>
               <a:pPr/>
-              <a:t>7</a:t>
+              <a:t>9</a:t>
             </a:fld>
             <a:endParaRPr lang="he-IL"/>
           </a:p>
@@ -50393,7 +51541,14 @@
                 <a:latin typeface="Baskerville Old Face" panose="02020602080505020303" pitchFamily="18" charset="0"/>
                 <a:cs typeface="Aharoni" panose="02010803020104030203" pitchFamily="2" charset="-79"/>
               </a:rPr>
-              <a:t>As the first step of this presentation, we shall go through the main stream design characteristics, as we well-learnt during this course.</a:t>
+              <a:t>As the first step of this presentation, we shall go through the main stream design characteristics, as we well-learnt during this </a:t>
+            </a:r>
+            <a:r>
+              <a:rPr lang="en-US" dirty="0" smtClean="0">
+                <a:latin typeface="Baskerville Old Face" panose="02020602080505020303" pitchFamily="18" charset="0"/>
+                <a:cs typeface="Aharoni" panose="02010803020104030203" pitchFamily="2" charset="-79"/>
+              </a:rPr>
+              <a:t>course.</a:t>
             </a:r>
             <a:endParaRPr lang="en-US" b="1" dirty="0" smtClean="0"/>
           </a:p>
@@ -50944,296 +52099,6 @@
       <p:bldP spid="6" grpId="0"/>
       <p:bldP spid="7" grpId="0"/>
     </p:bldLst>
-  </p:timing>
-</p:sld>
-</file>
-
-<file path=ppt/slides/slide8.xml><?xml version="1.0" encoding="utf-8"?>
-<p:sld xmlns:a="http://schemas.openxmlformats.org/drawingml/2006/main" xmlns:r="http://schemas.openxmlformats.org/officeDocument/2006/relationships" xmlns:p="http://schemas.openxmlformats.org/presentationml/2006/main" show="0">
-  <p:cSld>
-    <p:spTree>
-      <p:nvGrpSpPr>
-        <p:cNvPr id="1" name=""/>
-        <p:cNvGrpSpPr/>
-        <p:nvPr/>
-      </p:nvGrpSpPr>
-      <p:grpSpPr>
-        <a:xfrm>
-          <a:off x="0" y="0"/>
-          <a:ext cx="0" cy="0"/>
-          <a:chOff x="0" y="0"/>
-          <a:chExt cx="0" cy="0"/>
-        </a:xfrm>
-      </p:grpSpPr>
-      <p:sp>
-        <p:nvSpPr>
-          <p:cNvPr id="2" name="כותרת 1"/>
-          <p:cNvSpPr>
-            <a:spLocks noGrp="1"/>
-          </p:cNvSpPr>
-          <p:nvPr>
-            <p:ph type="title"/>
-          </p:nvPr>
-        </p:nvSpPr>
-        <p:spPr>
-          <a:xfrm>
-            <a:off x="0" y="0"/>
-            <a:ext cx="9144000" cy="1268760"/>
-          </a:xfrm>
-          <a:solidFill>
-            <a:schemeClr val="tx2">
-              <a:lumMod val="60000"/>
-              <a:lumOff val="40000"/>
-            </a:schemeClr>
-          </a:solidFill>
-        </p:spPr>
-        <p:txBody>
-          <a:bodyPr>
-            <a:normAutofit/>
-          </a:bodyPr>
-          <a:lstStyle/>
-          <a:p>
-            <a:pPr algn="ctr" rtl="0"/>
-            <a:r>
-              <a:rPr lang="en-US" sz="3200" b="1" dirty="0" smtClean="0"/>
-              <a:t>VuFind – General Architecture</a:t>
-            </a:r>
-            <a:endParaRPr lang="he-IL" sz="3200" b="1" dirty="0"/>
-          </a:p>
-        </p:txBody>
-      </p:sp>
-      <p:sp>
-        <p:nvSpPr>
-          <p:cNvPr id="4" name="מציין מיקום של מספר שקופית 3"/>
-          <p:cNvSpPr>
-            <a:spLocks noGrp="1"/>
-          </p:cNvSpPr>
-          <p:nvPr>
-            <p:ph type="sldNum" sz="quarter" idx="12"/>
-          </p:nvPr>
-        </p:nvSpPr>
-        <p:spPr/>
-        <p:txBody>
-          <a:bodyPr/>
-          <a:lstStyle/>
-          <a:p>
-            <a:fld id="{99A8CB1B-85B5-416B-B838-2C014F74C4F2}" type="slidenum">
-              <a:rPr lang="he-IL" smtClean="0"/>
-              <a:pPr/>
-              <a:t>8</a:t>
-            </a:fld>
-            <a:endParaRPr lang="he-IL"/>
-          </a:p>
-        </p:txBody>
-      </p:sp>
-      <p:pic>
-        <p:nvPicPr>
-          <p:cNvPr id="5" name="Picture 2"/>
-          <p:cNvPicPr>
-            <a:picLocks noChangeAspect="1" noChangeArrowheads="1"/>
-          </p:cNvPicPr>
-          <p:nvPr/>
-        </p:nvPicPr>
-        <p:blipFill>
-          <a:blip r:embed="rId3">
-            <a:extLst>
-              <a:ext uri="{28A0092B-C50C-407E-A947-70E740481C1C}">
-                <a14:useLocalDpi xmlns:a14="http://schemas.microsoft.com/office/drawing/2010/main" val="0"/>
-              </a:ext>
-            </a:extLst>
-          </a:blip>
-          <a:srcRect/>
-          <a:stretch>
-            <a:fillRect/>
-          </a:stretch>
-        </p:blipFill>
-        <p:spPr bwMode="auto">
-          <a:xfrm>
-            <a:off x="251520" y="1412776"/>
-            <a:ext cx="8748464" cy="4824536"/>
-          </a:xfrm>
-          <a:prstGeom prst="rect">
-            <a:avLst/>
-          </a:prstGeom>
-          <a:noFill/>
-          <a:ln>
-            <a:noFill/>
-          </a:ln>
-          <a:extLst>
-            <a:ext uri="{909E8E84-426E-40DD-AFC4-6F175D3DCCD1}">
-              <a14:hiddenFill xmlns:a14="http://schemas.microsoft.com/office/drawing/2010/main">
-                <a:solidFill>
-                  <a:schemeClr val="accent1"/>
-                </a:solidFill>
-              </a14:hiddenFill>
-            </a:ext>
-            <a:ext uri="{91240B29-F687-4F45-9708-019B960494DF}">
-              <a14:hiddenLine xmlns:a14="http://schemas.microsoft.com/office/drawing/2010/main" w="9525">
-                <a:solidFill>
-                  <a:schemeClr val="tx1"/>
-                </a:solidFill>
-                <a:miter lim="800000"/>
-                <a:headEnd/>
-                <a:tailEnd/>
-              </a14:hiddenLine>
-            </a:ext>
-          </a:extLst>
-        </p:spPr>
-      </p:pic>
-    </p:spTree>
-    <p:extLst>
-      <p:ext uri="{BB962C8B-B14F-4D97-AF65-F5344CB8AC3E}">
-        <p14:creationId xmlns:p14="http://schemas.microsoft.com/office/powerpoint/2010/main" val="3864252837"/>
-      </p:ext>
-    </p:extLst>
-  </p:cSld>
-  <p:clrMapOvr>
-    <a:masterClrMapping/>
-  </p:clrMapOvr>
-  <mc:AlternateContent xmlns:mc="http://schemas.openxmlformats.org/markup-compatibility/2006" xmlns:p14="http://schemas.microsoft.com/office/powerpoint/2010/main">
-    <mc:Choice Requires="p14">
-      <p:transition spd="slow" p14:dur="2000"/>
-    </mc:Choice>
-    <mc:Fallback xmlns="">
-      <p:transition spd="slow"/>
-    </mc:Fallback>
-  </mc:AlternateContent>
-  <p:timing>
-    <p:tnLst>
-      <p:par>
-        <p:cTn id="1" dur="indefinite" restart="never" nodeType="tmRoot"/>
-      </p:par>
-    </p:tnLst>
-  </p:timing>
-</p:sld>
-</file>
-
-<file path=ppt/slides/slide9.xml><?xml version="1.0" encoding="utf-8"?>
-<p:sld xmlns:a="http://schemas.openxmlformats.org/drawingml/2006/main" xmlns:r="http://schemas.openxmlformats.org/officeDocument/2006/relationships" xmlns:p="http://schemas.openxmlformats.org/presentationml/2006/main" show="0">
-  <p:cSld>
-    <p:spTree>
-      <p:nvGrpSpPr>
-        <p:cNvPr id="1" name=""/>
-        <p:cNvGrpSpPr/>
-        <p:nvPr/>
-      </p:nvGrpSpPr>
-      <p:grpSpPr>
-        <a:xfrm>
-          <a:off x="0" y="0"/>
-          <a:ext cx="0" cy="0"/>
-          <a:chOff x="0" y="0"/>
-          <a:chExt cx="0" cy="0"/>
-        </a:xfrm>
-      </p:grpSpPr>
-      <p:sp>
-        <p:nvSpPr>
-          <p:cNvPr id="2" name="כותרת 1"/>
-          <p:cNvSpPr>
-            <a:spLocks noGrp="1"/>
-          </p:cNvSpPr>
-          <p:nvPr>
-            <p:ph type="title"/>
-          </p:nvPr>
-        </p:nvSpPr>
-        <p:spPr>
-          <a:xfrm>
-            <a:off x="0" y="0"/>
-            <a:ext cx="9144000" cy="1268760"/>
-          </a:xfrm>
-          <a:solidFill>
-            <a:schemeClr val="tx2">
-              <a:lumMod val="60000"/>
-              <a:lumOff val="40000"/>
-            </a:schemeClr>
-          </a:solidFill>
-        </p:spPr>
-        <p:txBody>
-          <a:bodyPr>
-            <a:normAutofit/>
-          </a:bodyPr>
-          <a:lstStyle/>
-          <a:p>
-            <a:pPr algn="ctr" rtl="0"/>
-            <a:r>
-              <a:rPr lang="en-US" sz="3200" b="1" dirty="0" smtClean="0"/>
-              <a:t>VuFind – Component Diagram</a:t>
-            </a:r>
-            <a:endParaRPr lang="he-IL" sz="3200" b="1" dirty="0"/>
-          </a:p>
-        </p:txBody>
-      </p:sp>
-      <p:sp>
-        <p:nvSpPr>
-          <p:cNvPr id="4" name="מציין מיקום של מספר שקופית 3"/>
-          <p:cNvSpPr>
-            <a:spLocks noGrp="1"/>
-          </p:cNvSpPr>
-          <p:nvPr>
-            <p:ph type="sldNum" sz="quarter" idx="12"/>
-          </p:nvPr>
-        </p:nvSpPr>
-        <p:spPr/>
-        <p:txBody>
-          <a:bodyPr/>
-          <a:lstStyle/>
-          <a:p>
-            <a:fld id="{99A8CB1B-85B5-416B-B838-2C014F74C4F2}" type="slidenum">
-              <a:rPr lang="he-IL" smtClean="0"/>
-              <a:pPr/>
-              <a:t>9</a:t>
-            </a:fld>
-            <a:endParaRPr lang="he-IL"/>
-          </a:p>
-        </p:txBody>
-      </p:sp>
-      <p:pic>
-        <p:nvPicPr>
-          <p:cNvPr id="3" name="Picture 2"/>
-          <p:cNvPicPr>
-            <a:picLocks noChangeAspect="1"/>
-          </p:cNvPicPr>
-          <p:nvPr/>
-        </p:nvPicPr>
-        <p:blipFill>
-          <a:blip r:embed="rId3"/>
-          <a:stretch>
-            <a:fillRect/>
-          </a:stretch>
-        </p:blipFill>
-        <p:spPr>
-          <a:xfrm>
-            <a:off x="251519" y="1292083"/>
-            <a:ext cx="8712969" cy="5086350"/>
-          </a:xfrm>
-          <a:prstGeom prst="rect">
-            <a:avLst/>
-          </a:prstGeom>
-        </p:spPr>
-      </p:pic>
-    </p:spTree>
-    <p:extLst>
-      <p:ext uri="{BB962C8B-B14F-4D97-AF65-F5344CB8AC3E}">
-        <p14:creationId xmlns:p14="http://schemas.microsoft.com/office/powerpoint/2010/main" val="475184652"/>
-      </p:ext>
-    </p:extLst>
-  </p:cSld>
-  <p:clrMapOvr>
-    <a:masterClrMapping/>
-  </p:clrMapOvr>
-  <mc:AlternateContent xmlns:mc="http://schemas.openxmlformats.org/markup-compatibility/2006" xmlns:p14="http://schemas.microsoft.com/office/powerpoint/2010/main">
-    <mc:Choice Requires="p14">
-      <p:transition spd="slow" p14:dur="2000"/>
-    </mc:Choice>
-    <mc:Fallback xmlns="">
-      <p:transition spd="slow"/>
-    </mc:Fallback>
-  </mc:AlternateContent>
-  <p:timing>
-    <p:tnLst>
-      <p:par>
-        <p:cTn id="1" dur="indefinite" restart="never" nodeType="tmRoot"/>
-      </p:par>
-    </p:tnLst>
   </p:timing>
 </p:sld>
 </file>
